--- a/poster/TB_SG_affiche.pptx
+++ b/poster/TB_SG_affiche.pptx
@@ -44,7 +44,7 @@
       </p:grpSpPr>
       <p:sp>
         <p:nvSpPr>
-          <p:cNvPr id="65" name="PlaceHolder 1"/>
+          <p:cNvPr id="48" name="PlaceHolder 1"/>
           <p:cNvSpPr>
             <a:spLocks noGrp="1"/>
           </p:cNvSpPr>
@@ -70,27 +70,28 @@
             <a:noAutofit/>
           </a:bodyPr>
           <a:p>
-            <a:r>
-              <a:rPr b="0" lang="en-US" sz="1800" spc="-1" strike="noStrike">
-                <a:solidFill>
-                  <a:schemeClr val="dk1"/>
-                </a:solidFill>
-                <a:latin typeface="Aptos"/>
+            <a:pPr algn="ctr"/>
+            <a:r>
+              <a:rPr b="0" lang="en-US" sz="4400" spc="-1" strike="noStrike">
+                <a:solidFill>
+                  <a:srgbClr val="000000"/>
+                </a:solidFill>
+                <a:latin typeface="Arial"/>
               </a:rPr>
               <a:t>Click to move the slide</a:t>
             </a:r>
-            <a:endParaRPr b="0" lang="en-US" sz="1800" spc="-1" strike="noStrike">
-              <a:solidFill>
-                <a:schemeClr val="dk1"/>
-              </a:solidFill>
-              <a:latin typeface="Aptos"/>
-            </a:endParaRPr>
-          </a:p>
-        </p:txBody>
-      </p:sp>
-      <p:sp>
-        <p:nvSpPr>
-          <p:cNvPr id="66" name="PlaceHolder 2"/>
+            <a:endParaRPr b="0" lang="en-US" sz="4400" spc="-1" strike="noStrike">
+              <a:solidFill>
+                <a:srgbClr val="000000"/>
+              </a:solidFill>
+              <a:latin typeface="Arial"/>
+            </a:endParaRPr>
+          </a:p>
+        </p:txBody>
+      </p:sp>
+      <p:sp>
+        <p:nvSpPr>
+          <p:cNvPr id="49" name="PlaceHolder 2"/>
           <p:cNvSpPr>
             <a:spLocks noGrp="1"/>
           </p:cNvSpPr>
@@ -139,7 +140,7 @@
       </p:sp>
       <p:sp>
         <p:nvSpPr>
-          <p:cNvPr id="67" name="PlaceHolder 3"/>
+          <p:cNvPr id="50" name="PlaceHolder 3"/>
           <p:cNvSpPr>
             <a:spLocks noGrp="1"/>
           </p:cNvSpPr>
@@ -188,7 +189,7 @@
       </p:sp>
       <p:sp>
         <p:nvSpPr>
-          <p:cNvPr id="68" name="PlaceHolder 4"/>
+          <p:cNvPr id="51" name="PlaceHolder 4"/>
           <p:cNvSpPr>
             <a:spLocks noGrp="1"/>
           </p:cNvSpPr>
@@ -248,7 +249,7 @@
       </p:sp>
       <p:sp>
         <p:nvSpPr>
-          <p:cNvPr id="69" name="PlaceHolder 5"/>
+          <p:cNvPr id="52" name="PlaceHolder 5"/>
           <p:cNvSpPr>
             <a:spLocks noGrp="1"/>
           </p:cNvSpPr>
@@ -308,7 +309,7 @@
       </p:sp>
       <p:sp>
         <p:nvSpPr>
-          <p:cNvPr id="70" name="PlaceHolder 6"/>
+          <p:cNvPr id="53" name="PlaceHolder 6"/>
           <p:cNvSpPr>
             <a:spLocks noGrp="1"/>
           </p:cNvSpPr>
@@ -348,7 +349,7 @@
             <a:pPr indent="0" algn="r">
               <a:buNone/>
             </a:pPr>
-            <a:fld id="{1A98AE7F-BDF2-41EF-8D5B-94EB55C3ED4B}" type="slidenum">
+            <a:fld id="{AD8E06F6-3A29-489C-8414-81084104C7C7}" type="slidenum">
               <a:rPr b="0" lang="en-US" sz="1400" spc="-1" strike="noStrike">
                 <a:solidFill>
                   <a:srgbClr val="000000"/>
@@ -391,7 +392,7 @@
       </p:grpSpPr>
       <p:sp>
         <p:nvSpPr>
-          <p:cNvPr id="82" name="PlaceHolder 1"/>
+          <p:cNvPr id="70" name="PlaceHolder 1"/>
           <p:cNvSpPr>
             <a:spLocks noGrp="1"/>
           </p:cNvSpPr>
@@ -402,7 +403,7 @@
         <p:spPr>
           <a:xfrm>
             <a:off x="2338560" y="1143000"/>
-            <a:ext cx="2180880" cy="3085920"/>
+            <a:ext cx="2180160" cy="3085200"/>
           </a:xfrm>
           <a:prstGeom prst="rect">
             <a:avLst/>
@@ -414,7 +415,7 @@
       </p:sp>
       <p:sp>
         <p:nvSpPr>
-          <p:cNvPr id="83" name="PlaceHolder 2"/>
+          <p:cNvPr id="71" name="PlaceHolder 2"/>
           <p:cNvSpPr>
             <a:spLocks noGrp="1"/>
           </p:cNvSpPr>
@@ -425,7 +426,7 @@
         <p:spPr>
           <a:xfrm>
             <a:off x="685800" y="4400640"/>
-            <a:ext cx="5486040" cy="3600000"/>
+            <a:ext cx="5485320" cy="3599280"/>
           </a:xfrm>
           <a:prstGeom prst="rect">
             <a:avLst/>
@@ -454,7 +455,7 @@
       </p:sp>
       <p:sp>
         <p:nvSpPr>
-          <p:cNvPr id="84" name="PlaceHolder 3"/>
+          <p:cNvPr id="72" name="PlaceHolder 3"/>
           <p:cNvSpPr>
             <a:spLocks noGrp="1"/>
           </p:cNvSpPr>
@@ -465,7 +466,7 @@
         <p:spPr>
           <a:xfrm>
             <a:off x="3884760" y="8685360"/>
-            <a:ext cx="2971440" cy="458280"/>
+            <a:ext cx="2970720" cy="457560"/>
           </a:xfrm>
           <a:prstGeom prst="rect">
             <a:avLst/>
@@ -485,6 +486,9 @@
                 <a:spcPct val="100000"/>
               </a:lnSpc>
               <a:buNone/>
+              <a:tabLst>
+                <a:tab algn="l" pos="0"/>
+              </a:tabLst>
               <a:defRPr b="0" lang="fr-CH" sz="1200" spc="-1" strike="noStrike">
                 <a:solidFill>
                   <a:srgbClr val="000000"/>
@@ -499,8 +503,11 @@
                 <a:spcPct val="100000"/>
               </a:lnSpc>
               <a:buNone/>
-            </a:pPr>
-            <a:fld id="{7D5E1001-59E0-45DE-992B-557C92E29392}" type="slidenum">
+              <a:tabLst>
+                <a:tab algn="l" pos="0"/>
+              </a:tabLst>
+            </a:pPr>
+            <a:fld id="{65B776FA-C544-42A5-A92F-DED2163688EC}" type="slidenum">
               <a:rPr b="0" lang="fr-CH" sz="1200" spc="-1" strike="noStrike">
                 <a:solidFill>
                   <a:srgbClr val="000000"/>
@@ -553,7 +560,7 @@
         <p:spPr>
           <a:xfrm>
             <a:off x="801720" y="2474280"/>
-            <a:ext cx="9087840" cy="5263560"/>
+            <a:ext cx="9087120" cy="5262840"/>
           </a:xfrm>
           <a:prstGeom prst="rect">
             <a:avLst/>
@@ -568,14 +575,14 @@
             <a:noAutofit/>
           </a:bodyPr>
           <a:p>
-            <a:pPr indent="0">
+            <a:pPr indent="0" algn="ctr">
               <a:buNone/>
             </a:pPr>
-            <a:endParaRPr b="0" lang="en-US" sz="1800" spc="-1" strike="noStrike">
-              <a:solidFill>
-                <a:schemeClr val="dk1"/>
-              </a:solidFill>
-              <a:latin typeface="Aptos"/>
+            <a:endParaRPr b="0" lang="en-US" sz="4400" spc="-1" strike="noStrike">
+              <a:solidFill>
+                <a:srgbClr val="000000"/>
+              </a:solidFill>
+              <a:latin typeface="Arial"/>
             </a:endParaRPr>
           </a:p>
         </p:txBody>
@@ -627,7 +634,7 @@
             <a:spLocks noGrp="1"/>
           </p:cNvSpPr>
           <p:nvPr>
-            <p:ph type="ftr" idx="2"/>
+            <p:ph type="ftr" idx="1"/>
           </p:nvPr>
         </p:nvSpPr>
         <p:spPr/>
@@ -647,14 +654,14 @@
             <a:spLocks noGrp="1"/>
           </p:cNvSpPr>
           <p:nvPr>
-            <p:ph type="sldNum" idx="3"/>
+            <p:ph type="sldNum" idx="2"/>
           </p:nvPr>
         </p:nvSpPr>
         <p:spPr/>
         <p:txBody>
           <a:bodyPr/>
           <a:p>
-            <a:fld id="{335DA966-D8B2-40FC-A8E7-78E1F0437148}" type="slidenum">
+            <a:fld id="{3972A01D-E6CD-4A10-AD18-B2AFDB319D6C}" type="slidenum">
               <a:t>&lt;#&gt;</a:t>
             </a:fld>
           </a:p>
@@ -667,7 +674,7 @@
             <a:spLocks noGrp="1"/>
           </p:cNvSpPr>
           <p:nvPr>
-            <p:ph type="dt" idx="1"/>
+            <p:ph type="dt" idx="3"/>
           </p:nvPr>
         </p:nvSpPr>
         <p:spPr/>
@@ -710,7 +717,7 @@
             <a:spLocks noGrp="1"/>
           </p:cNvSpPr>
           <p:nvPr>
-            <p:ph type="ftr" idx="29"/>
+            <p:ph type="ftr" idx="28"/>
           </p:nvPr>
         </p:nvSpPr>
         <p:spPr/>
@@ -730,14 +737,14 @@
             <a:spLocks noGrp="1"/>
           </p:cNvSpPr>
           <p:nvPr>
-            <p:ph type="sldNum" idx="30"/>
+            <p:ph type="sldNum" idx="29"/>
           </p:nvPr>
         </p:nvSpPr>
         <p:spPr/>
         <p:txBody>
           <a:bodyPr/>
           <a:p>
-            <a:fld id="{A9F09042-7C54-4249-8840-A8BE7AB65CC1}" type="slidenum">
+            <a:fld id="{61105724-B4FB-4D83-AF2E-6DFC52AEE9FD}" type="slidenum">
               <a:t>&lt;#&gt;</a:t>
             </a:fld>
           </a:p>
@@ -750,7 +757,7 @@
             <a:spLocks noGrp="1"/>
           </p:cNvSpPr>
           <p:nvPr>
-            <p:ph type="dt" idx="28"/>
+            <p:ph type="dt" idx="30"/>
           </p:nvPr>
         </p:nvSpPr>
         <p:spPr/>
@@ -793,7 +800,7 @@
             <a:spLocks noGrp="1"/>
           </p:cNvSpPr>
           <p:nvPr>
-            <p:ph type="ftr" idx="32"/>
+            <p:ph type="ftr" idx="31"/>
           </p:nvPr>
         </p:nvSpPr>
         <p:spPr/>
@@ -813,14 +820,14 @@
             <a:spLocks noGrp="1"/>
           </p:cNvSpPr>
           <p:nvPr>
-            <p:ph type="sldNum" idx="33"/>
+            <p:ph type="sldNum" idx="32"/>
           </p:nvPr>
         </p:nvSpPr>
         <p:spPr/>
         <p:txBody>
           <a:bodyPr/>
           <a:p>
-            <a:fld id="{F95DB406-9382-4640-9B56-343047DE606F}" type="slidenum">
+            <a:fld id="{49C7CAD7-F7B5-4E88-9920-3A6314BEE2CF}" type="slidenum">
               <a:t>&lt;#&gt;</a:t>
             </a:fld>
           </a:p>
@@ -833,7 +840,7 @@
             <a:spLocks noGrp="1"/>
           </p:cNvSpPr>
           <p:nvPr>
-            <p:ph type="dt" idx="31"/>
+            <p:ph type="dt" idx="33"/>
           </p:nvPr>
         </p:nvSpPr>
         <p:spPr/>
@@ -876,7 +883,7 @@
             <a:spLocks noGrp="1"/>
           </p:cNvSpPr>
           <p:nvPr>
-            <p:ph type="ftr" idx="5"/>
+            <p:ph type="ftr" idx="4"/>
           </p:nvPr>
         </p:nvSpPr>
         <p:spPr/>
@@ -896,14 +903,14 @@
             <a:spLocks noGrp="1"/>
           </p:cNvSpPr>
           <p:nvPr>
-            <p:ph type="sldNum" idx="6"/>
+            <p:ph type="sldNum" idx="5"/>
           </p:nvPr>
         </p:nvSpPr>
         <p:spPr/>
         <p:txBody>
           <a:bodyPr/>
           <a:p>
-            <a:fld id="{1846A595-3228-4F5C-B819-D56F71630EC9}" type="slidenum">
+            <a:fld id="{3952DCFE-73AA-45ED-89FE-504A7B566BB6}" type="slidenum">
               <a:t>&lt;#&gt;</a:t>
             </a:fld>
           </a:p>
@@ -916,7 +923,7 @@
             <a:spLocks noGrp="1"/>
           </p:cNvSpPr>
           <p:nvPr>
-            <p:ph type="dt" idx="4"/>
+            <p:ph type="dt" idx="6"/>
           </p:nvPr>
         </p:nvSpPr>
         <p:spPr/>
@@ -959,7 +966,7 @@
             <a:spLocks noGrp="1"/>
           </p:cNvSpPr>
           <p:nvPr>
-            <p:ph type="ftr" idx="8"/>
+            <p:ph type="ftr" idx="7"/>
           </p:nvPr>
         </p:nvSpPr>
         <p:spPr/>
@@ -979,14 +986,14 @@
             <a:spLocks noGrp="1"/>
           </p:cNvSpPr>
           <p:nvPr>
-            <p:ph type="sldNum" idx="9"/>
+            <p:ph type="sldNum" idx="8"/>
           </p:nvPr>
         </p:nvSpPr>
         <p:spPr/>
         <p:txBody>
           <a:bodyPr/>
           <a:p>
-            <a:fld id="{21CBA4CF-0A3C-4CA7-A3D7-6A5CC9ECB412}" type="slidenum">
+            <a:fld id="{2A6D82EB-6A99-4DB5-94E6-7EE7463F237D}" type="slidenum">
               <a:t>&lt;#&gt;</a:t>
             </a:fld>
           </a:p>
@@ -999,7 +1006,7 @@
             <a:spLocks noGrp="1"/>
           </p:cNvSpPr>
           <p:nvPr>
-            <p:ph type="dt" idx="7"/>
+            <p:ph type="dt" idx="9"/>
           </p:nvPr>
         </p:nvSpPr>
         <p:spPr/>
@@ -1037,7 +1044,7 @@
       </p:grpSpPr>
       <p:sp>
         <p:nvSpPr>
-          <p:cNvPr id="21" name="PlaceHolder 1"/>
+          <p:cNvPr id="17" name="PlaceHolder 1"/>
           <p:cNvSpPr>
             <a:spLocks noGrp="1"/>
           </p:cNvSpPr>
@@ -1048,7 +1055,7 @@
         <p:spPr>
           <a:xfrm>
             <a:off x="801720" y="2474280"/>
-            <a:ext cx="9087840" cy="5263560"/>
+            <a:ext cx="9087120" cy="5262840"/>
           </a:xfrm>
           <a:prstGeom prst="rect">
             <a:avLst/>
@@ -1063,21 +1070,21 @@
             <a:noAutofit/>
           </a:bodyPr>
           <a:p>
-            <a:pPr indent="0">
+            <a:pPr indent="0" algn="ctr">
               <a:buNone/>
             </a:pPr>
-            <a:endParaRPr b="0" lang="en-US" sz="1800" spc="-1" strike="noStrike">
-              <a:solidFill>
-                <a:schemeClr val="dk1"/>
-              </a:solidFill>
-              <a:latin typeface="Aptos"/>
-            </a:endParaRPr>
-          </a:p>
-        </p:txBody>
-      </p:sp>
-      <p:sp>
-        <p:nvSpPr>
-          <p:cNvPr id="22" name="PlaceHolder 2"/>
+            <a:endParaRPr b="0" lang="en-US" sz="4400" spc="-1" strike="noStrike">
+              <a:solidFill>
+                <a:srgbClr val="000000"/>
+              </a:solidFill>
+              <a:latin typeface="Arial"/>
+            </a:endParaRPr>
+          </a:p>
+        </p:txBody>
+      </p:sp>
+      <p:sp>
+        <p:nvSpPr>
+          <p:cNvPr id="18" name="PlaceHolder 2"/>
           <p:cNvSpPr>
             <a:spLocks noGrp="1"/>
           </p:cNvSpPr>
@@ -1104,19 +1111,16 @@
           </a:bodyPr>
           <a:p>
             <a:pPr indent="0">
-              <a:lnSpc>
-                <a:spcPct val="90000"/>
-              </a:lnSpc>
               <a:spcBef>
                 <a:spcPts val="1417"/>
               </a:spcBef>
               <a:buNone/>
             </a:pPr>
-            <a:endParaRPr b="0" lang="en-US" sz="3270" spc="-1" strike="noStrike">
-              <a:solidFill>
-                <a:schemeClr val="dk1"/>
-              </a:solidFill>
-              <a:latin typeface="Aptos"/>
+            <a:endParaRPr b="0" lang="en-US" sz="3200" spc="-1" strike="noStrike">
+              <a:solidFill>
+                <a:srgbClr val="000000"/>
+              </a:solidFill>
+              <a:latin typeface="Arial"/>
             </a:endParaRPr>
           </a:p>
         </p:txBody>
@@ -1128,7 +1132,7 @@
             <a:spLocks noGrp="1"/>
           </p:cNvSpPr>
           <p:nvPr>
-            <p:ph type="ftr" idx="11"/>
+            <p:ph type="ftr" idx="10"/>
           </p:nvPr>
         </p:nvSpPr>
         <p:spPr/>
@@ -1148,14 +1152,14 @@
             <a:spLocks noGrp="1"/>
           </p:cNvSpPr>
           <p:nvPr>
-            <p:ph type="sldNum" idx="12"/>
+            <p:ph type="sldNum" idx="11"/>
           </p:nvPr>
         </p:nvSpPr>
         <p:spPr/>
         <p:txBody>
           <a:bodyPr/>
           <a:p>
-            <a:fld id="{32C91DAE-5170-49CD-82E5-EA98E0469073}" type="slidenum">
+            <a:fld id="{52AF2ADD-4192-47C4-B162-FBFD0AD51F95}" type="slidenum">
               <a:t>&lt;#&gt;</a:t>
             </a:fld>
           </a:p>
@@ -1168,7 +1172,7 @@
             <a:spLocks noGrp="1"/>
           </p:cNvSpPr>
           <p:nvPr>
-            <p:ph type="dt" idx="10"/>
+            <p:ph type="dt" idx="12"/>
           </p:nvPr>
         </p:nvSpPr>
         <p:spPr/>
@@ -1211,7 +1215,7 @@
             <a:spLocks noGrp="1"/>
           </p:cNvSpPr>
           <p:nvPr>
-            <p:ph type="ftr" idx="14"/>
+            <p:ph type="ftr" idx="13"/>
           </p:nvPr>
         </p:nvSpPr>
         <p:spPr/>
@@ -1231,14 +1235,14 @@
             <a:spLocks noGrp="1"/>
           </p:cNvSpPr>
           <p:nvPr>
-            <p:ph type="sldNum" idx="15"/>
+            <p:ph type="sldNum" idx="14"/>
           </p:nvPr>
         </p:nvSpPr>
         <p:spPr/>
         <p:txBody>
           <a:bodyPr/>
           <a:p>
-            <a:fld id="{5A6F219E-1450-46A5-84A4-5DE4183C6FF7}" type="slidenum">
+            <a:fld id="{882BD46E-1DBB-426D-9238-7E92E9D48E98}" type="slidenum">
               <a:t>&lt;#&gt;</a:t>
             </a:fld>
           </a:p>
@@ -1251,7 +1255,7 @@
             <a:spLocks noGrp="1"/>
           </p:cNvSpPr>
           <p:nvPr>
-            <p:ph type="dt" idx="13"/>
+            <p:ph type="dt" idx="15"/>
           </p:nvPr>
         </p:nvSpPr>
         <p:spPr/>
@@ -1289,7 +1293,7 @@
       </p:grpSpPr>
       <p:sp>
         <p:nvSpPr>
-          <p:cNvPr id="34" name="PlaceHolder 1"/>
+          <p:cNvPr id="28" name="PlaceHolder 1"/>
           <p:cNvSpPr>
             <a:spLocks noGrp="1"/>
           </p:cNvSpPr>
@@ -1300,7 +1304,7 @@
         <p:spPr>
           <a:xfrm>
             <a:off x="801720" y="2474280"/>
-            <a:ext cx="9087840" cy="5263560"/>
+            <a:ext cx="9087120" cy="5262840"/>
           </a:xfrm>
           <a:prstGeom prst="rect">
             <a:avLst/>
@@ -1315,21 +1319,21 @@
             <a:noAutofit/>
           </a:bodyPr>
           <a:p>
-            <a:pPr indent="0">
+            <a:pPr indent="0" algn="ctr">
               <a:buNone/>
             </a:pPr>
-            <a:endParaRPr b="0" lang="en-US" sz="1800" spc="-1" strike="noStrike">
-              <a:solidFill>
-                <a:schemeClr val="dk1"/>
-              </a:solidFill>
-              <a:latin typeface="Aptos"/>
-            </a:endParaRPr>
-          </a:p>
-        </p:txBody>
-      </p:sp>
-      <p:sp>
-        <p:nvSpPr>
-          <p:cNvPr id="35" name="PlaceHolder 2"/>
+            <a:endParaRPr b="0" lang="en-US" sz="4400" spc="-1" strike="noStrike">
+              <a:solidFill>
+                <a:srgbClr val="000000"/>
+              </a:solidFill>
+              <a:latin typeface="Arial"/>
+            </a:endParaRPr>
+          </a:p>
+        </p:txBody>
+      </p:sp>
+      <p:sp>
+        <p:nvSpPr>
+          <p:cNvPr id="29" name="PlaceHolder 2"/>
           <p:cNvSpPr>
             <a:spLocks noGrp="1"/>
           </p:cNvSpPr>
@@ -1356,26 +1360,23 @@
           </a:bodyPr>
           <a:p>
             <a:pPr indent="0">
-              <a:lnSpc>
-                <a:spcPct val="90000"/>
-              </a:lnSpc>
               <a:spcBef>
                 <a:spcPts val="1417"/>
               </a:spcBef>
               <a:buNone/>
             </a:pPr>
-            <a:endParaRPr b="0" lang="en-US" sz="3270" spc="-1" strike="noStrike">
-              <a:solidFill>
-                <a:schemeClr val="dk1"/>
-              </a:solidFill>
-              <a:latin typeface="Aptos"/>
-            </a:endParaRPr>
-          </a:p>
-        </p:txBody>
-      </p:sp>
-      <p:sp>
-        <p:nvSpPr>
-          <p:cNvPr id="36" name="PlaceHolder 3"/>
+            <a:endParaRPr b="0" lang="en-US" sz="3200" spc="-1" strike="noStrike">
+              <a:solidFill>
+                <a:srgbClr val="000000"/>
+              </a:solidFill>
+              <a:latin typeface="Arial"/>
+            </a:endParaRPr>
+          </a:p>
+        </p:txBody>
+      </p:sp>
+      <p:sp>
+        <p:nvSpPr>
+          <p:cNvPr id="30" name="PlaceHolder 3"/>
           <p:cNvSpPr>
             <a:spLocks noGrp="1"/>
           </p:cNvSpPr>
@@ -1402,19 +1403,16 @@
           </a:bodyPr>
           <a:p>
             <a:pPr indent="0">
-              <a:lnSpc>
-                <a:spcPct val="90000"/>
-              </a:lnSpc>
               <a:spcBef>
                 <a:spcPts val="1417"/>
               </a:spcBef>
               <a:buNone/>
             </a:pPr>
-            <a:endParaRPr b="0" lang="en-US" sz="3270" spc="-1" strike="noStrike">
-              <a:solidFill>
-                <a:schemeClr val="dk1"/>
-              </a:solidFill>
-              <a:latin typeface="Aptos"/>
+            <a:endParaRPr b="0" lang="en-US" sz="3200" spc="-1" strike="noStrike">
+              <a:solidFill>
+                <a:srgbClr val="000000"/>
+              </a:solidFill>
+              <a:latin typeface="Arial"/>
             </a:endParaRPr>
           </a:p>
         </p:txBody>
@@ -1426,7 +1424,7 @@
             <a:spLocks noGrp="1"/>
           </p:cNvSpPr>
           <p:nvPr>
-            <p:ph type="ftr" idx="17"/>
+            <p:ph type="ftr" idx="16"/>
           </p:nvPr>
         </p:nvSpPr>
         <p:spPr/>
@@ -1446,14 +1444,14 @@
             <a:spLocks noGrp="1"/>
           </p:cNvSpPr>
           <p:nvPr>
-            <p:ph type="sldNum" idx="18"/>
+            <p:ph type="sldNum" idx="17"/>
           </p:nvPr>
         </p:nvSpPr>
         <p:spPr/>
         <p:txBody>
           <a:bodyPr/>
           <a:p>
-            <a:fld id="{29DF906B-5F2B-4E07-A4BA-055EB9F2B8A3}" type="slidenum">
+            <a:fld id="{B9A35058-D9B7-47ED-9D21-A7771BAA2190}" type="slidenum">
               <a:t>&lt;#&gt;</a:t>
             </a:fld>
           </a:p>
@@ -1466,7 +1464,7 @@
             <a:spLocks noGrp="1"/>
           </p:cNvSpPr>
           <p:nvPr>
-            <p:ph type="dt" idx="16"/>
+            <p:ph type="dt" idx="18"/>
           </p:nvPr>
         </p:nvSpPr>
         <p:spPr/>
@@ -1509,7 +1507,7 @@
             <a:spLocks noGrp="1"/>
           </p:cNvSpPr>
           <p:nvPr>
-            <p:ph type="ftr" idx="20"/>
+            <p:ph type="ftr" idx="19"/>
           </p:nvPr>
         </p:nvSpPr>
         <p:spPr/>
@@ -1529,14 +1527,14 @@
             <a:spLocks noGrp="1"/>
           </p:cNvSpPr>
           <p:nvPr>
-            <p:ph type="sldNum" idx="21"/>
+            <p:ph type="sldNum" idx="20"/>
           </p:nvPr>
         </p:nvSpPr>
         <p:spPr/>
         <p:txBody>
           <a:bodyPr/>
           <a:p>
-            <a:fld id="{243C5BFA-0578-49BD-97E8-7BF5C75077C3}" type="slidenum">
+            <a:fld id="{F24CE266-533D-46F3-B5F7-8CA8975CCEE6}" type="slidenum">
               <a:t>&lt;#&gt;</a:t>
             </a:fld>
           </a:p>
@@ -1549,7 +1547,7 @@
             <a:spLocks noGrp="1"/>
           </p:cNvSpPr>
           <p:nvPr>
-            <p:ph type="dt" idx="19"/>
+            <p:ph type="dt" idx="21"/>
           </p:nvPr>
         </p:nvSpPr>
         <p:spPr/>
@@ -1587,7 +1585,7 @@
       </p:grpSpPr>
       <p:sp>
         <p:nvSpPr>
-          <p:cNvPr id="49" name="PlaceHolder 1"/>
+          <p:cNvPr id="38" name="PlaceHolder 1"/>
           <p:cNvSpPr>
             <a:spLocks noGrp="1"/>
           </p:cNvSpPr>
@@ -1598,7 +1596,7 @@
         <p:spPr>
           <a:xfrm>
             <a:off x="801720" y="2474280"/>
-            <a:ext cx="9087840" cy="5263560"/>
+            <a:ext cx="9087120" cy="5262840"/>
           </a:xfrm>
           <a:prstGeom prst="rect">
             <a:avLst/>
@@ -1613,14 +1611,14 @@
             <a:noAutofit/>
           </a:bodyPr>
           <a:p>
-            <a:pPr indent="0">
+            <a:pPr indent="0" algn="ctr">
               <a:buNone/>
             </a:pPr>
-            <a:endParaRPr b="0" lang="en-US" sz="1800" spc="-1" strike="noStrike">
-              <a:solidFill>
-                <a:schemeClr val="dk1"/>
-              </a:solidFill>
-              <a:latin typeface="Aptos"/>
+            <a:endParaRPr b="0" lang="en-US" sz="4400" spc="-1" strike="noStrike">
+              <a:solidFill>
+                <a:srgbClr val="000000"/>
+              </a:solidFill>
+              <a:latin typeface="Arial"/>
             </a:endParaRPr>
           </a:p>
         </p:txBody>
@@ -1632,7 +1630,7 @@
             <a:spLocks noGrp="1"/>
           </p:cNvSpPr>
           <p:nvPr>
-            <p:ph type="ftr" idx="23"/>
+            <p:ph type="ftr" idx="22"/>
           </p:nvPr>
         </p:nvSpPr>
         <p:spPr/>
@@ -1652,14 +1650,14 @@
             <a:spLocks noGrp="1"/>
           </p:cNvSpPr>
           <p:nvPr>
-            <p:ph type="sldNum" idx="24"/>
+            <p:ph type="sldNum" idx="23"/>
           </p:nvPr>
         </p:nvSpPr>
         <p:spPr/>
         <p:txBody>
           <a:bodyPr/>
           <a:p>
-            <a:fld id="{2A6839B1-C679-4815-B45C-3EFFA28E5F5A}" type="slidenum">
+            <a:fld id="{99F9EC79-EA2A-47C0-8E3B-5230481EF669}" type="slidenum">
               <a:t>&lt;#&gt;</a:t>
             </a:fld>
           </a:p>
@@ -1672,7 +1670,7 @@
             <a:spLocks noGrp="1"/>
           </p:cNvSpPr>
           <p:nvPr>
-            <p:ph type="dt" idx="22"/>
+            <p:ph type="dt" idx="24"/>
           </p:nvPr>
         </p:nvSpPr>
         <p:spPr/>
@@ -1715,7 +1713,7 @@
             <a:spLocks noGrp="1"/>
           </p:cNvSpPr>
           <p:nvPr>
-            <p:ph type="ftr" idx="26"/>
+            <p:ph type="ftr" idx="25"/>
           </p:nvPr>
         </p:nvSpPr>
         <p:spPr/>
@@ -1735,14 +1733,14 @@
             <a:spLocks noGrp="1"/>
           </p:cNvSpPr>
           <p:nvPr>
-            <p:ph type="sldNum" idx="27"/>
+            <p:ph type="sldNum" idx="26"/>
           </p:nvPr>
         </p:nvSpPr>
         <p:spPr/>
         <p:txBody>
           <a:bodyPr/>
           <a:p>
-            <a:fld id="{050B3073-6E93-447B-9218-97ED0074A4E2}" type="slidenum">
+            <a:fld id="{CE9C54D9-FFD8-43AA-9196-F82ACFA1897A}" type="slidenum">
               <a:t>&lt;#&gt;</a:t>
             </a:fld>
           </a:p>
@@ -1755,7 +1753,7 @@
             <a:spLocks noGrp="1"/>
           </p:cNvSpPr>
           <p:nvPr>
-            <p:ph type="dt" idx="25"/>
+            <p:ph type="dt" idx="27"/>
           </p:nvPr>
         </p:nvSpPr>
         <p:spPr/>
@@ -1811,7 +1809,7 @@
         <p:spPr>
           <a:xfrm>
             <a:off x="801720" y="2474280"/>
-            <a:ext cx="9087840" cy="5263560"/>
+            <a:ext cx="9087120" cy="5262840"/>
           </a:xfrm>
           <a:prstGeom prst="rect">
             <a:avLst/>
@@ -1822,48 +1820,27 @@
           </a:ln>
         </p:spPr>
         <p:txBody>
-          <a:bodyPr lIns="91440" rIns="91440" tIns="45720" bIns="45720" anchor="b">
+          <a:bodyPr lIns="0" rIns="0" tIns="0" bIns="0" anchor="ctr">
             <a:noAutofit/>
           </a:bodyPr>
           <a:p>
-            <a:pPr indent="0" algn="ctr" defTabSz="1069200">
-              <a:lnSpc>
-                <a:spcPct val="90000"/>
-              </a:lnSpc>
+            <a:pPr indent="0">
               <a:buNone/>
             </a:pPr>
             <a:r>
-              <a:rPr b="0" lang="fr-FR" sz="7019" spc="-1" strike="noStrike">
-                <a:solidFill>
-                  <a:schemeClr val="dk1"/>
-                </a:solidFill>
-                <a:latin typeface="Aptos Display"/>
-              </a:rPr>
-              <a:t>Modifiez le </a:t>
-            </a:r>
-            <a:r>
-              <a:rPr b="0" lang="fr-FR" sz="7019" spc="-1" strike="noStrike">
-                <a:solidFill>
-                  <a:schemeClr val="dk1"/>
-                </a:solidFill>
-                <a:latin typeface="Aptos Display"/>
-              </a:rPr>
-              <a:t>style du </a:t>
-            </a:r>
-            <a:r>
-              <a:rPr b="0" lang="fr-FR" sz="7019" spc="-1" strike="noStrike">
-                <a:solidFill>
-                  <a:schemeClr val="dk1"/>
-                </a:solidFill>
-                <a:latin typeface="Aptos Display"/>
-              </a:rPr>
-              <a:t>titre</a:t>
-            </a:r>
-            <a:endParaRPr b="0" lang="en-US" sz="7019" spc="-1" strike="noStrike">
-              <a:solidFill>
-                <a:schemeClr val="dk1"/>
-              </a:solidFill>
-              <a:latin typeface="Aptos"/>
+              <a:rPr b="0" lang="en-US" sz="1800" spc="-1" strike="noStrike">
+                <a:solidFill>
+                  <a:srgbClr val="000000"/>
+                </a:solidFill>
+                <a:latin typeface="Arial"/>
+              </a:rPr>
+              <a:t>Click to edit the title text format</a:t>
+            </a:r>
+            <a:endParaRPr b="0" lang="en-US" sz="1800" spc="-1" strike="noStrike">
+              <a:solidFill>
+                <a:srgbClr val="000000"/>
+              </a:solidFill>
+              <a:latin typeface="Arial"/>
             </a:endParaRPr>
           </a:p>
         </p:txBody>
@@ -1875,13 +1852,13 @@
             <a:spLocks noGrp="1"/>
           </p:cNvSpPr>
           <p:nvPr>
-            <p:ph type="dt" idx="1"/>
+            <p:ph type="ftr" idx="1"/>
           </p:nvPr>
         </p:nvSpPr>
         <p:spPr>
           <a:xfrm>
-            <a:off x="735120" y="14013360"/>
-            <a:ext cx="2405160" cy="804600"/>
+            <a:off x="3541680" y="14013360"/>
+            <a:ext cx="3607560" cy="803880"/>
           </a:xfrm>
           <a:prstGeom prst="rect">
             <a:avLst/>
@@ -1896,40 +1873,42 @@
             <a:noAutofit/>
           </a:bodyPr>
           <a:lstStyle>
-            <a:lvl1pPr indent="0" defTabSz="457200">
+            <a:lvl1pPr indent="0" algn="ctr">
               <a:lnSpc>
                 <a:spcPct val="100000"/>
               </a:lnSpc>
               <a:buNone/>
-              <a:defRPr b="0" lang="fr-CH" sz="1410" spc="-1" strike="noStrike">
-                <a:solidFill>
-                  <a:schemeClr val="dk1">
-                    <a:tint val="82000"/>
-                  </a:schemeClr>
-                </a:solidFill>
-                <a:latin typeface="Aptos"/>
+              <a:tabLst>
+                <a:tab algn="l" pos="0"/>
+              </a:tabLst>
+              <a:defRPr b="0" lang="en-US" sz="1400" spc="-1" strike="noStrike">
+                <a:solidFill>
+                  <a:srgbClr val="000000"/>
+                </a:solidFill>
+                <a:latin typeface="Times New Roman"/>
               </a:defRPr>
             </a:lvl1pPr>
           </a:lstStyle>
           <a:p>
-            <a:pPr indent="0" defTabSz="457200">
+            <a:pPr indent="0" algn="ctr">
               <a:lnSpc>
                 <a:spcPct val="100000"/>
               </a:lnSpc>
               <a:buNone/>
-            </a:pPr>
-            <a:r>
-              <a:rPr b="0" lang="fr-CH" sz="1410" spc="-1" strike="noStrike">
-                <a:solidFill>
-                  <a:schemeClr val="dk1">
-                    <a:tint val="82000"/>
-                  </a:schemeClr>
-                </a:solidFill>
-                <a:latin typeface="Aptos"/>
-              </a:rPr>
-              <a:t>&lt;date/time&gt;</a:t>
-            </a:r>
-            <a:endParaRPr b="0" lang="en-US" sz="1410" spc="-1" strike="noStrike">
+              <a:tabLst>
+                <a:tab algn="l" pos="0"/>
+              </a:tabLst>
+            </a:pPr>
+            <a:r>
+              <a:rPr b="0" lang="en-US" sz="1400" spc="-1" strike="noStrike">
+                <a:solidFill>
+                  <a:srgbClr val="000000"/>
+                </a:solidFill>
+                <a:latin typeface="Times New Roman"/>
+              </a:rPr>
+              <a:t>&lt;footer&gt;</a:t>
+            </a:r>
+            <a:endParaRPr b="0" lang="en-US" sz="1400" spc="-1" strike="noStrike">
               <a:solidFill>
                 <a:srgbClr val="000000"/>
               </a:solidFill>
@@ -1945,13 +1924,13 @@
             <a:spLocks noGrp="1"/>
           </p:cNvSpPr>
           <p:nvPr>
-            <p:ph type="ftr" idx="2"/>
+            <p:ph type="sldNum" idx="2"/>
           </p:nvPr>
         </p:nvSpPr>
         <p:spPr>
           <a:xfrm>
-            <a:off x="3541680" y="14013360"/>
-            <a:ext cx="3608280" cy="804600"/>
+            <a:off x="7551000" y="14013360"/>
+            <a:ext cx="2404440" cy="803880"/>
           </a:xfrm>
           <a:prstGeom prst="rect">
             <a:avLst/>
@@ -1966,30 +1945,46 @@
             <a:noAutofit/>
           </a:bodyPr>
           <a:lstStyle>
-            <a:lvl1pPr indent="0" algn="ctr">
+            <a:lvl1pPr indent="0" algn="r" defTabSz="457200">
+              <a:lnSpc>
+                <a:spcPct val="100000"/>
+              </a:lnSpc>
               <a:buNone/>
-              <a:defRPr b="0" lang="en-US" sz="1400" spc="-1" strike="noStrike">
-                <a:solidFill>
-                  <a:srgbClr val="000000"/>
-                </a:solidFill>
-                <a:latin typeface="Times New Roman"/>
+              <a:tabLst>
+                <a:tab algn="l" pos="0"/>
+              </a:tabLst>
+              <a:defRPr b="0" lang="fr-CH" sz="1410" spc="-1" strike="noStrike">
+                <a:solidFill>
+                  <a:schemeClr val="dk1">
+                    <a:tint val="82000"/>
+                  </a:schemeClr>
+                </a:solidFill>
+                <a:latin typeface="Aptos"/>
               </a:defRPr>
             </a:lvl1pPr>
           </a:lstStyle>
           <a:p>
-            <a:pPr indent="0" algn="ctr">
+            <a:pPr indent="0" algn="r" defTabSz="457200">
+              <a:lnSpc>
+                <a:spcPct val="100000"/>
+              </a:lnSpc>
               <a:buNone/>
-            </a:pPr>
-            <a:r>
-              <a:rPr b="0" lang="en-US" sz="1400" spc="-1" strike="noStrike">
-                <a:solidFill>
-                  <a:srgbClr val="000000"/>
-                </a:solidFill>
-                <a:latin typeface="Times New Roman"/>
-              </a:rPr>
-              <a:t>&lt;footer&gt;</a:t>
-            </a:r>
-            <a:endParaRPr b="0" lang="en-US" sz="1400" spc="-1" strike="noStrike">
+              <a:tabLst>
+                <a:tab algn="l" pos="0"/>
+              </a:tabLst>
+            </a:pPr>
+            <a:fld id="{FD569C34-273F-459C-BF94-8C98C0541C0E}" type="slidenum">
+              <a:rPr b="0" lang="fr-CH" sz="1410" spc="-1" strike="noStrike">
+                <a:solidFill>
+                  <a:schemeClr val="dk1">
+                    <a:tint val="82000"/>
+                  </a:schemeClr>
+                </a:solidFill>
+                <a:latin typeface="Aptos"/>
+              </a:rPr>
+              <a:t>&lt;number&gt;</a:t>
+            </a:fld>
+            <a:endParaRPr b="0" lang="en-US" sz="1410" spc="-1" strike="noStrike">
               <a:solidFill>
                 <a:srgbClr val="000000"/>
               </a:solidFill>
@@ -2005,13 +2000,13 @@
             <a:spLocks noGrp="1"/>
           </p:cNvSpPr>
           <p:nvPr>
-            <p:ph type="sldNum" idx="3"/>
+            <p:ph type="dt" idx="3"/>
           </p:nvPr>
         </p:nvSpPr>
         <p:spPr>
           <a:xfrm>
-            <a:off x="7551000" y="14013360"/>
-            <a:ext cx="2405160" cy="804600"/>
+            <a:off x="735120" y="14013360"/>
+            <a:ext cx="2404440" cy="803880"/>
           </a:xfrm>
           <a:prstGeom prst="rect">
             <a:avLst/>
@@ -2026,40 +2021,30 @@
             <a:noAutofit/>
           </a:bodyPr>
           <a:lstStyle>
-            <a:lvl1pPr indent="0" algn="r" defTabSz="457200">
-              <a:lnSpc>
-                <a:spcPct val="100000"/>
-              </a:lnSpc>
+            <a:lvl1pPr indent="0">
               <a:buNone/>
-              <a:defRPr b="0" lang="fr-CH" sz="1410" spc="-1" strike="noStrike">
-                <a:solidFill>
-                  <a:schemeClr val="dk1">
-                    <a:tint val="82000"/>
-                  </a:schemeClr>
-                </a:solidFill>
-                <a:latin typeface="Aptos"/>
+              <a:defRPr b="0" lang="en-US" sz="1400" spc="-1" strike="noStrike">
+                <a:solidFill>
+                  <a:srgbClr val="000000"/>
+                </a:solidFill>
+                <a:latin typeface="Times New Roman"/>
               </a:defRPr>
             </a:lvl1pPr>
           </a:lstStyle>
           <a:p>
-            <a:pPr indent="0" algn="r" defTabSz="457200">
-              <a:lnSpc>
-                <a:spcPct val="100000"/>
-              </a:lnSpc>
+            <a:pPr indent="0">
               <a:buNone/>
             </a:pPr>
-            <a:fld id="{70DF82C5-72EA-4442-B732-956DE6A40618}" type="slidenum">
-              <a:rPr b="0" lang="fr-CH" sz="1410" spc="-1" strike="noStrike">
-                <a:solidFill>
-                  <a:schemeClr val="dk1">
-                    <a:tint val="82000"/>
-                  </a:schemeClr>
-                </a:solidFill>
-                <a:latin typeface="Aptos"/>
-              </a:rPr>
-              <a:t>&lt;number&gt;</a:t>
-            </a:fld>
-            <a:endParaRPr b="0" lang="en-US" sz="1410" spc="-1" strike="noStrike">
+            <a:r>
+              <a:rPr b="0" lang="en-US" sz="1400" spc="-1" strike="noStrike">
+                <a:solidFill>
+                  <a:srgbClr val="000000"/>
+                </a:solidFill>
+                <a:latin typeface="Times New Roman"/>
+              </a:rPr>
+              <a:t>&lt;date/time&gt;</a:t>
+            </a:r>
+            <a:endParaRPr b="0" lang="en-US" sz="1400" spc="-1" strike="noStrike">
               <a:solidFill>
                 <a:srgbClr val="000000"/>
               </a:solidFill>
@@ -2103,18 +2088,18 @@
       </p:grpSpPr>
       <p:sp>
         <p:nvSpPr>
-          <p:cNvPr id="53" name="PlaceHolder 1"/>
+          <p:cNvPr id="42" name="PlaceHolder 1"/>
           <p:cNvSpPr>
             <a:spLocks noGrp="1"/>
           </p:cNvSpPr>
           <p:nvPr>
-            <p:ph type="title"/>
+            <p:ph type="ftr" idx="28"/>
           </p:nvPr>
         </p:nvSpPr>
         <p:spPr>
           <a:xfrm>
-            <a:off x="736560" y="1008000"/>
-            <a:ext cx="3448080" cy="3527640"/>
+            <a:off x="3541680" y="14013360"/>
+            <a:ext cx="3607560" cy="803880"/>
           </a:xfrm>
           <a:prstGeom prst="rect">
             <a:avLst/>
@@ -2125,48 +2110,68 @@
           </a:ln>
         </p:spPr>
         <p:txBody>
-          <a:bodyPr lIns="91440" rIns="91440" tIns="45720" bIns="45720" anchor="b">
+          <a:bodyPr lIns="91440" rIns="91440" tIns="45720" bIns="45720" anchor="ctr">
             <a:noAutofit/>
           </a:bodyPr>
-          <a:p>
-            <a:pPr indent="0" defTabSz="1069200">
+          <a:lstStyle>
+            <a:lvl1pPr indent="0" algn="ctr">
               <a:lnSpc>
-                <a:spcPct val="90000"/>
+                <a:spcPct val="100000"/>
               </a:lnSpc>
               <a:buNone/>
-            </a:pPr>
-            <a:r>
-              <a:rPr b="0" lang="fr-FR" sz="3740" spc="-1" strike="noStrike">
-                <a:solidFill>
-                  <a:schemeClr val="dk1"/>
-                </a:solidFill>
-                <a:latin typeface="Aptos Display"/>
-              </a:rPr>
-              <a:t>Modifiez le style du titre</a:t>
-            </a:r>
-            <a:endParaRPr b="0" lang="en-US" sz="3740" spc="-1" strike="noStrike">
-              <a:solidFill>
-                <a:schemeClr val="dk1"/>
-              </a:solidFill>
-              <a:latin typeface="Aptos"/>
-            </a:endParaRPr>
-          </a:p>
-        </p:txBody>
-      </p:sp>
-      <p:sp>
-        <p:nvSpPr>
-          <p:cNvPr id="54" name="PlaceHolder 2"/>
+              <a:tabLst>
+                <a:tab algn="l" pos="0"/>
+              </a:tabLst>
+              <a:defRPr b="0" lang="en-US" sz="1400" spc="-1" strike="noStrike">
+                <a:solidFill>
+                  <a:srgbClr val="000000"/>
+                </a:solidFill>
+                <a:latin typeface="Times New Roman"/>
+              </a:defRPr>
+            </a:lvl1pPr>
+          </a:lstStyle>
+          <a:p>
+            <a:pPr indent="0" algn="ctr">
+              <a:lnSpc>
+                <a:spcPct val="100000"/>
+              </a:lnSpc>
+              <a:buNone/>
+              <a:tabLst>
+                <a:tab algn="l" pos="0"/>
+              </a:tabLst>
+            </a:pPr>
+            <a:r>
+              <a:rPr b="0" lang="en-US" sz="1400" spc="-1" strike="noStrike">
+                <a:solidFill>
+                  <a:srgbClr val="000000"/>
+                </a:solidFill>
+                <a:latin typeface="Times New Roman"/>
+              </a:rPr>
+              <a:t>&lt;footer&gt;</a:t>
+            </a:r>
+            <a:endParaRPr b="0" lang="en-US" sz="1400" spc="-1" strike="noStrike">
+              <a:solidFill>
+                <a:srgbClr val="000000"/>
+              </a:solidFill>
+              <a:latin typeface="Times New Roman"/>
+            </a:endParaRPr>
+          </a:p>
+        </p:txBody>
+      </p:sp>
+      <p:sp>
+        <p:nvSpPr>
+          <p:cNvPr id="43" name="PlaceHolder 2"/>
           <p:cNvSpPr>
             <a:spLocks noGrp="1"/>
           </p:cNvSpPr>
           <p:nvPr>
-            <p:ph type="body"/>
+            <p:ph type="sldNum" idx="29"/>
           </p:nvPr>
         </p:nvSpPr>
         <p:spPr>
           <a:xfrm>
-            <a:off x="4545360" y="2176920"/>
-            <a:ext cx="5412240" cy="10744200"/>
+            <a:off x="7551000" y="14013360"/>
+            <a:ext cx="2404440" cy="803880"/>
           </a:xfrm>
           <a:prstGeom prst="rect">
             <a:avLst/>
@@ -2177,175 +2182,72 @@
           </a:ln>
         </p:spPr>
         <p:txBody>
-          <a:bodyPr lIns="91440" rIns="91440" tIns="45720" bIns="45720" anchor="t">
+          <a:bodyPr lIns="91440" rIns="91440" tIns="45720" bIns="45720" anchor="ctr">
             <a:noAutofit/>
           </a:bodyPr>
-          <a:p>
-            <a:pPr marL="267480" indent="-267480" defTabSz="1069200">
+          <a:lstStyle>
+            <a:lvl1pPr indent="0" algn="r" defTabSz="457200">
               <a:lnSpc>
-                <a:spcPct val="90000"/>
+                <a:spcPct val="100000"/>
               </a:lnSpc>
-              <a:spcBef>
-                <a:spcPts val="1168"/>
-              </a:spcBef>
-              <a:buClr>
-                <a:srgbClr val="000000"/>
-              </a:buClr>
-              <a:buFont typeface="Arial"/>
-              <a:buChar char="•"/>
-            </a:pPr>
-            <a:r>
-              <a:rPr b="0" lang="fr-FR" sz="3740" spc="-1" strike="noStrike">
-                <a:solidFill>
-                  <a:schemeClr val="dk1"/>
+              <a:buNone/>
+              <a:tabLst>
+                <a:tab algn="l" pos="0"/>
+              </a:tabLst>
+              <a:defRPr b="0" lang="fr-CH" sz="1410" spc="-1" strike="noStrike">
+                <a:solidFill>
+                  <a:schemeClr val="dk1">
+                    <a:tint val="82000"/>
+                  </a:schemeClr>
                 </a:solidFill>
                 <a:latin typeface="Aptos"/>
-              </a:rPr>
-              <a:t>Cliquez pour modifier les styles du texte du masque</a:t>
-            </a:r>
-            <a:endParaRPr b="0" lang="en-US" sz="3740" spc="-1" strike="noStrike">
-              <a:solidFill>
-                <a:schemeClr val="dk1"/>
-              </a:solidFill>
-              <a:latin typeface="Aptos"/>
-            </a:endParaRPr>
-          </a:p>
-          <a:p>
-            <a:pPr lvl="1" marL="802080" indent="-267480" defTabSz="1069200">
+              </a:defRPr>
+            </a:lvl1pPr>
+          </a:lstStyle>
+          <a:p>
+            <a:pPr indent="0" algn="r" defTabSz="457200">
               <a:lnSpc>
-                <a:spcPct val="90000"/>
+                <a:spcPct val="100000"/>
               </a:lnSpc>
-              <a:spcBef>
-                <a:spcPts val="584"/>
-              </a:spcBef>
-              <a:buClr>
-                <a:srgbClr val="000000"/>
-              </a:buClr>
-              <a:buFont typeface="Arial"/>
-              <a:buChar char="•"/>
-            </a:pPr>
-            <a:r>
-              <a:rPr b="0" lang="fr-FR" sz="3270" spc="-1" strike="noStrike">
-                <a:solidFill>
-                  <a:schemeClr val="dk1"/>
+              <a:buNone/>
+              <a:tabLst>
+                <a:tab algn="l" pos="0"/>
+              </a:tabLst>
+            </a:pPr>
+            <a:fld id="{6D62397E-A7FD-4957-9296-7DED3D404493}" type="slidenum">
+              <a:rPr b="0" lang="fr-CH" sz="1410" spc="-1" strike="noStrike">
+                <a:solidFill>
+                  <a:schemeClr val="dk1">
+                    <a:tint val="82000"/>
+                  </a:schemeClr>
                 </a:solidFill>
                 <a:latin typeface="Aptos"/>
               </a:rPr>
-              <a:t>Deuxième niveau</a:t>
-            </a:r>
-            <a:endParaRPr b="0" lang="en-US" sz="3270" spc="-1" strike="noStrike">
-              <a:solidFill>
-                <a:schemeClr val="dk1"/>
-              </a:solidFill>
-              <a:latin typeface="Aptos"/>
-            </a:endParaRPr>
-          </a:p>
-          <a:p>
-            <a:pPr lvl="2" marL="1336680" indent="-267480" defTabSz="1069200">
-              <a:lnSpc>
-                <a:spcPct val="90000"/>
-              </a:lnSpc>
-              <a:spcBef>
-                <a:spcPts val="584"/>
-              </a:spcBef>
-              <a:buClr>
-                <a:srgbClr val="000000"/>
-              </a:buClr>
-              <a:buFont typeface="Arial"/>
-              <a:buChar char="•"/>
-            </a:pPr>
-            <a:r>
-              <a:rPr b="0" lang="fr-FR" sz="2810" spc="-1" strike="noStrike">
-                <a:solidFill>
-                  <a:schemeClr val="dk1"/>
-                </a:solidFill>
-                <a:latin typeface="Aptos"/>
-              </a:rPr>
-              <a:t>Troisième niveau</a:t>
-            </a:r>
-            <a:endParaRPr b="0" lang="en-US" sz="2810" spc="-1" strike="noStrike">
-              <a:solidFill>
-                <a:schemeClr val="dk1"/>
-              </a:solidFill>
-              <a:latin typeface="Aptos"/>
-            </a:endParaRPr>
-          </a:p>
-          <a:p>
-            <a:pPr lvl="3" marL="1871280" indent="-267480" defTabSz="1069200">
-              <a:lnSpc>
-                <a:spcPct val="90000"/>
-              </a:lnSpc>
-              <a:spcBef>
-                <a:spcPts val="584"/>
-              </a:spcBef>
-              <a:buClr>
-                <a:srgbClr val="000000"/>
-              </a:buClr>
-              <a:buFont typeface="Arial"/>
-              <a:buChar char="•"/>
-            </a:pPr>
-            <a:r>
-              <a:rPr b="0" lang="fr-FR" sz="2340" spc="-1" strike="noStrike">
-                <a:solidFill>
-                  <a:schemeClr val="dk1"/>
-                </a:solidFill>
-                <a:latin typeface="Aptos"/>
-              </a:rPr>
-              <a:t>Quatrième niveau</a:t>
-            </a:r>
-            <a:endParaRPr b="0" lang="en-US" sz="2340" spc="-1" strike="noStrike">
-              <a:solidFill>
-                <a:schemeClr val="dk1"/>
-              </a:solidFill>
-              <a:latin typeface="Aptos"/>
-            </a:endParaRPr>
-          </a:p>
-          <a:p>
-            <a:pPr lvl="4" marL="2405880" indent="-267480" defTabSz="1069200">
-              <a:lnSpc>
-                <a:spcPct val="90000"/>
-              </a:lnSpc>
-              <a:spcBef>
-                <a:spcPts val="584"/>
-              </a:spcBef>
-              <a:buClr>
-                <a:srgbClr val="000000"/>
-              </a:buClr>
-              <a:buFont typeface="Arial"/>
-              <a:buChar char="•"/>
-            </a:pPr>
-            <a:r>
-              <a:rPr b="0" lang="fr-FR" sz="2340" spc="-1" strike="noStrike">
-                <a:solidFill>
-                  <a:schemeClr val="dk1"/>
-                </a:solidFill>
-                <a:latin typeface="Aptos"/>
-              </a:rPr>
-              <a:t>Cinquième niveau</a:t>
-            </a:r>
-            <a:endParaRPr b="0" lang="en-US" sz="2340" spc="-1" strike="noStrike">
-              <a:solidFill>
-                <a:schemeClr val="dk1"/>
-              </a:solidFill>
-              <a:latin typeface="Aptos"/>
-            </a:endParaRPr>
-          </a:p>
-        </p:txBody>
-      </p:sp>
-      <p:sp>
-        <p:nvSpPr>
-          <p:cNvPr id="55" name="PlaceHolder 3"/>
+              <a:t>&lt;number&gt;</a:t>
+            </a:fld>
+            <a:endParaRPr b="0" lang="en-US" sz="1410" spc="-1" strike="noStrike">
+              <a:solidFill>
+                <a:srgbClr val="000000"/>
+              </a:solidFill>
+              <a:latin typeface="Times New Roman"/>
+            </a:endParaRPr>
+          </a:p>
+        </p:txBody>
+      </p:sp>
+      <p:sp>
+        <p:nvSpPr>
+          <p:cNvPr id="44" name="PlaceHolder 3"/>
           <p:cNvSpPr>
             <a:spLocks noGrp="1"/>
           </p:cNvSpPr>
           <p:nvPr>
-            <p:ph type="body"/>
+            <p:ph type="dt" idx="30"/>
           </p:nvPr>
         </p:nvSpPr>
         <p:spPr>
           <a:xfrm>
-            <a:off x="736560" y="4535640"/>
-            <a:ext cx="3448080" cy="8402760"/>
+            <a:off x="735120" y="14013360"/>
+            <a:ext cx="2404440" cy="803880"/>
           </a:xfrm>
           <a:prstGeom prst="rect">
             <a:avLst/>
@@ -2356,139 +2258,11 @@
           </a:ln>
         </p:spPr>
         <p:txBody>
-          <a:bodyPr lIns="91440" rIns="91440" tIns="45720" bIns="45720" anchor="t">
-            <a:noAutofit/>
-          </a:bodyPr>
-          <a:p>
-            <a:pPr indent="0" defTabSz="1069200">
-              <a:lnSpc>
-                <a:spcPct val="90000"/>
-              </a:lnSpc>
-              <a:spcBef>
-                <a:spcPts val="1168"/>
-              </a:spcBef>
-              <a:buNone/>
-              <a:tabLst>
-                <a:tab algn="l" pos="0"/>
-              </a:tabLst>
-            </a:pPr>
-            <a:r>
-              <a:rPr b="0" lang="fr-FR" sz="1870" spc="-1" strike="noStrike">
-                <a:solidFill>
-                  <a:schemeClr val="dk1"/>
-                </a:solidFill>
-                <a:latin typeface="Aptos"/>
-              </a:rPr>
-              <a:t>Cliquez pour modifier les styles du texte du masque</a:t>
-            </a:r>
-            <a:endParaRPr b="0" lang="en-US" sz="1870" spc="-1" strike="noStrike">
-              <a:solidFill>
-                <a:schemeClr val="dk1"/>
-              </a:solidFill>
-              <a:latin typeface="Aptos"/>
-            </a:endParaRPr>
-          </a:p>
-        </p:txBody>
-      </p:sp>
-      <p:sp>
-        <p:nvSpPr>
-          <p:cNvPr id="56" name="PlaceHolder 4"/>
-          <p:cNvSpPr>
-            <a:spLocks noGrp="1"/>
-          </p:cNvSpPr>
-          <p:nvPr>
-            <p:ph type="dt" idx="28"/>
-          </p:nvPr>
-        </p:nvSpPr>
-        <p:spPr>
-          <a:xfrm>
-            <a:off x="735120" y="14013360"/>
-            <a:ext cx="2405160" cy="804600"/>
-          </a:xfrm>
-          <a:prstGeom prst="rect">
-            <a:avLst/>
-          </a:prstGeom>
-          <a:noFill/>
-          <a:ln w="0">
-            <a:noFill/>
-          </a:ln>
-        </p:spPr>
-        <p:txBody>
           <a:bodyPr lIns="91440" rIns="91440" tIns="45720" bIns="45720" anchor="ctr">
             <a:noAutofit/>
           </a:bodyPr>
           <a:lstStyle>
-            <a:lvl1pPr indent="0" defTabSz="457200">
-              <a:lnSpc>
-                <a:spcPct val="100000"/>
-              </a:lnSpc>
-              <a:buNone/>
-              <a:defRPr b="0" lang="fr-CH" sz="1410" spc="-1" strike="noStrike">
-                <a:solidFill>
-                  <a:schemeClr val="dk1">
-                    <a:tint val="82000"/>
-                  </a:schemeClr>
-                </a:solidFill>
-                <a:latin typeface="Aptos"/>
-              </a:defRPr>
-            </a:lvl1pPr>
-          </a:lstStyle>
-          <a:p>
-            <a:pPr indent="0" defTabSz="457200">
-              <a:lnSpc>
-                <a:spcPct val="100000"/>
-              </a:lnSpc>
-              <a:buNone/>
-            </a:pPr>
-            <a:r>
-              <a:rPr b="0" lang="fr-CH" sz="1410" spc="-1" strike="noStrike">
-                <a:solidFill>
-                  <a:schemeClr val="dk1">
-                    <a:tint val="82000"/>
-                  </a:schemeClr>
-                </a:solidFill>
-                <a:latin typeface="Aptos"/>
-              </a:rPr>
-              <a:t>&lt;date/time&gt;</a:t>
-            </a:r>
-            <a:endParaRPr b="0" lang="en-US" sz="1410" spc="-1" strike="noStrike">
-              <a:solidFill>
-                <a:srgbClr val="000000"/>
-              </a:solidFill>
-              <a:latin typeface="Times New Roman"/>
-            </a:endParaRPr>
-          </a:p>
-        </p:txBody>
-      </p:sp>
-      <p:sp>
-        <p:nvSpPr>
-          <p:cNvPr id="57" name="PlaceHolder 5"/>
-          <p:cNvSpPr>
-            <a:spLocks noGrp="1"/>
-          </p:cNvSpPr>
-          <p:nvPr>
-            <p:ph type="ftr" idx="29"/>
-          </p:nvPr>
-        </p:nvSpPr>
-        <p:spPr>
-          <a:xfrm>
-            <a:off x="3541680" y="14013360"/>
-            <a:ext cx="3608280" cy="804600"/>
-          </a:xfrm>
-          <a:prstGeom prst="rect">
-            <a:avLst/>
-          </a:prstGeom>
-          <a:noFill/>
-          <a:ln w="0">
-            <a:noFill/>
-          </a:ln>
-        </p:spPr>
-        <p:txBody>
-          <a:bodyPr lIns="91440" rIns="91440" tIns="45720" bIns="45720" anchor="ctr">
-            <a:noAutofit/>
-          </a:bodyPr>
-          <a:lstStyle>
-            <a:lvl1pPr indent="0" algn="ctr">
+            <a:lvl1pPr indent="0">
               <a:buNone/>
               <a:defRPr b="0" lang="en-US" sz="1400" spc="-1" strike="noStrike">
                 <a:solidFill>
@@ -2499,7 +2273,7 @@
             </a:lvl1pPr>
           </a:lstStyle>
           <a:p>
-            <a:pPr indent="0" algn="ctr">
+            <a:pPr indent="0">
               <a:buNone/>
             </a:pPr>
             <a:r>
@@ -2509,79 +2283,9 @@
                 </a:solidFill>
                 <a:latin typeface="Times New Roman"/>
               </a:rPr>
-              <a:t>&lt;footer&gt;</a:t>
+              <a:t>&lt;date/time&gt;</a:t>
             </a:r>
             <a:endParaRPr b="0" lang="en-US" sz="1400" spc="-1" strike="noStrike">
-              <a:solidFill>
-                <a:srgbClr val="000000"/>
-              </a:solidFill>
-              <a:latin typeface="Times New Roman"/>
-            </a:endParaRPr>
-          </a:p>
-        </p:txBody>
-      </p:sp>
-      <p:sp>
-        <p:nvSpPr>
-          <p:cNvPr id="58" name="PlaceHolder 6"/>
-          <p:cNvSpPr>
-            <a:spLocks noGrp="1"/>
-          </p:cNvSpPr>
-          <p:nvPr>
-            <p:ph type="sldNum" idx="30"/>
-          </p:nvPr>
-        </p:nvSpPr>
-        <p:spPr>
-          <a:xfrm>
-            <a:off x="7551000" y="14013360"/>
-            <a:ext cx="2405160" cy="804600"/>
-          </a:xfrm>
-          <a:prstGeom prst="rect">
-            <a:avLst/>
-          </a:prstGeom>
-          <a:noFill/>
-          <a:ln w="0">
-            <a:noFill/>
-          </a:ln>
-        </p:spPr>
-        <p:txBody>
-          <a:bodyPr lIns="91440" rIns="91440" tIns="45720" bIns="45720" anchor="ctr">
-            <a:noAutofit/>
-          </a:bodyPr>
-          <a:lstStyle>
-            <a:lvl1pPr indent="0" algn="r" defTabSz="457200">
-              <a:lnSpc>
-                <a:spcPct val="100000"/>
-              </a:lnSpc>
-              <a:buNone/>
-              <a:defRPr b="0" lang="fr-CH" sz="1410" spc="-1" strike="noStrike">
-                <a:solidFill>
-                  <a:schemeClr val="dk1">
-                    <a:tint val="82000"/>
-                  </a:schemeClr>
-                </a:solidFill>
-                <a:latin typeface="Aptos"/>
-              </a:defRPr>
-            </a:lvl1pPr>
-          </a:lstStyle>
-          <a:p>
-            <a:pPr indent="0" algn="r" defTabSz="457200">
-              <a:lnSpc>
-                <a:spcPct val="100000"/>
-              </a:lnSpc>
-              <a:buNone/>
-            </a:pPr>
-            <a:fld id="{321E8E1E-D2BF-43F0-A3F7-836CE67B5049}" type="slidenum">
-              <a:rPr b="0" lang="fr-CH" sz="1410" spc="-1" strike="noStrike">
-                <a:solidFill>
-                  <a:schemeClr val="dk1">
-                    <a:tint val="82000"/>
-                  </a:schemeClr>
-                </a:solidFill>
-                <a:latin typeface="Aptos"/>
-              </a:rPr>
-              <a:t>&lt;number&gt;</a:t>
-            </a:fld>
-            <a:endParaRPr b="0" lang="en-US" sz="1410" spc="-1" strike="noStrike">
               <a:solidFill>
                 <a:srgbClr val="000000"/>
               </a:solidFill>
@@ -2625,18 +2329,18 @@
       </p:grpSpPr>
       <p:sp>
         <p:nvSpPr>
-          <p:cNvPr id="59" name="PlaceHolder 1"/>
+          <p:cNvPr id="45" name="PlaceHolder 1"/>
           <p:cNvSpPr>
             <a:spLocks noGrp="1"/>
           </p:cNvSpPr>
           <p:nvPr>
-            <p:ph type="title"/>
+            <p:ph type="ftr" idx="31"/>
           </p:nvPr>
         </p:nvSpPr>
         <p:spPr>
           <a:xfrm>
-            <a:off x="736560" y="1008000"/>
-            <a:ext cx="3448080" cy="3527640"/>
+            <a:off x="3541680" y="14013360"/>
+            <a:ext cx="3607560" cy="803880"/>
           </a:xfrm>
           <a:prstGeom prst="rect">
             <a:avLst/>
@@ -2647,48 +2351,68 @@
           </a:ln>
         </p:spPr>
         <p:txBody>
-          <a:bodyPr lIns="91440" rIns="91440" tIns="45720" bIns="45720" anchor="b">
+          <a:bodyPr lIns="91440" rIns="91440" tIns="45720" bIns="45720" anchor="ctr">
             <a:noAutofit/>
           </a:bodyPr>
-          <a:p>
-            <a:pPr indent="0" defTabSz="1069200">
+          <a:lstStyle>
+            <a:lvl1pPr indent="0" algn="ctr">
               <a:lnSpc>
-                <a:spcPct val="90000"/>
+                <a:spcPct val="100000"/>
               </a:lnSpc>
               <a:buNone/>
-            </a:pPr>
-            <a:r>
-              <a:rPr b="0" lang="fr-FR" sz="3740" spc="-1" strike="noStrike">
-                <a:solidFill>
-                  <a:schemeClr val="dk1"/>
-                </a:solidFill>
-                <a:latin typeface="Aptos Display"/>
-              </a:rPr>
-              <a:t>Modifiez le style du titre</a:t>
-            </a:r>
-            <a:endParaRPr b="0" lang="en-US" sz="3740" spc="-1" strike="noStrike">
-              <a:solidFill>
-                <a:schemeClr val="dk1"/>
-              </a:solidFill>
-              <a:latin typeface="Aptos"/>
-            </a:endParaRPr>
-          </a:p>
-        </p:txBody>
-      </p:sp>
-      <p:sp>
-        <p:nvSpPr>
-          <p:cNvPr id="60" name="PlaceHolder 2"/>
+              <a:tabLst>
+                <a:tab algn="l" pos="0"/>
+              </a:tabLst>
+              <a:defRPr b="0" lang="en-US" sz="1400" spc="-1" strike="noStrike">
+                <a:solidFill>
+                  <a:srgbClr val="000000"/>
+                </a:solidFill>
+                <a:latin typeface="Times New Roman"/>
+              </a:defRPr>
+            </a:lvl1pPr>
+          </a:lstStyle>
+          <a:p>
+            <a:pPr indent="0" algn="ctr">
+              <a:lnSpc>
+                <a:spcPct val="100000"/>
+              </a:lnSpc>
+              <a:buNone/>
+              <a:tabLst>
+                <a:tab algn="l" pos="0"/>
+              </a:tabLst>
+            </a:pPr>
+            <a:r>
+              <a:rPr b="0" lang="en-US" sz="1400" spc="-1" strike="noStrike">
+                <a:solidFill>
+                  <a:srgbClr val="000000"/>
+                </a:solidFill>
+                <a:latin typeface="Times New Roman"/>
+              </a:rPr>
+              <a:t>&lt;footer&gt;</a:t>
+            </a:r>
+            <a:endParaRPr b="0" lang="en-US" sz="1400" spc="-1" strike="noStrike">
+              <a:solidFill>
+                <a:srgbClr val="000000"/>
+              </a:solidFill>
+              <a:latin typeface="Times New Roman"/>
+            </a:endParaRPr>
+          </a:p>
+        </p:txBody>
+      </p:sp>
+      <p:sp>
+        <p:nvSpPr>
+          <p:cNvPr id="46" name="PlaceHolder 2"/>
           <p:cNvSpPr>
             <a:spLocks noGrp="1"/>
           </p:cNvSpPr>
           <p:nvPr>
-            <p:ph type="body"/>
+            <p:ph type="sldNum" idx="32"/>
           </p:nvPr>
         </p:nvSpPr>
         <p:spPr>
           <a:xfrm>
-            <a:off x="4545360" y="2176920"/>
-            <a:ext cx="5412240" cy="10744200"/>
+            <a:off x="7551000" y="14013360"/>
+            <a:ext cx="2404440" cy="803880"/>
           </a:xfrm>
           <a:prstGeom prst="rect">
             <a:avLst/>
@@ -2699,11 +2423,11 @@
           </a:ln>
         </p:spPr>
         <p:txBody>
-          <a:bodyPr lIns="90000" rIns="90000" tIns="45000" bIns="45000" anchor="t">
+          <a:bodyPr lIns="91440" rIns="91440" tIns="45720" bIns="45720" anchor="ctr">
             <a:noAutofit/>
           </a:bodyPr>
-          <a:p>
-            <a:pPr indent="0" defTabSz="457200">
+          <a:lstStyle>
+            <a:lvl1pPr indent="0" algn="r" defTabSz="457200">
               <a:lnSpc>
                 <a:spcPct val="100000"/>
               </a:lnSpc>
@@ -2711,39 +2435,60 @@
               <a:tabLst>
                 <a:tab algn="l" pos="0"/>
               </a:tabLst>
-            </a:pPr>
-            <a:r>
-              <a:rPr b="0" lang="fr-FR" sz="3740" spc="-1" strike="noStrike">
-                <a:solidFill>
-                  <a:schemeClr val="dk1"/>
+              <a:defRPr b="0" lang="fr-CH" sz="1410" spc="-1" strike="noStrike">
+                <a:solidFill>
+                  <a:schemeClr val="dk1">
+                    <a:tint val="82000"/>
+                  </a:schemeClr>
                 </a:solidFill>
                 <a:latin typeface="Aptos"/>
-              </a:rPr>
-              <a:t>Cliquez sur l'icône pour ajouter une image</a:t>
-            </a:r>
-            <a:endParaRPr b="0" lang="en-US" sz="3740" spc="-1" strike="noStrike">
-              <a:solidFill>
-                <a:schemeClr val="dk1"/>
-              </a:solidFill>
-              <a:latin typeface="Aptos"/>
-            </a:endParaRPr>
-          </a:p>
-        </p:txBody>
-      </p:sp>
-      <p:sp>
-        <p:nvSpPr>
-          <p:cNvPr id="61" name="PlaceHolder 3"/>
+              </a:defRPr>
+            </a:lvl1pPr>
+          </a:lstStyle>
+          <a:p>
+            <a:pPr indent="0" algn="r" defTabSz="457200">
+              <a:lnSpc>
+                <a:spcPct val="100000"/>
+              </a:lnSpc>
+              <a:buNone/>
+              <a:tabLst>
+                <a:tab algn="l" pos="0"/>
+              </a:tabLst>
+            </a:pPr>
+            <a:fld id="{99982846-37AA-4CF1-8627-C61328BA1136}" type="slidenum">
+              <a:rPr b="0" lang="fr-CH" sz="1410" spc="-1" strike="noStrike">
+                <a:solidFill>
+                  <a:schemeClr val="dk1">
+                    <a:tint val="82000"/>
+                  </a:schemeClr>
+                </a:solidFill>
+                <a:latin typeface="Aptos"/>
+              </a:rPr>
+              <a:t>&lt;number&gt;</a:t>
+            </a:fld>
+            <a:endParaRPr b="0" lang="en-US" sz="1410" spc="-1" strike="noStrike">
+              <a:solidFill>
+                <a:srgbClr val="000000"/>
+              </a:solidFill>
+              <a:latin typeface="Times New Roman"/>
+            </a:endParaRPr>
+          </a:p>
+        </p:txBody>
+      </p:sp>
+      <p:sp>
+        <p:nvSpPr>
+          <p:cNvPr id="47" name="PlaceHolder 3"/>
           <p:cNvSpPr>
             <a:spLocks noGrp="1"/>
           </p:cNvSpPr>
           <p:nvPr>
-            <p:ph type="body"/>
+            <p:ph type="dt" idx="33"/>
           </p:nvPr>
         </p:nvSpPr>
         <p:spPr>
           <a:xfrm>
-            <a:off x="736560" y="4535640"/>
-            <a:ext cx="3448080" cy="8402760"/>
+            <a:off x="735120" y="14013360"/>
+            <a:ext cx="2404440" cy="803880"/>
           </a:xfrm>
           <a:prstGeom prst="rect">
             <a:avLst/>
@@ -2754,139 +2499,11 @@
           </a:ln>
         </p:spPr>
         <p:txBody>
-          <a:bodyPr lIns="91440" rIns="91440" tIns="45720" bIns="45720" anchor="t">
-            <a:noAutofit/>
-          </a:bodyPr>
-          <a:p>
-            <a:pPr indent="0" defTabSz="1069200">
-              <a:lnSpc>
-                <a:spcPct val="90000"/>
-              </a:lnSpc>
-              <a:spcBef>
-                <a:spcPts val="1168"/>
-              </a:spcBef>
-              <a:buNone/>
-              <a:tabLst>
-                <a:tab algn="l" pos="0"/>
-              </a:tabLst>
-            </a:pPr>
-            <a:r>
-              <a:rPr b="0" lang="fr-FR" sz="1870" spc="-1" strike="noStrike">
-                <a:solidFill>
-                  <a:schemeClr val="dk1"/>
-                </a:solidFill>
-                <a:latin typeface="Aptos"/>
-              </a:rPr>
-              <a:t>Cliquez pour modifier les styles du texte du masque</a:t>
-            </a:r>
-            <a:endParaRPr b="0" lang="en-US" sz="1870" spc="-1" strike="noStrike">
-              <a:solidFill>
-                <a:schemeClr val="dk1"/>
-              </a:solidFill>
-              <a:latin typeface="Aptos"/>
-            </a:endParaRPr>
-          </a:p>
-        </p:txBody>
-      </p:sp>
-      <p:sp>
-        <p:nvSpPr>
-          <p:cNvPr id="62" name="PlaceHolder 4"/>
-          <p:cNvSpPr>
-            <a:spLocks noGrp="1"/>
-          </p:cNvSpPr>
-          <p:nvPr>
-            <p:ph type="dt" idx="31"/>
-          </p:nvPr>
-        </p:nvSpPr>
-        <p:spPr>
-          <a:xfrm>
-            <a:off x="735120" y="14013360"/>
-            <a:ext cx="2405160" cy="804600"/>
-          </a:xfrm>
-          <a:prstGeom prst="rect">
-            <a:avLst/>
-          </a:prstGeom>
-          <a:noFill/>
-          <a:ln w="0">
-            <a:noFill/>
-          </a:ln>
-        </p:spPr>
-        <p:txBody>
           <a:bodyPr lIns="91440" rIns="91440" tIns="45720" bIns="45720" anchor="ctr">
             <a:noAutofit/>
           </a:bodyPr>
           <a:lstStyle>
-            <a:lvl1pPr indent="0" defTabSz="457200">
-              <a:lnSpc>
-                <a:spcPct val="100000"/>
-              </a:lnSpc>
-              <a:buNone/>
-              <a:defRPr b="0" lang="fr-CH" sz="1410" spc="-1" strike="noStrike">
-                <a:solidFill>
-                  <a:schemeClr val="dk1">
-                    <a:tint val="82000"/>
-                  </a:schemeClr>
-                </a:solidFill>
-                <a:latin typeface="Aptos"/>
-              </a:defRPr>
-            </a:lvl1pPr>
-          </a:lstStyle>
-          <a:p>
-            <a:pPr indent="0" defTabSz="457200">
-              <a:lnSpc>
-                <a:spcPct val="100000"/>
-              </a:lnSpc>
-              <a:buNone/>
-            </a:pPr>
-            <a:r>
-              <a:rPr b="0" lang="fr-CH" sz="1410" spc="-1" strike="noStrike">
-                <a:solidFill>
-                  <a:schemeClr val="dk1">
-                    <a:tint val="82000"/>
-                  </a:schemeClr>
-                </a:solidFill>
-                <a:latin typeface="Aptos"/>
-              </a:rPr>
-              <a:t>&lt;date/time&gt;</a:t>
-            </a:r>
-            <a:endParaRPr b="0" lang="en-US" sz="1410" spc="-1" strike="noStrike">
-              <a:solidFill>
-                <a:srgbClr val="000000"/>
-              </a:solidFill>
-              <a:latin typeface="Times New Roman"/>
-            </a:endParaRPr>
-          </a:p>
-        </p:txBody>
-      </p:sp>
-      <p:sp>
-        <p:nvSpPr>
-          <p:cNvPr id="63" name="PlaceHolder 5"/>
-          <p:cNvSpPr>
-            <a:spLocks noGrp="1"/>
-          </p:cNvSpPr>
-          <p:nvPr>
-            <p:ph type="ftr" idx="32"/>
-          </p:nvPr>
-        </p:nvSpPr>
-        <p:spPr>
-          <a:xfrm>
-            <a:off x="3541680" y="14013360"/>
-            <a:ext cx="3608280" cy="804600"/>
-          </a:xfrm>
-          <a:prstGeom prst="rect">
-            <a:avLst/>
-          </a:prstGeom>
-          <a:noFill/>
-          <a:ln w="0">
-            <a:noFill/>
-          </a:ln>
-        </p:spPr>
-        <p:txBody>
-          <a:bodyPr lIns="91440" rIns="91440" tIns="45720" bIns="45720" anchor="ctr">
-            <a:noAutofit/>
-          </a:bodyPr>
-          <a:lstStyle>
-            <a:lvl1pPr indent="0" algn="ctr">
+            <a:lvl1pPr indent="0">
               <a:buNone/>
               <a:defRPr b="0" lang="en-US" sz="1400" spc="-1" strike="noStrike">
                 <a:solidFill>
@@ -2897,7 +2514,7 @@
             </a:lvl1pPr>
           </a:lstStyle>
           <a:p>
-            <a:pPr indent="0" algn="ctr">
+            <a:pPr indent="0">
               <a:buNone/>
             </a:pPr>
             <a:r>
@@ -2907,79 +2524,9 @@
                 </a:solidFill>
                 <a:latin typeface="Times New Roman"/>
               </a:rPr>
-              <a:t>&lt;footer&gt;</a:t>
+              <a:t>&lt;date/time&gt;</a:t>
             </a:r>
             <a:endParaRPr b="0" lang="en-US" sz="1400" spc="-1" strike="noStrike">
-              <a:solidFill>
-                <a:srgbClr val="000000"/>
-              </a:solidFill>
-              <a:latin typeface="Times New Roman"/>
-            </a:endParaRPr>
-          </a:p>
-        </p:txBody>
-      </p:sp>
-      <p:sp>
-        <p:nvSpPr>
-          <p:cNvPr id="64" name="PlaceHolder 6"/>
-          <p:cNvSpPr>
-            <a:spLocks noGrp="1"/>
-          </p:cNvSpPr>
-          <p:nvPr>
-            <p:ph type="sldNum" idx="33"/>
-          </p:nvPr>
-        </p:nvSpPr>
-        <p:spPr>
-          <a:xfrm>
-            <a:off x="7551000" y="14013360"/>
-            <a:ext cx="2405160" cy="804600"/>
-          </a:xfrm>
-          <a:prstGeom prst="rect">
-            <a:avLst/>
-          </a:prstGeom>
-          <a:noFill/>
-          <a:ln w="0">
-            <a:noFill/>
-          </a:ln>
-        </p:spPr>
-        <p:txBody>
-          <a:bodyPr lIns="91440" rIns="91440" tIns="45720" bIns="45720" anchor="ctr">
-            <a:noAutofit/>
-          </a:bodyPr>
-          <a:lstStyle>
-            <a:lvl1pPr indent="0" algn="r" defTabSz="457200">
-              <a:lnSpc>
-                <a:spcPct val="100000"/>
-              </a:lnSpc>
-              <a:buNone/>
-              <a:defRPr b="0" lang="fr-CH" sz="1410" spc="-1" strike="noStrike">
-                <a:solidFill>
-                  <a:schemeClr val="dk1">
-                    <a:tint val="82000"/>
-                  </a:schemeClr>
-                </a:solidFill>
-                <a:latin typeface="Aptos"/>
-              </a:defRPr>
-            </a:lvl1pPr>
-          </a:lstStyle>
-          <a:p>
-            <a:pPr indent="0" algn="r" defTabSz="457200">
-              <a:lnSpc>
-                <a:spcPct val="100000"/>
-              </a:lnSpc>
-              <a:buNone/>
-            </a:pPr>
-            <a:fld id="{3CAD723E-3893-4C5E-B334-5F4292B529DD}" type="slidenum">
-              <a:rPr b="0" lang="fr-CH" sz="1410" spc="-1" strike="noStrike">
-                <a:solidFill>
-                  <a:schemeClr val="dk1">
-                    <a:tint val="82000"/>
-                  </a:schemeClr>
-                </a:solidFill>
-                <a:latin typeface="Aptos"/>
-              </a:rPr>
-              <a:t>&lt;number&gt;</a:t>
-            </a:fld>
-            <a:endParaRPr b="0" lang="en-US" sz="1410" spc="-1" strike="noStrike">
               <a:solidFill>
                 <a:srgbClr val="000000"/>
               </a:solidFill>
@@ -3028,13 +2575,13 @@
             <a:spLocks noGrp="1"/>
           </p:cNvSpPr>
           <p:nvPr>
-            <p:ph type="title"/>
+            <p:ph type="ftr" idx="4"/>
           </p:nvPr>
         </p:nvSpPr>
         <p:spPr>
           <a:xfrm>
-            <a:off x="735120" y="804960"/>
-            <a:ext cx="9221400" cy="2922120"/>
+            <a:off x="3541680" y="14013360"/>
+            <a:ext cx="3607560" cy="803880"/>
           </a:xfrm>
           <a:prstGeom prst="rect">
             <a:avLst/>
@@ -3048,27 +2595,47 @@
           <a:bodyPr lIns="91440" rIns="91440" tIns="45720" bIns="45720" anchor="ctr">
             <a:noAutofit/>
           </a:bodyPr>
-          <a:p>
-            <a:pPr indent="0" defTabSz="1069200">
+          <a:lstStyle>
+            <a:lvl1pPr indent="0" algn="ctr">
               <a:lnSpc>
-                <a:spcPct val="90000"/>
+                <a:spcPct val="100000"/>
               </a:lnSpc>
               <a:buNone/>
-            </a:pPr>
-            <a:r>
-              <a:rPr b="0" lang="fr-FR" sz="5140" spc="-1" strike="noStrike">
-                <a:solidFill>
-                  <a:schemeClr val="dk1"/>
-                </a:solidFill>
-                <a:latin typeface="Aptos Display"/>
-              </a:rPr>
-              <a:t>Modifiez le style du titre</a:t>
-            </a:r>
-            <a:endParaRPr b="0" lang="en-US" sz="5140" spc="-1" strike="noStrike">
-              <a:solidFill>
-                <a:schemeClr val="dk1"/>
-              </a:solidFill>
-              <a:latin typeface="Aptos"/>
+              <a:tabLst>
+                <a:tab algn="l" pos="0"/>
+              </a:tabLst>
+              <a:defRPr b="0" lang="en-US" sz="1400" spc="-1" strike="noStrike">
+                <a:solidFill>
+                  <a:srgbClr val="000000"/>
+                </a:solidFill>
+                <a:latin typeface="Times New Roman"/>
+              </a:defRPr>
+            </a:lvl1pPr>
+          </a:lstStyle>
+          <a:p>
+            <a:pPr indent="0" algn="ctr">
+              <a:lnSpc>
+                <a:spcPct val="100000"/>
+              </a:lnSpc>
+              <a:buNone/>
+              <a:tabLst>
+                <a:tab algn="l" pos="0"/>
+              </a:tabLst>
+            </a:pPr>
+            <a:r>
+              <a:rPr b="0" lang="en-US" sz="1400" spc="-1" strike="noStrike">
+                <a:solidFill>
+                  <a:srgbClr val="000000"/>
+                </a:solidFill>
+                <a:latin typeface="Times New Roman"/>
+              </a:rPr>
+              <a:t>&lt;footer&gt;</a:t>
+            </a:r>
+            <a:endParaRPr b="0" lang="en-US" sz="1400" spc="-1" strike="noStrike">
+              <a:solidFill>
+                <a:srgbClr val="000000"/>
+              </a:solidFill>
+              <a:latin typeface="Times New Roman"/>
             </a:endParaRPr>
           </a:p>
         </p:txBody>
@@ -3080,13 +2647,13 @@
             <a:spLocks noGrp="1"/>
           </p:cNvSpPr>
           <p:nvPr>
-            <p:ph type="body"/>
+            <p:ph type="sldNum" idx="5"/>
           </p:nvPr>
         </p:nvSpPr>
         <p:spPr>
           <a:xfrm>
-            <a:off x="735120" y="4024800"/>
-            <a:ext cx="9221400" cy="9592560"/>
+            <a:off x="7551000" y="14013360"/>
+            <a:ext cx="2404440" cy="803880"/>
           </a:xfrm>
           <a:prstGeom prst="rect">
             <a:avLst/>
@@ -3097,157 +2664,54 @@
           </a:ln>
         </p:spPr>
         <p:txBody>
-          <a:bodyPr lIns="91440" rIns="91440" tIns="45720" bIns="45720" anchor="t" vert="eaVert">
+          <a:bodyPr lIns="91440" rIns="91440" tIns="45720" bIns="45720" anchor="ctr">
             <a:noAutofit/>
           </a:bodyPr>
-          <a:p>
-            <a:pPr marL="267480" indent="-267480" defTabSz="1069200">
+          <a:lstStyle>
+            <a:lvl1pPr indent="0" algn="r" defTabSz="457200">
               <a:lnSpc>
-                <a:spcPct val="90000"/>
+                <a:spcPct val="100000"/>
               </a:lnSpc>
-              <a:spcBef>
-                <a:spcPts val="1168"/>
-              </a:spcBef>
-              <a:buClr>
-                <a:srgbClr val="000000"/>
-              </a:buClr>
-              <a:buFont typeface="Arial"/>
-              <a:buChar char="•"/>
-            </a:pPr>
-            <a:r>
-              <a:rPr b="0" lang="fr-FR" sz="3270" spc="-1" strike="noStrike">
-                <a:solidFill>
-                  <a:schemeClr val="dk1"/>
+              <a:buNone/>
+              <a:tabLst>
+                <a:tab algn="l" pos="0"/>
+              </a:tabLst>
+              <a:defRPr b="0" lang="fr-CH" sz="1410" spc="-1" strike="noStrike">
+                <a:solidFill>
+                  <a:schemeClr val="dk1">
+                    <a:tint val="82000"/>
+                  </a:schemeClr>
                 </a:solidFill>
                 <a:latin typeface="Aptos"/>
-              </a:rPr>
-              <a:t>Cliquez pour modifier les styles du texte du masque</a:t>
-            </a:r>
-            <a:endParaRPr b="0" lang="en-US" sz="3270" spc="-1" strike="noStrike">
-              <a:solidFill>
-                <a:schemeClr val="dk1"/>
-              </a:solidFill>
-              <a:latin typeface="Aptos"/>
-            </a:endParaRPr>
-          </a:p>
-          <a:p>
-            <a:pPr lvl="1" marL="802080" indent="-267480" defTabSz="1069200">
+              </a:defRPr>
+            </a:lvl1pPr>
+          </a:lstStyle>
+          <a:p>
+            <a:pPr indent="0" algn="r" defTabSz="457200">
               <a:lnSpc>
-                <a:spcPct val="90000"/>
+                <a:spcPct val="100000"/>
               </a:lnSpc>
-              <a:spcBef>
-                <a:spcPts val="584"/>
-              </a:spcBef>
-              <a:buClr>
-                <a:srgbClr val="000000"/>
-              </a:buClr>
-              <a:buFont typeface="Arial"/>
-              <a:buChar char="•"/>
-            </a:pPr>
-            <a:r>
-              <a:rPr b="0" lang="fr-FR" sz="2810" spc="-1" strike="noStrike">
-                <a:solidFill>
-                  <a:schemeClr val="dk1"/>
+              <a:buNone/>
+              <a:tabLst>
+                <a:tab algn="l" pos="0"/>
+              </a:tabLst>
+            </a:pPr>
+            <a:fld id="{AA129AB0-6D5F-4464-80AB-B4E575210E57}" type="slidenum">
+              <a:rPr b="0" lang="fr-CH" sz="1410" spc="-1" strike="noStrike">
+                <a:solidFill>
+                  <a:schemeClr val="dk1">
+                    <a:tint val="82000"/>
+                  </a:schemeClr>
                 </a:solidFill>
                 <a:latin typeface="Aptos"/>
               </a:rPr>
-              <a:t>Deuxième niveau</a:t>
-            </a:r>
-            <a:endParaRPr b="0" lang="en-US" sz="2810" spc="-1" strike="noStrike">
-              <a:solidFill>
-                <a:schemeClr val="dk1"/>
-              </a:solidFill>
-              <a:latin typeface="Aptos"/>
-            </a:endParaRPr>
-          </a:p>
-          <a:p>
-            <a:pPr lvl="2" marL="1336680" indent="-267480" defTabSz="1069200">
-              <a:lnSpc>
-                <a:spcPct val="90000"/>
-              </a:lnSpc>
-              <a:spcBef>
-                <a:spcPts val="584"/>
-              </a:spcBef>
-              <a:buClr>
-                <a:srgbClr val="000000"/>
-              </a:buClr>
-              <a:buFont typeface="Arial"/>
-              <a:buChar char="•"/>
-            </a:pPr>
-            <a:r>
-              <a:rPr b="0" lang="fr-FR" sz="2340" spc="-1" strike="noStrike">
-                <a:solidFill>
-                  <a:schemeClr val="dk1"/>
-                </a:solidFill>
-                <a:latin typeface="Aptos"/>
-              </a:rPr>
-              <a:t>Troisième niveau</a:t>
-            </a:r>
-            <a:endParaRPr b="0" lang="en-US" sz="2340" spc="-1" strike="noStrike">
-              <a:solidFill>
-                <a:schemeClr val="dk1"/>
-              </a:solidFill>
-              <a:latin typeface="Aptos"/>
-            </a:endParaRPr>
-          </a:p>
-          <a:p>
-            <a:pPr lvl="3" marL="1871280" indent="-267480" defTabSz="1069200">
-              <a:lnSpc>
-                <a:spcPct val="90000"/>
-              </a:lnSpc>
-              <a:spcBef>
-                <a:spcPts val="584"/>
-              </a:spcBef>
-              <a:buClr>
-                <a:srgbClr val="000000"/>
-              </a:buClr>
-              <a:buFont typeface="Arial"/>
-              <a:buChar char="•"/>
-            </a:pPr>
-            <a:r>
-              <a:rPr b="0" lang="fr-FR" sz="2110" spc="-1" strike="noStrike">
-                <a:solidFill>
-                  <a:schemeClr val="dk1"/>
-                </a:solidFill>
-                <a:latin typeface="Aptos"/>
-              </a:rPr>
-              <a:t>Quatrième niveau</a:t>
-            </a:r>
-            <a:endParaRPr b="0" lang="en-US" sz="2110" spc="-1" strike="noStrike">
-              <a:solidFill>
-                <a:schemeClr val="dk1"/>
-              </a:solidFill>
-              <a:latin typeface="Aptos"/>
-            </a:endParaRPr>
-          </a:p>
-          <a:p>
-            <a:pPr lvl="4" marL="2405880" indent="-267480" defTabSz="1069200">
-              <a:lnSpc>
-                <a:spcPct val="90000"/>
-              </a:lnSpc>
-              <a:spcBef>
-                <a:spcPts val="584"/>
-              </a:spcBef>
-              <a:buClr>
-                <a:srgbClr val="000000"/>
-              </a:buClr>
-              <a:buFont typeface="Arial"/>
-              <a:buChar char="•"/>
-            </a:pPr>
-            <a:r>
-              <a:rPr b="0" lang="fr-FR" sz="2110" spc="-1" strike="noStrike">
-                <a:solidFill>
-                  <a:schemeClr val="dk1"/>
-                </a:solidFill>
-                <a:latin typeface="Aptos"/>
-              </a:rPr>
-              <a:t>Cinquième niveau</a:t>
-            </a:r>
-            <a:endParaRPr b="0" lang="en-US" sz="2110" spc="-1" strike="noStrike">
-              <a:solidFill>
-                <a:schemeClr val="dk1"/>
-              </a:solidFill>
-              <a:latin typeface="Aptos"/>
+              <a:t>&lt;number&gt;</a:t>
+            </a:fld>
+            <a:endParaRPr b="0" lang="en-US" sz="1410" spc="-1" strike="noStrike">
+              <a:solidFill>
+                <a:srgbClr val="000000"/>
+              </a:solidFill>
+              <a:latin typeface="Times New Roman"/>
             </a:endParaRPr>
           </a:p>
         </p:txBody>
@@ -3259,13 +2723,13 @@
             <a:spLocks noGrp="1"/>
           </p:cNvSpPr>
           <p:nvPr>
-            <p:ph type="dt" idx="4"/>
+            <p:ph type="dt" idx="6"/>
           </p:nvPr>
         </p:nvSpPr>
         <p:spPr>
           <a:xfrm>
             <a:off x="735120" y="14013360"/>
-            <a:ext cx="2405160" cy="804600"/>
+            <a:ext cx="2404440" cy="803880"/>
           </a:xfrm>
           <a:prstGeom prst="rect">
             <a:avLst/>
@@ -3280,77 +2744,7 @@
             <a:noAutofit/>
           </a:bodyPr>
           <a:lstStyle>
-            <a:lvl1pPr indent="0" defTabSz="457200">
-              <a:lnSpc>
-                <a:spcPct val="100000"/>
-              </a:lnSpc>
-              <a:buNone/>
-              <a:defRPr b="0" lang="fr-CH" sz="1410" spc="-1" strike="noStrike">
-                <a:solidFill>
-                  <a:schemeClr val="dk1">
-                    <a:tint val="82000"/>
-                  </a:schemeClr>
-                </a:solidFill>
-                <a:latin typeface="Aptos"/>
-              </a:defRPr>
-            </a:lvl1pPr>
-          </a:lstStyle>
-          <a:p>
-            <a:pPr indent="0" defTabSz="457200">
-              <a:lnSpc>
-                <a:spcPct val="100000"/>
-              </a:lnSpc>
-              <a:buNone/>
-            </a:pPr>
-            <a:r>
-              <a:rPr b="0" lang="fr-CH" sz="1410" spc="-1" strike="noStrike">
-                <a:solidFill>
-                  <a:schemeClr val="dk1">
-                    <a:tint val="82000"/>
-                  </a:schemeClr>
-                </a:solidFill>
-                <a:latin typeface="Aptos"/>
-              </a:rPr>
-              <a:t>&lt;date/time&gt;</a:t>
-            </a:r>
-            <a:endParaRPr b="0" lang="en-US" sz="1410" spc="-1" strike="noStrike">
-              <a:solidFill>
-                <a:srgbClr val="000000"/>
-              </a:solidFill>
-              <a:latin typeface="Times New Roman"/>
-            </a:endParaRPr>
-          </a:p>
-        </p:txBody>
-      </p:sp>
-      <p:sp>
-        <p:nvSpPr>
-          <p:cNvPr id="9" name="PlaceHolder 4"/>
-          <p:cNvSpPr>
-            <a:spLocks noGrp="1"/>
-          </p:cNvSpPr>
-          <p:nvPr>
-            <p:ph type="ftr" idx="5"/>
-          </p:nvPr>
-        </p:nvSpPr>
-        <p:spPr>
-          <a:xfrm>
-            <a:off x="3541680" y="14013360"/>
-            <a:ext cx="3608280" cy="804600"/>
-          </a:xfrm>
-          <a:prstGeom prst="rect">
-            <a:avLst/>
-          </a:prstGeom>
-          <a:noFill/>
-          <a:ln w="0">
-            <a:noFill/>
-          </a:ln>
-        </p:spPr>
-        <p:txBody>
-          <a:bodyPr lIns="91440" rIns="91440" tIns="45720" bIns="45720" anchor="ctr">
-            <a:noAutofit/>
-          </a:bodyPr>
-          <a:lstStyle>
-            <a:lvl1pPr indent="0" algn="ctr">
+            <a:lvl1pPr indent="0">
               <a:buNone/>
               <a:defRPr b="0" lang="en-US" sz="1400" spc="-1" strike="noStrike">
                 <a:solidFill>
@@ -3361,7 +2755,7 @@
             </a:lvl1pPr>
           </a:lstStyle>
           <a:p>
-            <a:pPr indent="0" algn="ctr">
+            <a:pPr indent="0">
               <a:buNone/>
             </a:pPr>
             <a:r>
@@ -3371,79 +2765,9 @@
                 </a:solidFill>
                 <a:latin typeface="Times New Roman"/>
               </a:rPr>
-              <a:t>&lt;footer&gt;</a:t>
+              <a:t>&lt;date/time&gt;</a:t>
             </a:r>
             <a:endParaRPr b="0" lang="en-US" sz="1400" spc="-1" strike="noStrike">
-              <a:solidFill>
-                <a:srgbClr val="000000"/>
-              </a:solidFill>
-              <a:latin typeface="Times New Roman"/>
-            </a:endParaRPr>
-          </a:p>
-        </p:txBody>
-      </p:sp>
-      <p:sp>
-        <p:nvSpPr>
-          <p:cNvPr id="10" name="PlaceHolder 5"/>
-          <p:cNvSpPr>
-            <a:spLocks noGrp="1"/>
-          </p:cNvSpPr>
-          <p:nvPr>
-            <p:ph type="sldNum" idx="6"/>
-          </p:nvPr>
-        </p:nvSpPr>
-        <p:spPr>
-          <a:xfrm>
-            <a:off x="7551000" y="14013360"/>
-            <a:ext cx="2405160" cy="804600"/>
-          </a:xfrm>
-          <a:prstGeom prst="rect">
-            <a:avLst/>
-          </a:prstGeom>
-          <a:noFill/>
-          <a:ln w="0">
-            <a:noFill/>
-          </a:ln>
-        </p:spPr>
-        <p:txBody>
-          <a:bodyPr lIns="91440" rIns="91440" tIns="45720" bIns="45720" anchor="ctr">
-            <a:noAutofit/>
-          </a:bodyPr>
-          <a:lstStyle>
-            <a:lvl1pPr indent="0" algn="r" defTabSz="457200">
-              <a:lnSpc>
-                <a:spcPct val="100000"/>
-              </a:lnSpc>
-              <a:buNone/>
-              <a:defRPr b="0" lang="fr-CH" sz="1410" spc="-1" strike="noStrike">
-                <a:solidFill>
-                  <a:schemeClr val="dk1">
-                    <a:tint val="82000"/>
-                  </a:schemeClr>
-                </a:solidFill>
-                <a:latin typeface="Aptos"/>
-              </a:defRPr>
-            </a:lvl1pPr>
-          </a:lstStyle>
-          <a:p>
-            <a:pPr indent="0" algn="r" defTabSz="457200">
-              <a:lnSpc>
-                <a:spcPct val="100000"/>
-              </a:lnSpc>
-              <a:buNone/>
-            </a:pPr>
-            <a:fld id="{8870781C-4F29-4C63-ABEC-D4FB1D5D057C}" type="slidenum">
-              <a:rPr b="0" lang="fr-CH" sz="1410" spc="-1" strike="noStrike">
-                <a:solidFill>
-                  <a:schemeClr val="dk1">
-                    <a:tint val="82000"/>
-                  </a:schemeClr>
-                </a:solidFill>
-                <a:latin typeface="Aptos"/>
-              </a:rPr>
-              <a:t>&lt;number&gt;</a:t>
-            </a:fld>
-            <a:endParaRPr b="0" lang="en-US" sz="1410" spc="-1" strike="noStrike">
               <a:solidFill>
                 <a:srgbClr val="000000"/>
               </a:solidFill>
@@ -3487,18 +2811,18 @@
       </p:grpSpPr>
       <p:sp>
         <p:nvSpPr>
-          <p:cNvPr id="11" name="PlaceHolder 1"/>
+          <p:cNvPr id="9" name="PlaceHolder 1"/>
           <p:cNvSpPr>
             <a:spLocks noGrp="1"/>
           </p:cNvSpPr>
           <p:nvPr>
-            <p:ph type="title"/>
+            <p:ph type="ftr" idx="7"/>
           </p:nvPr>
         </p:nvSpPr>
         <p:spPr>
           <a:xfrm>
-            <a:off x="7651440" y="804960"/>
-            <a:ext cx="2305080" cy="12812760"/>
+            <a:off x="3541680" y="14013360"/>
+            <a:ext cx="3607560" cy="803880"/>
           </a:xfrm>
           <a:prstGeom prst="rect">
             <a:avLst/>
@@ -3509,48 +2833,68 @@
           </a:ln>
         </p:spPr>
         <p:txBody>
-          <a:bodyPr lIns="91440" rIns="91440" tIns="45720" bIns="45720" anchor="ctr" vert="eaVert">
+          <a:bodyPr lIns="91440" rIns="91440" tIns="45720" bIns="45720" anchor="ctr">
             <a:noAutofit/>
           </a:bodyPr>
-          <a:p>
-            <a:pPr indent="0" defTabSz="1069200">
+          <a:lstStyle>
+            <a:lvl1pPr indent="0" algn="ctr">
               <a:lnSpc>
-                <a:spcPct val="90000"/>
+                <a:spcPct val="100000"/>
               </a:lnSpc>
               <a:buNone/>
-            </a:pPr>
-            <a:r>
-              <a:rPr b="0" lang="fr-FR" sz="5140" spc="-1" strike="noStrike">
-                <a:solidFill>
-                  <a:schemeClr val="dk1"/>
-                </a:solidFill>
-                <a:latin typeface="Aptos Display"/>
-              </a:rPr>
-              <a:t>Modifiez le style du titre</a:t>
-            </a:r>
-            <a:endParaRPr b="0" lang="en-US" sz="5140" spc="-1" strike="noStrike">
-              <a:solidFill>
-                <a:schemeClr val="dk1"/>
-              </a:solidFill>
-              <a:latin typeface="Aptos"/>
-            </a:endParaRPr>
-          </a:p>
-        </p:txBody>
-      </p:sp>
-      <p:sp>
-        <p:nvSpPr>
-          <p:cNvPr id="12" name="PlaceHolder 2"/>
+              <a:tabLst>
+                <a:tab algn="l" pos="0"/>
+              </a:tabLst>
+              <a:defRPr b="0" lang="en-US" sz="1400" spc="-1" strike="noStrike">
+                <a:solidFill>
+                  <a:srgbClr val="000000"/>
+                </a:solidFill>
+                <a:latin typeface="Times New Roman"/>
+              </a:defRPr>
+            </a:lvl1pPr>
+          </a:lstStyle>
+          <a:p>
+            <a:pPr indent="0" algn="ctr">
+              <a:lnSpc>
+                <a:spcPct val="100000"/>
+              </a:lnSpc>
+              <a:buNone/>
+              <a:tabLst>
+                <a:tab algn="l" pos="0"/>
+              </a:tabLst>
+            </a:pPr>
+            <a:r>
+              <a:rPr b="0" lang="en-US" sz="1400" spc="-1" strike="noStrike">
+                <a:solidFill>
+                  <a:srgbClr val="000000"/>
+                </a:solidFill>
+                <a:latin typeface="Times New Roman"/>
+              </a:rPr>
+              <a:t>&lt;footer&gt;</a:t>
+            </a:r>
+            <a:endParaRPr b="0" lang="en-US" sz="1400" spc="-1" strike="noStrike">
+              <a:solidFill>
+                <a:srgbClr val="000000"/>
+              </a:solidFill>
+              <a:latin typeface="Times New Roman"/>
+            </a:endParaRPr>
+          </a:p>
+        </p:txBody>
+      </p:sp>
+      <p:sp>
+        <p:nvSpPr>
+          <p:cNvPr id="10" name="PlaceHolder 2"/>
           <p:cNvSpPr>
             <a:spLocks noGrp="1"/>
           </p:cNvSpPr>
           <p:nvPr>
-            <p:ph type="body"/>
+            <p:ph type="sldNum" idx="8"/>
           </p:nvPr>
         </p:nvSpPr>
         <p:spPr>
           <a:xfrm>
-            <a:off x="735120" y="804960"/>
-            <a:ext cx="6782400" cy="12812760"/>
+            <a:off x="7551000" y="14013360"/>
+            <a:ext cx="2404440" cy="803880"/>
           </a:xfrm>
           <a:prstGeom prst="rect">
             <a:avLst/>
@@ -3561,175 +2905,72 @@
           </a:ln>
         </p:spPr>
         <p:txBody>
-          <a:bodyPr lIns="91440" rIns="91440" tIns="45720" bIns="45720" anchor="t" vert="eaVert">
+          <a:bodyPr lIns="91440" rIns="91440" tIns="45720" bIns="45720" anchor="ctr">
             <a:noAutofit/>
           </a:bodyPr>
-          <a:p>
-            <a:pPr marL="267480" indent="-267480" defTabSz="1069200">
+          <a:lstStyle>
+            <a:lvl1pPr indent="0" algn="r" defTabSz="457200">
               <a:lnSpc>
-                <a:spcPct val="90000"/>
+                <a:spcPct val="100000"/>
               </a:lnSpc>
-              <a:spcBef>
-                <a:spcPts val="1168"/>
-              </a:spcBef>
-              <a:buClr>
-                <a:srgbClr val="000000"/>
-              </a:buClr>
-              <a:buFont typeface="Arial"/>
-              <a:buChar char="•"/>
-            </a:pPr>
-            <a:r>
-              <a:rPr b="0" lang="fr-FR" sz="3270" spc="-1" strike="noStrike">
-                <a:solidFill>
-                  <a:schemeClr val="dk1"/>
+              <a:buNone/>
+              <a:tabLst>
+                <a:tab algn="l" pos="0"/>
+              </a:tabLst>
+              <a:defRPr b="0" lang="fr-CH" sz="1410" spc="-1" strike="noStrike">
+                <a:solidFill>
+                  <a:schemeClr val="dk1">
+                    <a:tint val="82000"/>
+                  </a:schemeClr>
                 </a:solidFill>
                 <a:latin typeface="Aptos"/>
-              </a:rPr>
-              <a:t>Cliquez pour modifier les styles du texte du masque</a:t>
-            </a:r>
-            <a:endParaRPr b="0" lang="en-US" sz="3270" spc="-1" strike="noStrike">
-              <a:solidFill>
-                <a:schemeClr val="dk1"/>
-              </a:solidFill>
-              <a:latin typeface="Aptos"/>
-            </a:endParaRPr>
-          </a:p>
-          <a:p>
-            <a:pPr lvl="1" marL="802080" indent="-267480" defTabSz="1069200">
+              </a:defRPr>
+            </a:lvl1pPr>
+          </a:lstStyle>
+          <a:p>
+            <a:pPr indent="0" algn="r" defTabSz="457200">
               <a:lnSpc>
-                <a:spcPct val="90000"/>
+                <a:spcPct val="100000"/>
               </a:lnSpc>
-              <a:spcBef>
-                <a:spcPts val="584"/>
-              </a:spcBef>
-              <a:buClr>
-                <a:srgbClr val="000000"/>
-              </a:buClr>
-              <a:buFont typeface="Arial"/>
-              <a:buChar char="•"/>
-            </a:pPr>
-            <a:r>
-              <a:rPr b="0" lang="fr-FR" sz="2810" spc="-1" strike="noStrike">
-                <a:solidFill>
-                  <a:schemeClr val="dk1"/>
+              <a:buNone/>
+              <a:tabLst>
+                <a:tab algn="l" pos="0"/>
+              </a:tabLst>
+            </a:pPr>
+            <a:fld id="{DB22CE34-7BE9-4016-803F-FCC6874D09FA}" type="slidenum">
+              <a:rPr b="0" lang="fr-CH" sz="1410" spc="-1" strike="noStrike">
+                <a:solidFill>
+                  <a:schemeClr val="dk1">
+                    <a:tint val="82000"/>
+                  </a:schemeClr>
                 </a:solidFill>
                 <a:latin typeface="Aptos"/>
               </a:rPr>
-              <a:t>Deuxième niveau</a:t>
-            </a:r>
-            <a:endParaRPr b="0" lang="en-US" sz="2810" spc="-1" strike="noStrike">
-              <a:solidFill>
-                <a:schemeClr val="dk1"/>
-              </a:solidFill>
-              <a:latin typeface="Aptos"/>
-            </a:endParaRPr>
-          </a:p>
-          <a:p>
-            <a:pPr lvl="2" marL="1336680" indent="-267480" defTabSz="1069200">
-              <a:lnSpc>
-                <a:spcPct val="90000"/>
-              </a:lnSpc>
-              <a:spcBef>
-                <a:spcPts val="584"/>
-              </a:spcBef>
-              <a:buClr>
-                <a:srgbClr val="000000"/>
-              </a:buClr>
-              <a:buFont typeface="Arial"/>
-              <a:buChar char="•"/>
-            </a:pPr>
-            <a:r>
-              <a:rPr b="0" lang="fr-FR" sz="2340" spc="-1" strike="noStrike">
-                <a:solidFill>
-                  <a:schemeClr val="dk1"/>
-                </a:solidFill>
-                <a:latin typeface="Aptos"/>
-              </a:rPr>
-              <a:t>Troisième niveau</a:t>
-            </a:r>
-            <a:endParaRPr b="0" lang="en-US" sz="2340" spc="-1" strike="noStrike">
-              <a:solidFill>
-                <a:schemeClr val="dk1"/>
-              </a:solidFill>
-              <a:latin typeface="Aptos"/>
-            </a:endParaRPr>
-          </a:p>
-          <a:p>
-            <a:pPr lvl="3" marL="1871280" indent="-267480" defTabSz="1069200">
-              <a:lnSpc>
-                <a:spcPct val="90000"/>
-              </a:lnSpc>
-              <a:spcBef>
-                <a:spcPts val="584"/>
-              </a:spcBef>
-              <a:buClr>
-                <a:srgbClr val="000000"/>
-              </a:buClr>
-              <a:buFont typeface="Arial"/>
-              <a:buChar char="•"/>
-            </a:pPr>
-            <a:r>
-              <a:rPr b="0" lang="fr-FR" sz="2110" spc="-1" strike="noStrike">
-                <a:solidFill>
-                  <a:schemeClr val="dk1"/>
-                </a:solidFill>
-                <a:latin typeface="Aptos"/>
-              </a:rPr>
-              <a:t>Quatrième niveau</a:t>
-            </a:r>
-            <a:endParaRPr b="0" lang="en-US" sz="2110" spc="-1" strike="noStrike">
-              <a:solidFill>
-                <a:schemeClr val="dk1"/>
-              </a:solidFill>
-              <a:latin typeface="Aptos"/>
-            </a:endParaRPr>
-          </a:p>
-          <a:p>
-            <a:pPr lvl="4" marL="2405880" indent="-267480" defTabSz="1069200">
-              <a:lnSpc>
-                <a:spcPct val="90000"/>
-              </a:lnSpc>
-              <a:spcBef>
-                <a:spcPts val="584"/>
-              </a:spcBef>
-              <a:buClr>
-                <a:srgbClr val="000000"/>
-              </a:buClr>
-              <a:buFont typeface="Arial"/>
-              <a:buChar char="•"/>
-            </a:pPr>
-            <a:r>
-              <a:rPr b="0" lang="fr-FR" sz="2110" spc="-1" strike="noStrike">
-                <a:solidFill>
-                  <a:schemeClr val="dk1"/>
-                </a:solidFill>
-                <a:latin typeface="Aptos"/>
-              </a:rPr>
-              <a:t>Cinquième niveau</a:t>
-            </a:r>
-            <a:endParaRPr b="0" lang="en-US" sz="2110" spc="-1" strike="noStrike">
-              <a:solidFill>
-                <a:schemeClr val="dk1"/>
-              </a:solidFill>
-              <a:latin typeface="Aptos"/>
-            </a:endParaRPr>
-          </a:p>
-        </p:txBody>
-      </p:sp>
-      <p:sp>
-        <p:nvSpPr>
-          <p:cNvPr id="13" name="PlaceHolder 3"/>
+              <a:t>&lt;number&gt;</a:t>
+            </a:fld>
+            <a:endParaRPr b="0" lang="en-US" sz="1410" spc="-1" strike="noStrike">
+              <a:solidFill>
+                <a:srgbClr val="000000"/>
+              </a:solidFill>
+              <a:latin typeface="Times New Roman"/>
+            </a:endParaRPr>
+          </a:p>
+        </p:txBody>
+      </p:sp>
+      <p:sp>
+        <p:nvSpPr>
+          <p:cNvPr id="11" name="PlaceHolder 3"/>
           <p:cNvSpPr>
             <a:spLocks noGrp="1"/>
           </p:cNvSpPr>
           <p:nvPr>
-            <p:ph type="dt" idx="7"/>
+            <p:ph type="dt" idx="9"/>
           </p:nvPr>
         </p:nvSpPr>
         <p:spPr>
           <a:xfrm>
             <a:off x="735120" y="14013360"/>
-            <a:ext cx="2405160" cy="804600"/>
+            <a:ext cx="2404440" cy="803880"/>
           </a:xfrm>
           <a:prstGeom prst="rect">
             <a:avLst/>
@@ -3744,77 +2985,7 @@
             <a:noAutofit/>
           </a:bodyPr>
           <a:lstStyle>
-            <a:lvl1pPr indent="0" defTabSz="457200">
-              <a:lnSpc>
-                <a:spcPct val="100000"/>
-              </a:lnSpc>
-              <a:buNone/>
-              <a:defRPr b="0" lang="fr-CH" sz="1410" spc="-1" strike="noStrike">
-                <a:solidFill>
-                  <a:schemeClr val="dk1">
-                    <a:tint val="82000"/>
-                  </a:schemeClr>
-                </a:solidFill>
-                <a:latin typeface="Aptos"/>
-              </a:defRPr>
-            </a:lvl1pPr>
-          </a:lstStyle>
-          <a:p>
-            <a:pPr indent="0" defTabSz="457200">
-              <a:lnSpc>
-                <a:spcPct val="100000"/>
-              </a:lnSpc>
-              <a:buNone/>
-            </a:pPr>
-            <a:r>
-              <a:rPr b="0" lang="fr-CH" sz="1410" spc="-1" strike="noStrike">
-                <a:solidFill>
-                  <a:schemeClr val="dk1">
-                    <a:tint val="82000"/>
-                  </a:schemeClr>
-                </a:solidFill>
-                <a:latin typeface="Aptos"/>
-              </a:rPr>
-              <a:t>&lt;date/time&gt;</a:t>
-            </a:r>
-            <a:endParaRPr b="0" lang="en-US" sz="1410" spc="-1" strike="noStrike">
-              <a:solidFill>
-                <a:srgbClr val="000000"/>
-              </a:solidFill>
-              <a:latin typeface="Times New Roman"/>
-            </a:endParaRPr>
-          </a:p>
-        </p:txBody>
-      </p:sp>
-      <p:sp>
-        <p:nvSpPr>
-          <p:cNvPr id="14" name="PlaceHolder 4"/>
-          <p:cNvSpPr>
-            <a:spLocks noGrp="1"/>
-          </p:cNvSpPr>
-          <p:nvPr>
-            <p:ph type="ftr" idx="8"/>
-          </p:nvPr>
-        </p:nvSpPr>
-        <p:spPr>
-          <a:xfrm>
-            <a:off x="3541680" y="14013360"/>
-            <a:ext cx="3608280" cy="804600"/>
-          </a:xfrm>
-          <a:prstGeom prst="rect">
-            <a:avLst/>
-          </a:prstGeom>
-          <a:noFill/>
-          <a:ln w="0">
-            <a:noFill/>
-          </a:ln>
-        </p:spPr>
-        <p:txBody>
-          <a:bodyPr lIns="91440" rIns="91440" tIns="45720" bIns="45720" anchor="ctr">
-            <a:noAutofit/>
-          </a:bodyPr>
-          <a:lstStyle>
-            <a:lvl1pPr indent="0" algn="ctr">
+            <a:lvl1pPr indent="0">
               <a:buNone/>
               <a:defRPr b="0" lang="en-US" sz="1400" spc="-1" strike="noStrike">
                 <a:solidFill>
@@ -3825,7 +2996,7 @@
             </a:lvl1pPr>
           </a:lstStyle>
           <a:p>
-            <a:pPr indent="0" algn="ctr">
+            <a:pPr indent="0">
               <a:buNone/>
             </a:pPr>
             <a:r>
@@ -3835,79 +3006,9 @@
                 </a:solidFill>
                 <a:latin typeface="Times New Roman"/>
               </a:rPr>
-              <a:t>&lt;footer&gt;</a:t>
+              <a:t>&lt;date/time&gt;</a:t>
             </a:r>
             <a:endParaRPr b="0" lang="en-US" sz="1400" spc="-1" strike="noStrike">
-              <a:solidFill>
-                <a:srgbClr val="000000"/>
-              </a:solidFill>
-              <a:latin typeface="Times New Roman"/>
-            </a:endParaRPr>
-          </a:p>
-        </p:txBody>
-      </p:sp>
-      <p:sp>
-        <p:nvSpPr>
-          <p:cNvPr id="15" name="PlaceHolder 5"/>
-          <p:cNvSpPr>
-            <a:spLocks noGrp="1"/>
-          </p:cNvSpPr>
-          <p:nvPr>
-            <p:ph type="sldNum" idx="9"/>
-          </p:nvPr>
-        </p:nvSpPr>
-        <p:spPr>
-          <a:xfrm>
-            <a:off x="7551000" y="14013360"/>
-            <a:ext cx="2405160" cy="804600"/>
-          </a:xfrm>
-          <a:prstGeom prst="rect">
-            <a:avLst/>
-          </a:prstGeom>
-          <a:noFill/>
-          <a:ln w="0">
-            <a:noFill/>
-          </a:ln>
-        </p:spPr>
-        <p:txBody>
-          <a:bodyPr lIns="91440" rIns="91440" tIns="45720" bIns="45720" anchor="ctr">
-            <a:noAutofit/>
-          </a:bodyPr>
-          <a:lstStyle>
-            <a:lvl1pPr indent="0" algn="r" defTabSz="457200">
-              <a:lnSpc>
-                <a:spcPct val="100000"/>
-              </a:lnSpc>
-              <a:buNone/>
-              <a:defRPr b="0" lang="fr-CH" sz="1410" spc="-1" strike="noStrike">
-                <a:solidFill>
-                  <a:schemeClr val="dk1">
-                    <a:tint val="82000"/>
-                  </a:schemeClr>
-                </a:solidFill>
-                <a:latin typeface="Aptos"/>
-              </a:defRPr>
-            </a:lvl1pPr>
-          </a:lstStyle>
-          <a:p>
-            <a:pPr indent="0" algn="r" defTabSz="457200">
-              <a:lnSpc>
-                <a:spcPct val="100000"/>
-              </a:lnSpc>
-              <a:buNone/>
-            </a:pPr>
-            <a:fld id="{53E9F6C4-6786-4988-8F07-6CAFF6817420}" type="slidenum">
-              <a:rPr b="0" lang="fr-CH" sz="1410" spc="-1" strike="noStrike">
-                <a:solidFill>
-                  <a:schemeClr val="dk1">
-                    <a:tint val="82000"/>
-                  </a:schemeClr>
-                </a:solidFill>
-                <a:latin typeface="Aptos"/>
-              </a:rPr>
-              <a:t>&lt;number&gt;</a:t>
-            </a:fld>
-            <a:endParaRPr b="0" lang="en-US" sz="1410" spc="-1" strike="noStrike">
               <a:solidFill>
                 <a:srgbClr val="000000"/>
               </a:solidFill>
@@ -3951,7 +3052,7 @@
       </p:grpSpPr>
       <p:sp>
         <p:nvSpPr>
-          <p:cNvPr id="16" name="PlaceHolder 1"/>
+          <p:cNvPr id="12" name="PlaceHolder 1"/>
           <p:cNvSpPr>
             <a:spLocks noGrp="1"/>
           </p:cNvSpPr>
@@ -3961,8 +3062,8 @@
         </p:nvSpPr>
         <p:spPr>
           <a:xfrm>
-            <a:off x="735120" y="804960"/>
-            <a:ext cx="9221400" cy="2922120"/>
+            <a:off x="801720" y="2474280"/>
+            <a:ext cx="9087120" cy="5262840"/>
           </a:xfrm>
           <a:prstGeom prst="rect">
             <a:avLst/>
@@ -3973,37 +3074,34 @@
           </a:ln>
         </p:spPr>
         <p:txBody>
-          <a:bodyPr lIns="91440" rIns="91440" tIns="45720" bIns="45720" anchor="ctr">
+          <a:bodyPr lIns="0" rIns="0" tIns="0" bIns="0" anchor="ctr">
             <a:noAutofit/>
           </a:bodyPr>
           <a:p>
-            <a:pPr indent="0" defTabSz="1069200">
-              <a:lnSpc>
-                <a:spcPct val="90000"/>
-              </a:lnSpc>
+            <a:pPr indent="0">
               <a:buNone/>
             </a:pPr>
             <a:r>
-              <a:rPr b="0" lang="fr-FR" sz="5140" spc="-1" strike="noStrike">
-                <a:solidFill>
-                  <a:schemeClr val="dk1"/>
-                </a:solidFill>
-                <a:latin typeface="Aptos Display"/>
-              </a:rPr>
-              <a:t>Modifiez le style du titre</a:t>
-            </a:r>
-            <a:endParaRPr b="0" lang="en-US" sz="5140" spc="-1" strike="noStrike">
-              <a:solidFill>
-                <a:schemeClr val="dk1"/>
-              </a:solidFill>
-              <a:latin typeface="Aptos"/>
-            </a:endParaRPr>
-          </a:p>
-        </p:txBody>
-      </p:sp>
-      <p:sp>
-        <p:nvSpPr>
-          <p:cNvPr id="17" name="PlaceHolder 2"/>
+              <a:rPr b="0" lang="en-US" sz="1800" spc="-1" strike="noStrike">
+                <a:solidFill>
+                  <a:srgbClr val="000000"/>
+                </a:solidFill>
+                <a:latin typeface="Arial"/>
+              </a:rPr>
+              <a:t>Click to edit the title text format</a:t>
+            </a:r>
+            <a:endParaRPr b="0" lang="en-US" sz="1800" spc="-1" strike="noStrike">
+              <a:solidFill>
+                <a:srgbClr val="000000"/>
+              </a:solidFill>
+              <a:latin typeface="Arial"/>
+            </a:endParaRPr>
+          </a:p>
+        </p:txBody>
+      </p:sp>
+      <p:sp>
+        <p:nvSpPr>
+          <p:cNvPr id="13" name="PlaceHolder 2"/>
           <p:cNvSpPr>
             <a:spLocks noGrp="1"/>
           </p:cNvSpPr>
@@ -4013,8 +3111,8 @@
         </p:nvSpPr>
         <p:spPr>
           <a:xfrm>
-            <a:off x="735120" y="4024800"/>
-            <a:ext cx="9221400" cy="9592560"/>
+            <a:off x="534240" y="3537720"/>
+            <a:ext cx="9621720" cy="8768160"/>
           </a:xfrm>
           <a:prstGeom prst="rect">
             <a:avLst/>
@@ -4025,175 +3123,221 @@
           </a:ln>
         </p:spPr>
         <p:txBody>
-          <a:bodyPr lIns="91440" rIns="91440" tIns="45720" bIns="45720" anchor="t">
-            <a:noAutofit/>
+          <a:bodyPr lIns="0" rIns="0" tIns="0" bIns="0" anchor="t">
+            <a:normAutofit/>
           </a:bodyPr>
           <a:p>
-            <a:pPr marL="267480" indent="-267480" defTabSz="1069200">
-              <a:lnSpc>
-                <a:spcPct val="90000"/>
-              </a:lnSpc>
+            <a:pPr marL="432000" indent="-324000">
               <a:spcBef>
-                <a:spcPts val="1168"/>
+                <a:spcPts val="1417"/>
               </a:spcBef>
               <a:buClr>
                 <a:srgbClr val="000000"/>
               </a:buClr>
-              <a:buFont typeface="Arial"/>
-              <a:buChar char="•"/>
-            </a:pPr>
-            <a:r>
-              <a:rPr b="0" lang="fr-FR" sz="3270" spc="-1" strike="noStrike">
-                <a:solidFill>
-                  <a:schemeClr val="dk1"/>
-                </a:solidFill>
-                <a:latin typeface="Aptos"/>
-              </a:rPr>
-              <a:t>Cliquez pour modifier les styles du texte du masque</a:t>
-            </a:r>
-            <a:endParaRPr b="0" lang="en-US" sz="3270" spc="-1" strike="noStrike">
-              <a:solidFill>
-                <a:schemeClr val="dk1"/>
-              </a:solidFill>
-              <a:latin typeface="Aptos"/>
-            </a:endParaRPr>
-          </a:p>
-          <a:p>
-            <a:pPr lvl="1" marL="802080" indent="-267480" defTabSz="1069200">
-              <a:lnSpc>
-                <a:spcPct val="90000"/>
-              </a:lnSpc>
+              <a:buSzPct val="45000"/>
+              <a:buFont typeface="Wingdings" charset="2"/>
+              <a:buChar char=""/>
+            </a:pPr>
+            <a:r>
+              <a:rPr b="0" lang="en-US" sz="1800" spc="-1" strike="noStrike">
+                <a:solidFill>
+                  <a:srgbClr val="000000"/>
+                </a:solidFill>
+                <a:latin typeface="Arial"/>
+              </a:rPr>
+              <a:t>Click to edit the outline text format</a:t>
+            </a:r>
+            <a:endParaRPr b="0" lang="en-US" sz="1800" spc="-1" strike="noStrike">
+              <a:solidFill>
+                <a:srgbClr val="000000"/>
+              </a:solidFill>
+              <a:latin typeface="Arial"/>
+            </a:endParaRPr>
+          </a:p>
+          <a:p>
+            <a:pPr lvl="1" marL="864000" indent="-324000">
               <a:spcBef>
-                <a:spcPts val="584"/>
+                <a:spcPts val="1134"/>
               </a:spcBef>
               <a:buClr>
                 <a:srgbClr val="000000"/>
               </a:buClr>
-              <a:buFont typeface="Arial"/>
-              <a:buChar char="•"/>
-            </a:pPr>
-            <a:r>
-              <a:rPr b="0" lang="fr-FR" sz="2810" spc="-1" strike="noStrike">
-                <a:solidFill>
-                  <a:schemeClr val="dk1"/>
-                </a:solidFill>
-                <a:latin typeface="Aptos"/>
-              </a:rPr>
-              <a:t>Deuxième niveau</a:t>
-            </a:r>
-            <a:endParaRPr b="0" lang="en-US" sz="2810" spc="-1" strike="noStrike">
-              <a:solidFill>
-                <a:schemeClr val="dk1"/>
-              </a:solidFill>
-              <a:latin typeface="Aptos"/>
-            </a:endParaRPr>
-          </a:p>
-          <a:p>
-            <a:pPr lvl="2" marL="1336680" indent="-267480" defTabSz="1069200">
-              <a:lnSpc>
-                <a:spcPct val="90000"/>
-              </a:lnSpc>
+              <a:buSzPct val="75000"/>
+              <a:buFont typeface="Symbol" charset="2"/>
+              <a:buChar char=""/>
+            </a:pPr>
+            <a:r>
+              <a:rPr b="0" lang="en-US" sz="1800" spc="-1" strike="noStrike">
+                <a:solidFill>
+                  <a:srgbClr val="000000"/>
+                </a:solidFill>
+                <a:latin typeface="Arial"/>
+              </a:rPr>
+              <a:t>Second Outline Level</a:t>
+            </a:r>
+            <a:endParaRPr b="0" lang="en-US" sz="1800" spc="-1" strike="noStrike">
+              <a:solidFill>
+                <a:srgbClr val="000000"/>
+              </a:solidFill>
+              <a:latin typeface="Arial"/>
+            </a:endParaRPr>
+          </a:p>
+          <a:p>
+            <a:pPr lvl="2" marL="1296000" indent="-288000">
               <a:spcBef>
-                <a:spcPts val="584"/>
+                <a:spcPts val="850"/>
               </a:spcBef>
               <a:buClr>
                 <a:srgbClr val="000000"/>
               </a:buClr>
-              <a:buFont typeface="Arial"/>
-              <a:buChar char="•"/>
-            </a:pPr>
-            <a:r>
-              <a:rPr b="0" lang="fr-FR" sz="2340" spc="-1" strike="noStrike">
-                <a:solidFill>
-                  <a:schemeClr val="dk1"/>
-                </a:solidFill>
-                <a:latin typeface="Aptos"/>
-              </a:rPr>
-              <a:t>Troisième niveau</a:t>
-            </a:r>
-            <a:endParaRPr b="0" lang="en-US" sz="2340" spc="-1" strike="noStrike">
-              <a:solidFill>
-                <a:schemeClr val="dk1"/>
-              </a:solidFill>
-              <a:latin typeface="Aptos"/>
-            </a:endParaRPr>
-          </a:p>
-          <a:p>
-            <a:pPr lvl="3" marL="1871280" indent="-267480" defTabSz="1069200">
-              <a:lnSpc>
-                <a:spcPct val="90000"/>
-              </a:lnSpc>
+              <a:buSzPct val="45000"/>
+              <a:buFont typeface="Wingdings" charset="2"/>
+              <a:buChar char=""/>
+            </a:pPr>
+            <a:r>
+              <a:rPr b="0" lang="en-US" sz="1800" spc="-1" strike="noStrike">
+                <a:solidFill>
+                  <a:srgbClr val="000000"/>
+                </a:solidFill>
+                <a:latin typeface="Arial"/>
+              </a:rPr>
+              <a:t>Third Outline Level</a:t>
+            </a:r>
+            <a:endParaRPr b="0" lang="en-US" sz="1800" spc="-1" strike="noStrike">
+              <a:solidFill>
+                <a:srgbClr val="000000"/>
+              </a:solidFill>
+              <a:latin typeface="Arial"/>
+            </a:endParaRPr>
+          </a:p>
+          <a:p>
+            <a:pPr lvl="3" marL="1728000" indent="-216000">
               <a:spcBef>
-                <a:spcPts val="584"/>
+                <a:spcPts val="567"/>
               </a:spcBef>
               <a:buClr>
                 <a:srgbClr val="000000"/>
               </a:buClr>
-              <a:buFont typeface="Arial"/>
-              <a:buChar char="•"/>
-            </a:pPr>
-            <a:r>
-              <a:rPr b="0" lang="fr-FR" sz="2110" spc="-1" strike="noStrike">
-                <a:solidFill>
-                  <a:schemeClr val="dk1"/>
-                </a:solidFill>
-                <a:latin typeface="Aptos"/>
-              </a:rPr>
-              <a:t>Quatrième niveau</a:t>
-            </a:r>
-            <a:endParaRPr b="0" lang="en-US" sz="2110" spc="-1" strike="noStrike">
-              <a:solidFill>
-                <a:schemeClr val="dk1"/>
-              </a:solidFill>
-              <a:latin typeface="Aptos"/>
-            </a:endParaRPr>
-          </a:p>
-          <a:p>
-            <a:pPr lvl="4" marL="2405880" indent="-267480" defTabSz="1069200">
-              <a:lnSpc>
-                <a:spcPct val="90000"/>
-              </a:lnSpc>
+              <a:buSzPct val="75000"/>
+              <a:buFont typeface="Symbol" charset="2"/>
+              <a:buChar char=""/>
+            </a:pPr>
+            <a:r>
+              <a:rPr b="0" lang="en-US" sz="1800" spc="-1" strike="noStrike">
+                <a:solidFill>
+                  <a:srgbClr val="000000"/>
+                </a:solidFill>
+                <a:latin typeface="Arial"/>
+              </a:rPr>
+              <a:t>Fourth Outline Level</a:t>
+            </a:r>
+            <a:endParaRPr b="0" lang="en-US" sz="1800" spc="-1" strike="noStrike">
+              <a:solidFill>
+                <a:srgbClr val="000000"/>
+              </a:solidFill>
+              <a:latin typeface="Arial"/>
+            </a:endParaRPr>
+          </a:p>
+          <a:p>
+            <a:pPr lvl="4" marL="2160000" indent="-216000">
               <a:spcBef>
-                <a:spcPts val="584"/>
+                <a:spcPts val="283"/>
               </a:spcBef>
               <a:buClr>
                 <a:srgbClr val="000000"/>
               </a:buClr>
-              <a:buFont typeface="Arial"/>
-              <a:buChar char="•"/>
-            </a:pPr>
-            <a:r>
-              <a:rPr b="0" lang="fr-FR" sz="2110" spc="-1" strike="noStrike">
-                <a:solidFill>
-                  <a:schemeClr val="dk1"/>
-                </a:solidFill>
-                <a:latin typeface="Aptos"/>
-              </a:rPr>
-              <a:t>Cinquième niveau</a:t>
-            </a:r>
-            <a:endParaRPr b="0" lang="en-US" sz="2110" spc="-1" strike="noStrike">
-              <a:solidFill>
-                <a:schemeClr val="dk1"/>
-              </a:solidFill>
-              <a:latin typeface="Aptos"/>
-            </a:endParaRPr>
-          </a:p>
-        </p:txBody>
-      </p:sp>
-      <p:sp>
-        <p:nvSpPr>
-          <p:cNvPr id="18" name="PlaceHolder 3"/>
+              <a:buSzPct val="45000"/>
+              <a:buFont typeface="Wingdings" charset="2"/>
+              <a:buChar char=""/>
+            </a:pPr>
+            <a:r>
+              <a:rPr b="0" lang="en-US" sz="1800" spc="-1" strike="noStrike">
+                <a:solidFill>
+                  <a:srgbClr val="000000"/>
+                </a:solidFill>
+                <a:latin typeface="Arial"/>
+              </a:rPr>
+              <a:t>Fifth Outline Level</a:t>
+            </a:r>
+            <a:endParaRPr b="0" lang="en-US" sz="1800" spc="-1" strike="noStrike">
+              <a:solidFill>
+                <a:srgbClr val="000000"/>
+              </a:solidFill>
+              <a:latin typeface="Arial"/>
+            </a:endParaRPr>
+          </a:p>
+          <a:p>
+            <a:pPr lvl="5" marL="2592000" indent="-216000">
+              <a:spcBef>
+                <a:spcPts val="283"/>
+              </a:spcBef>
+              <a:buClr>
+                <a:srgbClr val="000000"/>
+              </a:buClr>
+              <a:buSzPct val="45000"/>
+              <a:buFont typeface="Wingdings" charset="2"/>
+              <a:buChar char=""/>
+            </a:pPr>
+            <a:r>
+              <a:rPr b="0" lang="en-US" sz="1800" spc="-1" strike="noStrike">
+                <a:solidFill>
+                  <a:srgbClr val="000000"/>
+                </a:solidFill>
+                <a:latin typeface="Arial"/>
+              </a:rPr>
+              <a:t>Sixth Outline Level</a:t>
+            </a:r>
+            <a:endParaRPr b="0" lang="en-US" sz="1800" spc="-1" strike="noStrike">
+              <a:solidFill>
+                <a:srgbClr val="000000"/>
+              </a:solidFill>
+              <a:latin typeface="Arial"/>
+            </a:endParaRPr>
+          </a:p>
+          <a:p>
+            <a:pPr lvl="6" marL="3024000" indent="-216000">
+              <a:spcBef>
+                <a:spcPts val="283"/>
+              </a:spcBef>
+              <a:buClr>
+                <a:srgbClr val="000000"/>
+              </a:buClr>
+              <a:buSzPct val="45000"/>
+              <a:buFont typeface="Wingdings" charset="2"/>
+              <a:buChar char=""/>
+            </a:pPr>
+            <a:r>
+              <a:rPr b="0" lang="en-US" sz="1800" spc="-1" strike="noStrike">
+                <a:solidFill>
+                  <a:srgbClr val="000000"/>
+                </a:solidFill>
+                <a:latin typeface="Arial"/>
+              </a:rPr>
+              <a:t>Seventh Outline Level</a:t>
+            </a:r>
+            <a:endParaRPr b="0" lang="en-US" sz="1800" spc="-1" strike="noStrike">
+              <a:solidFill>
+                <a:srgbClr val="000000"/>
+              </a:solidFill>
+              <a:latin typeface="Arial"/>
+            </a:endParaRPr>
+          </a:p>
+        </p:txBody>
+      </p:sp>
+      <p:sp>
+        <p:nvSpPr>
+          <p:cNvPr id="14" name="PlaceHolder 3"/>
           <p:cNvSpPr>
             <a:spLocks noGrp="1"/>
           </p:cNvSpPr>
           <p:nvPr>
-            <p:ph type="dt" idx="10"/>
+            <p:ph type="ftr" idx="10"/>
           </p:nvPr>
         </p:nvSpPr>
         <p:spPr>
           <a:xfrm>
-            <a:off x="735120" y="14013360"/>
-            <a:ext cx="2405160" cy="804600"/>
+            <a:off x="3541680" y="14013360"/>
+            <a:ext cx="3607560" cy="803880"/>
           </a:xfrm>
           <a:prstGeom prst="rect">
             <a:avLst/>
@@ -4208,40 +3352,42 @@
             <a:noAutofit/>
           </a:bodyPr>
           <a:lstStyle>
-            <a:lvl1pPr indent="0" defTabSz="457200">
+            <a:lvl1pPr indent="0" algn="ctr">
               <a:lnSpc>
                 <a:spcPct val="100000"/>
               </a:lnSpc>
               <a:buNone/>
-              <a:defRPr b="0" lang="fr-CH" sz="1410" spc="-1" strike="noStrike">
-                <a:solidFill>
-                  <a:schemeClr val="dk1">
-                    <a:tint val="82000"/>
-                  </a:schemeClr>
-                </a:solidFill>
-                <a:latin typeface="Aptos"/>
+              <a:tabLst>
+                <a:tab algn="l" pos="0"/>
+              </a:tabLst>
+              <a:defRPr b="0" lang="en-US" sz="1400" spc="-1" strike="noStrike">
+                <a:solidFill>
+                  <a:srgbClr val="000000"/>
+                </a:solidFill>
+                <a:latin typeface="Times New Roman"/>
               </a:defRPr>
             </a:lvl1pPr>
           </a:lstStyle>
           <a:p>
-            <a:pPr indent="0" defTabSz="457200">
+            <a:pPr indent="0" algn="ctr">
               <a:lnSpc>
                 <a:spcPct val="100000"/>
               </a:lnSpc>
               <a:buNone/>
-            </a:pPr>
-            <a:r>
-              <a:rPr b="0" lang="fr-CH" sz="1410" spc="-1" strike="noStrike">
-                <a:solidFill>
-                  <a:schemeClr val="dk1">
-                    <a:tint val="82000"/>
-                  </a:schemeClr>
-                </a:solidFill>
-                <a:latin typeface="Aptos"/>
-              </a:rPr>
-              <a:t>&lt;date/time&gt;</a:t>
-            </a:r>
-            <a:endParaRPr b="0" lang="en-US" sz="1410" spc="-1" strike="noStrike">
+              <a:tabLst>
+                <a:tab algn="l" pos="0"/>
+              </a:tabLst>
+            </a:pPr>
+            <a:r>
+              <a:rPr b="0" lang="en-US" sz="1400" spc="-1" strike="noStrike">
+                <a:solidFill>
+                  <a:srgbClr val="000000"/>
+                </a:solidFill>
+                <a:latin typeface="Times New Roman"/>
+              </a:rPr>
+              <a:t>&lt;footer&gt;</a:t>
+            </a:r>
+            <a:endParaRPr b="0" lang="en-US" sz="1400" spc="-1" strike="noStrike">
               <a:solidFill>
                 <a:srgbClr val="000000"/>
               </a:solidFill>
@@ -4252,18 +3398,18 @@
       </p:sp>
       <p:sp>
         <p:nvSpPr>
-          <p:cNvPr id="19" name="PlaceHolder 4"/>
+          <p:cNvPr id="15" name="PlaceHolder 4"/>
           <p:cNvSpPr>
             <a:spLocks noGrp="1"/>
           </p:cNvSpPr>
           <p:nvPr>
-            <p:ph type="ftr" idx="11"/>
+            <p:ph type="sldNum" idx="11"/>
           </p:nvPr>
         </p:nvSpPr>
         <p:spPr>
           <a:xfrm>
-            <a:off x="3541680" y="14013360"/>
-            <a:ext cx="3608280" cy="804600"/>
+            <a:off x="7551000" y="14013360"/>
+            <a:ext cx="2404440" cy="803880"/>
           </a:xfrm>
           <a:prstGeom prst="rect">
             <a:avLst/>
@@ -4278,30 +3424,46 @@
             <a:noAutofit/>
           </a:bodyPr>
           <a:lstStyle>
-            <a:lvl1pPr indent="0" algn="ctr">
+            <a:lvl1pPr indent="0" algn="r" defTabSz="457200">
+              <a:lnSpc>
+                <a:spcPct val="100000"/>
+              </a:lnSpc>
               <a:buNone/>
-              <a:defRPr b="0" lang="en-US" sz="1400" spc="-1" strike="noStrike">
-                <a:solidFill>
-                  <a:srgbClr val="000000"/>
-                </a:solidFill>
-                <a:latin typeface="Times New Roman"/>
+              <a:tabLst>
+                <a:tab algn="l" pos="0"/>
+              </a:tabLst>
+              <a:defRPr b="0" lang="fr-CH" sz="1410" spc="-1" strike="noStrike">
+                <a:solidFill>
+                  <a:schemeClr val="dk1">
+                    <a:tint val="82000"/>
+                  </a:schemeClr>
+                </a:solidFill>
+                <a:latin typeface="Aptos"/>
               </a:defRPr>
             </a:lvl1pPr>
           </a:lstStyle>
           <a:p>
-            <a:pPr indent="0" algn="ctr">
+            <a:pPr indent="0" algn="r" defTabSz="457200">
+              <a:lnSpc>
+                <a:spcPct val="100000"/>
+              </a:lnSpc>
               <a:buNone/>
-            </a:pPr>
-            <a:r>
-              <a:rPr b="0" lang="en-US" sz="1400" spc="-1" strike="noStrike">
-                <a:solidFill>
-                  <a:srgbClr val="000000"/>
-                </a:solidFill>
-                <a:latin typeface="Times New Roman"/>
-              </a:rPr>
-              <a:t>&lt;footer&gt;</a:t>
-            </a:r>
-            <a:endParaRPr b="0" lang="en-US" sz="1400" spc="-1" strike="noStrike">
+              <a:tabLst>
+                <a:tab algn="l" pos="0"/>
+              </a:tabLst>
+            </a:pPr>
+            <a:fld id="{C17AADAA-130D-4BE6-8320-EDB8EA741EF3}" type="slidenum">
+              <a:rPr b="0" lang="fr-CH" sz="1410" spc="-1" strike="noStrike">
+                <a:solidFill>
+                  <a:schemeClr val="dk1">
+                    <a:tint val="82000"/>
+                  </a:schemeClr>
+                </a:solidFill>
+                <a:latin typeface="Aptos"/>
+              </a:rPr>
+              <a:t>&lt;number&gt;</a:t>
+            </a:fld>
+            <a:endParaRPr b="0" lang="en-US" sz="1410" spc="-1" strike="noStrike">
               <a:solidFill>
                 <a:srgbClr val="000000"/>
               </a:solidFill>
@@ -4312,18 +3474,18 @@
       </p:sp>
       <p:sp>
         <p:nvSpPr>
-          <p:cNvPr id="20" name="PlaceHolder 5"/>
+          <p:cNvPr id="16" name="PlaceHolder 5"/>
           <p:cNvSpPr>
             <a:spLocks noGrp="1"/>
           </p:cNvSpPr>
           <p:nvPr>
-            <p:ph type="sldNum" idx="12"/>
+            <p:ph type="dt" idx="12"/>
           </p:nvPr>
         </p:nvSpPr>
         <p:spPr>
           <a:xfrm>
-            <a:off x="7551000" y="14013360"/>
-            <a:ext cx="2405160" cy="804600"/>
+            <a:off x="735120" y="14013360"/>
+            <a:ext cx="2404440" cy="803880"/>
           </a:xfrm>
           <a:prstGeom prst="rect">
             <a:avLst/>
@@ -4338,40 +3500,30 @@
             <a:noAutofit/>
           </a:bodyPr>
           <a:lstStyle>
-            <a:lvl1pPr indent="0" algn="r" defTabSz="457200">
-              <a:lnSpc>
-                <a:spcPct val="100000"/>
-              </a:lnSpc>
+            <a:lvl1pPr indent="0">
               <a:buNone/>
-              <a:defRPr b="0" lang="fr-CH" sz="1410" spc="-1" strike="noStrike">
-                <a:solidFill>
-                  <a:schemeClr val="dk1">
-                    <a:tint val="82000"/>
-                  </a:schemeClr>
-                </a:solidFill>
-                <a:latin typeface="Aptos"/>
+              <a:defRPr b="0" lang="en-US" sz="1400" spc="-1" strike="noStrike">
+                <a:solidFill>
+                  <a:srgbClr val="000000"/>
+                </a:solidFill>
+                <a:latin typeface="Times New Roman"/>
               </a:defRPr>
             </a:lvl1pPr>
           </a:lstStyle>
           <a:p>
-            <a:pPr indent="0" algn="r" defTabSz="457200">
-              <a:lnSpc>
-                <a:spcPct val="100000"/>
-              </a:lnSpc>
+            <a:pPr indent="0">
               <a:buNone/>
             </a:pPr>
-            <a:fld id="{D9EEBA0A-00EE-403A-BC8E-3C3D8EFC6D9F}" type="slidenum">
-              <a:rPr b="0" lang="fr-CH" sz="1410" spc="-1" strike="noStrike">
-                <a:solidFill>
-                  <a:schemeClr val="dk1">
-                    <a:tint val="82000"/>
-                  </a:schemeClr>
-                </a:solidFill>
-                <a:latin typeface="Aptos"/>
-              </a:rPr>
-              <a:t>&lt;number&gt;</a:t>
-            </a:fld>
-            <a:endParaRPr b="0" lang="en-US" sz="1410" spc="-1" strike="noStrike">
+            <a:r>
+              <a:rPr b="0" lang="en-US" sz="1400" spc="-1" strike="noStrike">
+                <a:solidFill>
+                  <a:srgbClr val="000000"/>
+                </a:solidFill>
+                <a:latin typeface="Times New Roman"/>
+              </a:rPr>
+              <a:t>&lt;date/time&gt;</a:t>
+            </a:r>
+            <a:endParaRPr b="0" lang="en-US" sz="1400" spc="-1" strike="noStrike">
               <a:solidFill>
                 <a:srgbClr val="000000"/>
               </a:solidFill>
@@ -4415,18 +3567,18 @@
       </p:grpSpPr>
       <p:sp>
         <p:nvSpPr>
-          <p:cNvPr id="23" name="PlaceHolder 1"/>
+          <p:cNvPr id="19" name="PlaceHolder 1"/>
           <p:cNvSpPr>
             <a:spLocks noGrp="1"/>
           </p:cNvSpPr>
           <p:nvPr>
-            <p:ph type="title"/>
+            <p:ph type="ftr" idx="13"/>
           </p:nvPr>
         </p:nvSpPr>
         <p:spPr>
           <a:xfrm>
-            <a:off x="729360" y="3769200"/>
-            <a:ext cx="9221400" cy="6288840"/>
+            <a:off x="3541680" y="14013360"/>
+            <a:ext cx="3607560" cy="803880"/>
           </a:xfrm>
           <a:prstGeom prst="rect">
             <a:avLst/>
@@ -4437,48 +3589,68 @@
           </a:ln>
         </p:spPr>
         <p:txBody>
-          <a:bodyPr lIns="91440" rIns="91440" tIns="45720" bIns="45720" anchor="b">
+          <a:bodyPr lIns="91440" rIns="91440" tIns="45720" bIns="45720" anchor="ctr">
             <a:noAutofit/>
           </a:bodyPr>
-          <a:p>
-            <a:pPr indent="0" defTabSz="1069200">
+          <a:lstStyle>
+            <a:lvl1pPr indent="0" algn="ctr">
               <a:lnSpc>
-                <a:spcPct val="90000"/>
+                <a:spcPct val="100000"/>
               </a:lnSpc>
               <a:buNone/>
-            </a:pPr>
-            <a:r>
-              <a:rPr b="0" lang="fr-FR" sz="7019" spc="-1" strike="noStrike">
-                <a:solidFill>
-                  <a:schemeClr val="dk1"/>
-                </a:solidFill>
-                <a:latin typeface="Aptos Display"/>
-              </a:rPr>
-              <a:t>Modifiez le style du titre</a:t>
-            </a:r>
-            <a:endParaRPr b="0" lang="en-US" sz="7019" spc="-1" strike="noStrike">
-              <a:solidFill>
-                <a:schemeClr val="dk1"/>
-              </a:solidFill>
-              <a:latin typeface="Aptos"/>
-            </a:endParaRPr>
-          </a:p>
-        </p:txBody>
-      </p:sp>
-      <p:sp>
-        <p:nvSpPr>
-          <p:cNvPr id="24" name="PlaceHolder 2"/>
+              <a:tabLst>
+                <a:tab algn="l" pos="0"/>
+              </a:tabLst>
+              <a:defRPr b="0" lang="en-US" sz="1400" spc="-1" strike="noStrike">
+                <a:solidFill>
+                  <a:srgbClr val="000000"/>
+                </a:solidFill>
+                <a:latin typeface="Times New Roman"/>
+              </a:defRPr>
+            </a:lvl1pPr>
+          </a:lstStyle>
+          <a:p>
+            <a:pPr indent="0" algn="ctr">
+              <a:lnSpc>
+                <a:spcPct val="100000"/>
+              </a:lnSpc>
+              <a:buNone/>
+              <a:tabLst>
+                <a:tab algn="l" pos="0"/>
+              </a:tabLst>
+            </a:pPr>
+            <a:r>
+              <a:rPr b="0" lang="en-US" sz="1400" spc="-1" strike="noStrike">
+                <a:solidFill>
+                  <a:srgbClr val="000000"/>
+                </a:solidFill>
+                <a:latin typeface="Times New Roman"/>
+              </a:rPr>
+              <a:t>&lt;footer&gt;</a:t>
+            </a:r>
+            <a:endParaRPr b="0" lang="en-US" sz="1400" spc="-1" strike="noStrike">
+              <a:solidFill>
+                <a:srgbClr val="000000"/>
+              </a:solidFill>
+              <a:latin typeface="Times New Roman"/>
+            </a:endParaRPr>
+          </a:p>
+        </p:txBody>
+      </p:sp>
+      <p:sp>
+        <p:nvSpPr>
+          <p:cNvPr id="20" name="PlaceHolder 2"/>
           <p:cNvSpPr>
             <a:spLocks noGrp="1"/>
           </p:cNvSpPr>
           <p:nvPr>
-            <p:ph type="body"/>
+            <p:ph type="sldNum" idx="14"/>
           </p:nvPr>
         </p:nvSpPr>
         <p:spPr>
           <a:xfrm>
-            <a:off x="729360" y="10118160"/>
-            <a:ext cx="9221400" cy="3306960"/>
+            <a:off x="7551000" y="14013360"/>
+            <a:ext cx="2404440" cy="803880"/>
           </a:xfrm>
           <a:prstGeom prst="rect">
             <a:avLst/>
@@ -4489,56 +3661,72 @@
           </a:ln>
         </p:spPr>
         <p:txBody>
-          <a:bodyPr lIns="91440" rIns="91440" tIns="45720" bIns="45720" anchor="t">
+          <a:bodyPr lIns="91440" rIns="91440" tIns="45720" bIns="45720" anchor="ctr">
             <a:noAutofit/>
           </a:bodyPr>
-          <a:p>
-            <a:pPr indent="0" defTabSz="1069200">
+          <a:lstStyle>
+            <a:lvl1pPr indent="0" algn="r" defTabSz="457200">
               <a:lnSpc>
-                <a:spcPct val="90000"/>
+                <a:spcPct val="100000"/>
               </a:lnSpc>
-              <a:spcBef>
-                <a:spcPts val="1168"/>
-              </a:spcBef>
               <a:buNone/>
               <a:tabLst>
                 <a:tab algn="l" pos="0"/>
               </a:tabLst>
-            </a:pPr>
-            <a:r>
-              <a:rPr b="0" lang="fr-FR" sz="2810" spc="-1" strike="noStrike">
+              <a:defRPr b="0" lang="fr-CH" sz="1410" spc="-1" strike="noStrike">
                 <a:solidFill>
                   <a:schemeClr val="dk1">
                     <a:tint val="82000"/>
                   </a:schemeClr>
                 </a:solidFill>
                 <a:latin typeface="Aptos"/>
-              </a:rPr>
-              <a:t>Cliquez pour modifier les styles du texte du masque</a:t>
-            </a:r>
-            <a:endParaRPr b="0" lang="en-US" sz="2810" spc="-1" strike="noStrike">
-              <a:solidFill>
-                <a:schemeClr val="dk1"/>
-              </a:solidFill>
-              <a:latin typeface="Aptos"/>
-            </a:endParaRPr>
-          </a:p>
-        </p:txBody>
-      </p:sp>
-      <p:sp>
-        <p:nvSpPr>
-          <p:cNvPr id="25" name="PlaceHolder 3"/>
+              </a:defRPr>
+            </a:lvl1pPr>
+          </a:lstStyle>
+          <a:p>
+            <a:pPr indent="0" algn="r" defTabSz="457200">
+              <a:lnSpc>
+                <a:spcPct val="100000"/>
+              </a:lnSpc>
+              <a:buNone/>
+              <a:tabLst>
+                <a:tab algn="l" pos="0"/>
+              </a:tabLst>
+            </a:pPr>
+            <a:fld id="{A4274FBD-B891-4DC0-9CBA-F0C921AC21BD}" type="slidenum">
+              <a:rPr b="0" lang="fr-CH" sz="1410" spc="-1" strike="noStrike">
+                <a:solidFill>
+                  <a:schemeClr val="dk1">
+                    <a:tint val="82000"/>
+                  </a:schemeClr>
+                </a:solidFill>
+                <a:latin typeface="Aptos"/>
+              </a:rPr>
+              <a:t>&lt;number&gt;</a:t>
+            </a:fld>
+            <a:endParaRPr b="0" lang="en-US" sz="1410" spc="-1" strike="noStrike">
+              <a:solidFill>
+                <a:srgbClr val="000000"/>
+              </a:solidFill>
+              <a:latin typeface="Times New Roman"/>
+            </a:endParaRPr>
+          </a:p>
+        </p:txBody>
+      </p:sp>
+      <p:sp>
+        <p:nvSpPr>
+          <p:cNvPr id="21" name="PlaceHolder 3"/>
           <p:cNvSpPr>
             <a:spLocks noGrp="1"/>
           </p:cNvSpPr>
           <p:nvPr>
-            <p:ph type="dt" idx="13"/>
+            <p:ph type="dt" idx="15"/>
           </p:nvPr>
         </p:nvSpPr>
         <p:spPr>
           <a:xfrm>
             <a:off x="735120" y="14013360"/>
-            <a:ext cx="2405160" cy="804600"/>
+            <a:ext cx="2404440" cy="803880"/>
           </a:xfrm>
           <a:prstGeom prst="rect">
             <a:avLst/>
@@ -4553,77 +3741,7 @@
             <a:noAutofit/>
           </a:bodyPr>
           <a:lstStyle>
-            <a:lvl1pPr indent="0" defTabSz="457200">
-              <a:lnSpc>
-                <a:spcPct val="100000"/>
-              </a:lnSpc>
-              <a:buNone/>
-              <a:defRPr b="0" lang="fr-CH" sz="1410" spc="-1" strike="noStrike">
-                <a:solidFill>
-                  <a:schemeClr val="dk1">
-                    <a:tint val="82000"/>
-                  </a:schemeClr>
-                </a:solidFill>
-                <a:latin typeface="Aptos"/>
-              </a:defRPr>
-            </a:lvl1pPr>
-          </a:lstStyle>
-          <a:p>
-            <a:pPr indent="0" defTabSz="457200">
-              <a:lnSpc>
-                <a:spcPct val="100000"/>
-              </a:lnSpc>
-              <a:buNone/>
-            </a:pPr>
-            <a:r>
-              <a:rPr b="0" lang="fr-CH" sz="1410" spc="-1" strike="noStrike">
-                <a:solidFill>
-                  <a:schemeClr val="dk1">
-                    <a:tint val="82000"/>
-                  </a:schemeClr>
-                </a:solidFill>
-                <a:latin typeface="Aptos"/>
-              </a:rPr>
-              <a:t>&lt;date/time&gt;</a:t>
-            </a:r>
-            <a:endParaRPr b="0" lang="en-US" sz="1410" spc="-1" strike="noStrike">
-              <a:solidFill>
-                <a:srgbClr val="000000"/>
-              </a:solidFill>
-              <a:latin typeface="Times New Roman"/>
-            </a:endParaRPr>
-          </a:p>
-        </p:txBody>
-      </p:sp>
-      <p:sp>
-        <p:nvSpPr>
-          <p:cNvPr id="26" name="PlaceHolder 4"/>
-          <p:cNvSpPr>
-            <a:spLocks noGrp="1"/>
-          </p:cNvSpPr>
-          <p:nvPr>
-            <p:ph type="ftr" idx="14"/>
-          </p:nvPr>
-        </p:nvSpPr>
-        <p:spPr>
-          <a:xfrm>
-            <a:off x="3541680" y="14013360"/>
-            <a:ext cx="3608280" cy="804600"/>
-          </a:xfrm>
-          <a:prstGeom prst="rect">
-            <a:avLst/>
-          </a:prstGeom>
-          <a:noFill/>
-          <a:ln w="0">
-            <a:noFill/>
-          </a:ln>
-        </p:spPr>
-        <p:txBody>
-          <a:bodyPr lIns="91440" rIns="91440" tIns="45720" bIns="45720" anchor="ctr">
-            <a:noAutofit/>
-          </a:bodyPr>
-          <a:lstStyle>
-            <a:lvl1pPr indent="0" algn="ctr">
+            <a:lvl1pPr indent="0">
               <a:buNone/>
               <a:defRPr b="0" lang="en-US" sz="1400" spc="-1" strike="noStrike">
                 <a:solidFill>
@@ -4634,7 +3752,7 @@
             </a:lvl1pPr>
           </a:lstStyle>
           <a:p>
-            <a:pPr indent="0" algn="ctr">
+            <a:pPr indent="0">
               <a:buNone/>
             </a:pPr>
             <a:r>
@@ -4644,79 +3762,9 @@
                 </a:solidFill>
                 <a:latin typeface="Times New Roman"/>
               </a:rPr>
-              <a:t>&lt;footer&gt;</a:t>
+              <a:t>&lt;date/time&gt;</a:t>
             </a:r>
             <a:endParaRPr b="0" lang="en-US" sz="1400" spc="-1" strike="noStrike">
-              <a:solidFill>
-                <a:srgbClr val="000000"/>
-              </a:solidFill>
-              <a:latin typeface="Times New Roman"/>
-            </a:endParaRPr>
-          </a:p>
-        </p:txBody>
-      </p:sp>
-      <p:sp>
-        <p:nvSpPr>
-          <p:cNvPr id="27" name="PlaceHolder 5"/>
-          <p:cNvSpPr>
-            <a:spLocks noGrp="1"/>
-          </p:cNvSpPr>
-          <p:nvPr>
-            <p:ph type="sldNum" idx="15"/>
-          </p:nvPr>
-        </p:nvSpPr>
-        <p:spPr>
-          <a:xfrm>
-            <a:off x="7551000" y="14013360"/>
-            <a:ext cx="2405160" cy="804600"/>
-          </a:xfrm>
-          <a:prstGeom prst="rect">
-            <a:avLst/>
-          </a:prstGeom>
-          <a:noFill/>
-          <a:ln w="0">
-            <a:noFill/>
-          </a:ln>
-        </p:spPr>
-        <p:txBody>
-          <a:bodyPr lIns="91440" rIns="91440" tIns="45720" bIns="45720" anchor="ctr">
-            <a:noAutofit/>
-          </a:bodyPr>
-          <a:lstStyle>
-            <a:lvl1pPr indent="0" algn="r" defTabSz="457200">
-              <a:lnSpc>
-                <a:spcPct val="100000"/>
-              </a:lnSpc>
-              <a:buNone/>
-              <a:defRPr b="0" lang="fr-CH" sz="1410" spc="-1" strike="noStrike">
-                <a:solidFill>
-                  <a:schemeClr val="dk1">
-                    <a:tint val="82000"/>
-                  </a:schemeClr>
-                </a:solidFill>
-                <a:latin typeface="Aptos"/>
-              </a:defRPr>
-            </a:lvl1pPr>
-          </a:lstStyle>
-          <a:p>
-            <a:pPr indent="0" algn="r" defTabSz="457200">
-              <a:lnSpc>
-                <a:spcPct val="100000"/>
-              </a:lnSpc>
-              <a:buNone/>
-            </a:pPr>
-            <a:fld id="{9A2BE898-BB33-4444-B56B-D9BB66CEB765}" type="slidenum">
-              <a:rPr b="0" lang="fr-CH" sz="1410" spc="-1" strike="noStrike">
-                <a:solidFill>
-                  <a:schemeClr val="dk1">
-                    <a:tint val="82000"/>
-                  </a:schemeClr>
-                </a:solidFill>
-                <a:latin typeface="Aptos"/>
-              </a:rPr>
-              <a:t>&lt;number&gt;</a:t>
-            </a:fld>
-            <a:endParaRPr b="0" lang="en-US" sz="1410" spc="-1" strike="noStrike">
               <a:solidFill>
                 <a:srgbClr val="000000"/>
               </a:solidFill>
@@ -4760,7 +3808,7 @@
       </p:grpSpPr>
       <p:sp>
         <p:nvSpPr>
-          <p:cNvPr id="28" name="PlaceHolder 1"/>
+          <p:cNvPr id="22" name="PlaceHolder 1"/>
           <p:cNvSpPr>
             <a:spLocks noGrp="1"/>
           </p:cNvSpPr>
@@ -4770,8 +3818,8 @@
         </p:nvSpPr>
         <p:spPr>
           <a:xfrm>
-            <a:off x="735120" y="804960"/>
-            <a:ext cx="9221400" cy="2922120"/>
+            <a:off x="801720" y="2474280"/>
+            <a:ext cx="9087120" cy="5262840"/>
           </a:xfrm>
           <a:prstGeom prst="rect">
             <a:avLst/>
@@ -4782,37 +3830,34 @@
           </a:ln>
         </p:spPr>
         <p:txBody>
-          <a:bodyPr lIns="91440" rIns="91440" tIns="45720" bIns="45720" anchor="ctr">
+          <a:bodyPr lIns="0" rIns="0" tIns="0" bIns="0" anchor="ctr">
             <a:noAutofit/>
           </a:bodyPr>
           <a:p>
-            <a:pPr indent="0" defTabSz="1069200">
-              <a:lnSpc>
-                <a:spcPct val="90000"/>
-              </a:lnSpc>
+            <a:pPr indent="0">
               <a:buNone/>
             </a:pPr>
             <a:r>
-              <a:rPr b="0" lang="fr-FR" sz="5140" spc="-1" strike="noStrike">
-                <a:solidFill>
-                  <a:schemeClr val="dk1"/>
-                </a:solidFill>
-                <a:latin typeface="Aptos Display"/>
-              </a:rPr>
-              <a:t>Modifiez le style du titre</a:t>
-            </a:r>
-            <a:endParaRPr b="0" lang="en-US" sz="5140" spc="-1" strike="noStrike">
-              <a:solidFill>
-                <a:schemeClr val="dk1"/>
-              </a:solidFill>
-              <a:latin typeface="Aptos"/>
-            </a:endParaRPr>
-          </a:p>
-        </p:txBody>
-      </p:sp>
-      <p:sp>
-        <p:nvSpPr>
-          <p:cNvPr id="29" name="PlaceHolder 2"/>
+              <a:rPr b="0" lang="en-US" sz="1800" spc="-1" strike="noStrike">
+                <a:solidFill>
+                  <a:srgbClr val="000000"/>
+                </a:solidFill>
+                <a:latin typeface="Arial"/>
+              </a:rPr>
+              <a:t>Click to edit the title text format</a:t>
+            </a:r>
+            <a:endParaRPr b="0" lang="en-US" sz="1800" spc="-1" strike="noStrike">
+              <a:solidFill>
+                <a:srgbClr val="000000"/>
+              </a:solidFill>
+              <a:latin typeface="Arial"/>
+            </a:endParaRPr>
+          </a:p>
+        </p:txBody>
+      </p:sp>
+      <p:sp>
+        <p:nvSpPr>
+          <p:cNvPr id="23" name="PlaceHolder 2"/>
           <p:cNvSpPr>
             <a:spLocks noGrp="1"/>
           </p:cNvSpPr>
@@ -4822,8 +3867,8 @@
         </p:nvSpPr>
         <p:spPr>
           <a:xfrm>
-            <a:off x="735120" y="4024800"/>
-            <a:ext cx="4543560" cy="9592560"/>
+            <a:off x="534240" y="3537720"/>
+            <a:ext cx="4695120" cy="8768160"/>
           </a:xfrm>
           <a:prstGeom prst="rect">
             <a:avLst/>
@@ -4834,164 +3879,210 @@
           </a:ln>
         </p:spPr>
         <p:txBody>
-          <a:bodyPr lIns="91440" rIns="91440" tIns="45720" bIns="45720" anchor="t">
-            <a:noAutofit/>
+          <a:bodyPr lIns="0" rIns="0" tIns="0" bIns="0" anchor="t">
+            <a:normAutofit/>
           </a:bodyPr>
           <a:p>
-            <a:pPr marL="267480" indent="-267480" defTabSz="1069200">
-              <a:lnSpc>
-                <a:spcPct val="90000"/>
-              </a:lnSpc>
+            <a:pPr marL="432000" indent="-324000">
               <a:spcBef>
-                <a:spcPts val="1168"/>
+                <a:spcPts val="1417"/>
               </a:spcBef>
               <a:buClr>
                 <a:srgbClr val="000000"/>
               </a:buClr>
-              <a:buFont typeface="Arial"/>
-              <a:buChar char="•"/>
-            </a:pPr>
-            <a:r>
-              <a:rPr b="0" lang="fr-FR" sz="3270" spc="-1" strike="noStrike">
-                <a:solidFill>
-                  <a:schemeClr val="dk1"/>
-                </a:solidFill>
-                <a:latin typeface="Aptos"/>
-              </a:rPr>
-              <a:t>Cliquez pour modifier les styles du texte du masque</a:t>
-            </a:r>
-            <a:endParaRPr b="0" lang="en-US" sz="3270" spc="-1" strike="noStrike">
-              <a:solidFill>
-                <a:schemeClr val="dk1"/>
-              </a:solidFill>
-              <a:latin typeface="Aptos"/>
-            </a:endParaRPr>
-          </a:p>
-          <a:p>
-            <a:pPr lvl="1" marL="802080" indent="-267480" defTabSz="1069200">
-              <a:lnSpc>
-                <a:spcPct val="90000"/>
-              </a:lnSpc>
+              <a:buSzPct val="45000"/>
+              <a:buFont typeface="Wingdings" charset="2"/>
+              <a:buChar char=""/>
+            </a:pPr>
+            <a:r>
+              <a:rPr b="0" lang="en-US" sz="1800" spc="-1" strike="noStrike">
+                <a:solidFill>
+                  <a:srgbClr val="000000"/>
+                </a:solidFill>
+                <a:latin typeface="Arial"/>
+              </a:rPr>
+              <a:t>Click to edit the outline text format</a:t>
+            </a:r>
+            <a:endParaRPr b="0" lang="en-US" sz="1800" spc="-1" strike="noStrike">
+              <a:solidFill>
+                <a:srgbClr val="000000"/>
+              </a:solidFill>
+              <a:latin typeface="Arial"/>
+            </a:endParaRPr>
+          </a:p>
+          <a:p>
+            <a:pPr lvl="1" marL="864000" indent="-324000">
               <a:spcBef>
-                <a:spcPts val="584"/>
+                <a:spcPts val="1134"/>
               </a:spcBef>
               <a:buClr>
                 <a:srgbClr val="000000"/>
               </a:buClr>
-              <a:buFont typeface="Arial"/>
-              <a:buChar char="•"/>
-            </a:pPr>
-            <a:r>
-              <a:rPr b="0" lang="fr-FR" sz="2810" spc="-1" strike="noStrike">
-                <a:solidFill>
-                  <a:schemeClr val="dk1"/>
-                </a:solidFill>
-                <a:latin typeface="Aptos"/>
-              </a:rPr>
-              <a:t>Deuxième niveau</a:t>
-            </a:r>
-            <a:endParaRPr b="0" lang="en-US" sz="2810" spc="-1" strike="noStrike">
-              <a:solidFill>
-                <a:schemeClr val="dk1"/>
-              </a:solidFill>
-              <a:latin typeface="Aptos"/>
-            </a:endParaRPr>
-          </a:p>
-          <a:p>
-            <a:pPr lvl="2" marL="1336680" indent="-267480" defTabSz="1069200">
-              <a:lnSpc>
-                <a:spcPct val="90000"/>
-              </a:lnSpc>
+              <a:buSzPct val="75000"/>
+              <a:buFont typeface="Symbol" charset="2"/>
+              <a:buChar char=""/>
+            </a:pPr>
+            <a:r>
+              <a:rPr b="0" lang="en-US" sz="1800" spc="-1" strike="noStrike">
+                <a:solidFill>
+                  <a:srgbClr val="000000"/>
+                </a:solidFill>
+                <a:latin typeface="Arial"/>
+              </a:rPr>
+              <a:t>Second Outline Level</a:t>
+            </a:r>
+            <a:endParaRPr b="0" lang="en-US" sz="1800" spc="-1" strike="noStrike">
+              <a:solidFill>
+                <a:srgbClr val="000000"/>
+              </a:solidFill>
+              <a:latin typeface="Arial"/>
+            </a:endParaRPr>
+          </a:p>
+          <a:p>
+            <a:pPr lvl="2" marL="1296000" indent="-288000">
               <a:spcBef>
-                <a:spcPts val="584"/>
+                <a:spcPts val="850"/>
               </a:spcBef>
               <a:buClr>
                 <a:srgbClr val="000000"/>
               </a:buClr>
-              <a:buFont typeface="Arial"/>
-              <a:buChar char="•"/>
-            </a:pPr>
-            <a:r>
-              <a:rPr b="0" lang="fr-FR" sz="2340" spc="-1" strike="noStrike">
-                <a:solidFill>
-                  <a:schemeClr val="dk1"/>
-                </a:solidFill>
-                <a:latin typeface="Aptos"/>
-              </a:rPr>
-              <a:t>Troisième niveau</a:t>
-            </a:r>
-            <a:endParaRPr b="0" lang="en-US" sz="2340" spc="-1" strike="noStrike">
-              <a:solidFill>
-                <a:schemeClr val="dk1"/>
-              </a:solidFill>
-              <a:latin typeface="Aptos"/>
-            </a:endParaRPr>
-          </a:p>
-          <a:p>
-            <a:pPr lvl="3" marL="1871280" indent="-267480" defTabSz="1069200">
-              <a:lnSpc>
-                <a:spcPct val="90000"/>
-              </a:lnSpc>
+              <a:buSzPct val="45000"/>
+              <a:buFont typeface="Wingdings" charset="2"/>
+              <a:buChar char=""/>
+            </a:pPr>
+            <a:r>
+              <a:rPr b="0" lang="en-US" sz="1800" spc="-1" strike="noStrike">
+                <a:solidFill>
+                  <a:srgbClr val="000000"/>
+                </a:solidFill>
+                <a:latin typeface="Arial"/>
+              </a:rPr>
+              <a:t>Third Outline Level</a:t>
+            </a:r>
+            <a:endParaRPr b="0" lang="en-US" sz="1800" spc="-1" strike="noStrike">
+              <a:solidFill>
+                <a:srgbClr val="000000"/>
+              </a:solidFill>
+              <a:latin typeface="Arial"/>
+            </a:endParaRPr>
+          </a:p>
+          <a:p>
+            <a:pPr lvl="3" marL="1728000" indent="-216000">
               <a:spcBef>
-                <a:spcPts val="584"/>
+                <a:spcPts val="567"/>
               </a:spcBef>
               <a:buClr>
                 <a:srgbClr val="000000"/>
               </a:buClr>
-              <a:buFont typeface="Arial"/>
-              <a:buChar char="•"/>
-            </a:pPr>
-            <a:r>
-              <a:rPr b="0" lang="fr-FR" sz="2110" spc="-1" strike="noStrike">
-                <a:solidFill>
-                  <a:schemeClr val="dk1"/>
-                </a:solidFill>
-                <a:latin typeface="Aptos"/>
-              </a:rPr>
-              <a:t>Quatrième niveau</a:t>
-            </a:r>
-            <a:endParaRPr b="0" lang="en-US" sz="2110" spc="-1" strike="noStrike">
-              <a:solidFill>
-                <a:schemeClr val="dk1"/>
-              </a:solidFill>
-              <a:latin typeface="Aptos"/>
-            </a:endParaRPr>
-          </a:p>
-          <a:p>
-            <a:pPr lvl="4" marL="2405880" indent="-267480" defTabSz="1069200">
-              <a:lnSpc>
-                <a:spcPct val="90000"/>
-              </a:lnSpc>
+              <a:buSzPct val="75000"/>
+              <a:buFont typeface="Symbol" charset="2"/>
+              <a:buChar char=""/>
+            </a:pPr>
+            <a:r>
+              <a:rPr b="0" lang="en-US" sz="1800" spc="-1" strike="noStrike">
+                <a:solidFill>
+                  <a:srgbClr val="000000"/>
+                </a:solidFill>
+                <a:latin typeface="Arial"/>
+              </a:rPr>
+              <a:t>Fourth Outline Level</a:t>
+            </a:r>
+            <a:endParaRPr b="0" lang="en-US" sz="1800" spc="-1" strike="noStrike">
+              <a:solidFill>
+                <a:srgbClr val="000000"/>
+              </a:solidFill>
+              <a:latin typeface="Arial"/>
+            </a:endParaRPr>
+          </a:p>
+          <a:p>
+            <a:pPr lvl="4" marL="2160000" indent="-216000">
               <a:spcBef>
-                <a:spcPts val="584"/>
+                <a:spcPts val="283"/>
               </a:spcBef>
               <a:buClr>
                 <a:srgbClr val="000000"/>
               </a:buClr>
-              <a:buFont typeface="Arial"/>
-              <a:buChar char="•"/>
-            </a:pPr>
-            <a:r>
-              <a:rPr b="0" lang="fr-FR" sz="2110" spc="-1" strike="noStrike">
-                <a:solidFill>
-                  <a:schemeClr val="dk1"/>
-                </a:solidFill>
-                <a:latin typeface="Aptos"/>
-              </a:rPr>
-              <a:t>Cinquième niveau</a:t>
-            </a:r>
-            <a:endParaRPr b="0" lang="en-US" sz="2110" spc="-1" strike="noStrike">
-              <a:solidFill>
-                <a:schemeClr val="dk1"/>
-              </a:solidFill>
-              <a:latin typeface="Aptos"/>
-            </a:endParaRPr>
-          </a:p>
-        </p:txBody>
-      </p:sp>
-      <p:sp>
-        <p:nvSpPr>
-          <p:cNvPr id="30" name="PlaceHolder 3"/>
+              <a:buSzPct val="45000"/>
+              <a:buFont typeface="Wingdings" charset="2"/>
+              <a:buChar char=""/>
+            </a:pPr>
+            <a:r>
+              <a:rPr b="0" lang="en-US" sz="1800" spc="-1" strike="noStrike">
+                <a:solidFill>
+                  <a:srgbClr val="000000"/>
+                </a:solidFill>
+                <a:latin typeface="Arial"/>
+              </a:rPr>
+              <a:t>Fifth Outline Level</a:t>
+            </a:r>
+            <a:endParaRPr b="0" lang="en-US" sz="1800" spc="-1" strike="noStrike">
+              <a:solidFill>
+                <a:srgbClr val="000000"/>
+              </a:solidFill>
+              <a:latin typeface="Arial"/>
+            </a:endParaRPr>
+          </a:p>
+          <a:p>
+            <a:pPr lvl="5" marL="2592000" indent="-216000">
+              <a:spcBef>
+                <a:spcPts val="283"/>
+              </a:spcBef>
+              <a:buClr>
+                <a:srgbClr val="000000"/>
+              </a:buClr>
+              <a:buSzPct val="45000"/>
+              <a:buFont typeface="Wingdings" charset="2"/>
+              <a:buChar char=""/>
+            </a:pPr>
+            <a:r>
+              <a:rPr b="0" lang="en-US" sz="1800" spc="-1" strike="noStrike">
+                <a:solidFill>
+                  <a:srgbClr val="000000"/>
+                </a:solidFill>
+                <a:latin typeface="Arial"/>
+              </a:rPr>
+              <a:t>Sixth Outline Level</a:t>
+            </a:r>
+            <a:endParaRPr b="0" lang="en-US" sz="1800" spc="-1" strike="noStrike">
+              <a:solidFill>
+                <a:srgbClr val="000000"/>
+              </a:solidFill>
+              <a:latin typeface="Arial"/>
+            </a:endParaRPr>
+          </a:p>
+          <a:p>
+            <a:pPr lvl="6" marL="3024000" indent="-216000">
+              <a:spcBef>
+                <a:spcPts val="283"/>
+              </a:spcBef>
+              <a:buClr>
+                <a:srgbClr val="000000"/>
+              </a:buClr>
+              <a:buSzPct val="45000"/>
+              <a:buFont typeface="Wingdings" charset="2"/>
+              <a:buChar char=""/>
+            </a:pPr>
+            <a:r>
+              <a:rPr b="0" lang="en-US" sz="1800" spc="-1" strike="noStrike">
+                <a:solidFill>
+                  <a:srgbClr val="000000"/>
+                </a:solidFill>
+                <a:latin typeface="Arial"/>
+              </a:rPr>
+              <a:t>Seventh Outline Level</a:t>
+            </a:r>
+            <a:endParaRPr b="0" lang="en-US" sz="1800" spc="-1" strike="noStrike">
+              <a:solidFill>
+                <a:srgbClr val="000000"/>
+              </a:solidFill>
+              <a:latin typeface="Arial"/>
+            </a:endParaRPr>
+          </a:p>
+        </p:txBody>
+      </p:sp>
+      <p:sp>
+        <p:nvSpPr>
+          <p:cNvPr id="24" name="PlaceHolder 3"/>
           <p:cNvSpPr>
             <a:spLocks noGrp="1"/>
           </p:cNvSpPr>
@@ -5001,8 +4092,8 @@
         </p:nvSpPr>
         <p:spPr>
           <a:xfrm>
-            <a:off x="5412600" y="4024800"/>
-            <a:ext cx="4543560" cy="9592560"/>
+            <a:off x="5464800" y="3537720"/>
+            <a:ext cx="4695120" cy="8768160"/>
           </a:xfrm>
           <a:prstGeom prst="rect">
             <a:avLst/>
@@ -5013,175 +4104,221 @@
           </a:ln>
         </p:spPr>
         <p:txBody>
-          <a:bodyPr lIns="91440" rIns="91440" tIns="45720" bIns="45720" anchor="t">
-            <a:noAutofit/>
+          <a:bodyPr lIns="0" rIns="0" tIns="0" bIns="0" anchor="t">
+            <a:normAutofit/>
           </a:bodyPr>
           <a:p>
-            <a:pPr marL="267480" indent="-267480" defTabSz="1069200">
-              <a:lnSpc>
-                <a:spcPct val="90000"/>
-              </a:lnSpc>
+            <a:pPr marL="432000" indent="-324000">
               <a:spcBef>
-                <a:spcPts val="1168"/>
+                <a:spcPts val="1417"/>
               </a:spcBef>
               <a:buClr>
                 <a:srgbClr val="000000"/>
               </a:buClr>
-              <a:buFont typeface="Arial"/>
-              <a:buChar char="•"/>
-            </a:pPr>
-            <a:r>
-              <a:rPr b="0" lang="fr-FR" sz="3270" spc="-1" strike="noStrike">
-                <a:solidFill>
-                  <a:schemeClr val="dk1"/>
-                </a:solidFill>
-                <a:latin typeface="Aptos"/>
-              </a:rPr>
-              <a:t>Cliquez pour modifier les styles du texte du masque</a:t>
-            </a:r>
-            <a:endParaRPr b="0" lang="en-US" sz="3270" spc="-1" strike="noStrike">
-              <a:solidFill>
-                <a:schemeClr val="dk1"/>
-              </a:solidFill>
-              <a:latin typeface="Aptos"/>
-            </a:endParaRPr>
-          </a:p>
-          <a:p>
-            <a:pPr lvl="1" marL="802080" indent="-267480" defTabSz="1069200">
-              <a:lnSpc>
-                <a:spcPct val="90000"/>
-              </a:lnSpc>
+              <a:buSzPct val="45000"/>
+              <a:buFont typeface="Wingdings" charset="2"/>
+              <a:buChar char=""/>
+            </a:pPr>
+            <a:r>
+              <a:rPr b="0" lang="en-US" sz="1800" spc="-1" strike="noStrike">
+                <a:solidFill>
+                  <a:srgbClr val="000000"/>
+                </a:solidFill>
+                <a:latin typeface="Arial"/>
+              </a:rPr>
+              <a:t>Click to edit the outline text format</a:t>
+            </a:r>
+            <a:endParaRPr b="0" lang="en-US" sz="1800" spc="-1" strike="noStrike">
+              <a:solidFill>
+                <a:srgbClr val="000000"/>
+              </a:solidFill>
+              <a:latin typeface="Arial"/>
+            </a:endParaRPr>
+          </a:p>
+          <a:p>
+            <a:pPr lvl="1" marL="864000" indent="-324000">
               <a:spcBef>
-                <a:spcPts val="584"/>
+                <a:spcPts val="1134"/>
               </a:spcBef>
               <a:buClr>
                 <a:srgbClr val="000000"/>
               </a:buClr>
-              <a:buFont typeface="Arial"/>
-              <a:buChar char="•"/>
-            </a:pPr>
-            <a:r>
-              <a:rPr b="0" lang="fr-FR" sz="2810" spc="-1" strike="noStrike">
-                <a:solidFill>
-                  <a:schemeClr val="dk1"/>
-                </a:solidFill>
-                <a:latin typeface="Aptos"/>
-              </a:rPr>
-              <a:t>Deuxième niveau</a:t>
-            </a:r>
-            <a:endParaRPr b="0" lang="en-US" sz="2810" spc="-1" strike="noStrike">
-              <a:solidFill>
-                <a:schemeClr val="dk1"/>
-              </a:solidFill>
-              <a:latin typeface="Aptos"/>
-            </a:endParaRPr>
-          </a:p>
-          <a:p>
-            <a:pPr lvl="2" marL="1336680" indent="-267480" defTabSz="1069200">
-              <a:lnSpc>
-                <a:spcPct val="90000"/>
-              </a:lnSpc>
+              <a:buSzPct val="75000"/>
+              <a:buFont typeface="Symbol" charset="2"/>
+              <a:buChar char=""/>
+            </a:pPr>
+            <a:r>
+              <a:rPr b="0" lang="en-US" sz="1800" spc="-1" strike="noStrike">
+                <a:solidFill>
+                  <a:srgbClr val="000000"/>
+                </a:solidFill>
+                <a:latin typeface="Arial"/>
+              </a:rPr>
+              <a:t>Second Outline Level</a:t>
+            </a:r>
+            <a:endParaRPr b="0" lang="en-US" sz="1800" spc="-1" strike="noStrike">
+              <a:solidFill>
+                <a:srgbClr val="000000"/>
+              </a:solidFill>
+              <a:latin typeface="Arial"/>
+            </a:endParaRPr>
+          </a:p>
+          <a:p>
+            <a:pPr lvl="2" marL="1296000" indent="-288000">
               <a:spcBef>
-                <a:spcPts val="584"/>
+                <a:spcPts val="850"/>
               </a:spcBef>
               <a:buClr>
                 <a:srgbClr val="000000"/>
               </a:buClr>
-              <a:buFont typeface="Arial"/>
-              <a:buChar char="•"/>
-            </a:pPr>
-            <a:r>
-              <a:rPr b="0" lang="fr-FR" sz="2340" spc="-1" strike="noStrike">
-                <a:solidFill>
-                  <a:schemeClr val="dk1"/>
-                </a:solidFill>
-                <a:latin typeface="Aptos"/>
-              </a:rPr>
-              <a:t>Troisième niveau</a:t>
-            </a:r>
-            <a:endParaRPr b="0" lang="en-US" sz="2340" spc="-1" strike="noStrike">
-              <a:solidFill>
-                <a:schemeClr val="dk1"/>
-              </a:solidFill>
-              <a:latin typeface="Aptos"/>
-            </a:endParaRPr>
-          </a:p>
-          <a:p>
-            <a:pPr lvl="3" marL="1871280" indent="-267480" defTabSz="1069200">
-              <a:lnSpc>
-                <a:spcPct val="90000"/>
-              </a:lnSpc>
+              <a:buSzPct val="45000"/>
+              <a:buFont typeface="Wingdings" charset="2"/>
+              <a:buChar char=""/>
+            </a:pPr>
+            <a:r>
+              <a:rPr b="0" lang="en-US" sz="1800" spc="-1" strike="noStrike">
+                <a:solidFill>
+                  <a:srgbClr val="000000"/>
+                </a:solidFill>
+                <a:latin typeface="Arial"/>
+              </a:rPr>
+              <a:t>Third Outline Level</a:t>
+            </a:r>
+            <a:endParaRPr b="0" lang="en-US" sz="1800" spc="-1" strike="noStrike">
+              <a:solidFill>
+                <a:srgbClr val="000000"/>
+              </a:solidFill>
+              <a:latin typeface="Arial"/>
+            </a:endParaRPr>
+          </a:p>
+          <a:p>
+            <a:pPr lvl="3" marL="1728000" indent="-216000">
               <a:spcBef>
-                <a:spcPts val="584"/>
+                <a:spcPts val="567"/>
               </a:spcBef>
               <a:buClr>
                 <a:srgbClr val="000000"/>
               </a:buClr>
-              <a:buFont typeface="Arial"/>
-              <a:buChar char="•"/>
-            </a:pPr>
-            <a:r>
-              <a:rPr b="0" lang="fr-FR" sz="2110" spc="-1" strike="noStrike">
-                <a:solidFill>
-                  <a:schemeClr val="dk1"/>
-                </a:solidFill>
-                <a:latin typeface="Aptos"/>
-              </a:rPr>
-              <a:t>Quatrième niveau</a:t>
-            </a:r>
-            <a:endParaRPr b="0" lang="en-US" sz="2110" spc="-1" strike="noStrike">
-              <a:solidFill>
-                <a:schemeClr val="dk1"/>
-              </a:solidFill>
-              <a:latin typeface="Aptos"/>
-            </a:endParaRPr>
-          </a:p>
-          <a:p>
-            <a:pPr lvl="4" marL="2405880" indent="-267480" defTabSz="1069200">
-              <a:lnSpc>
-                <a:spcPct val="90000"/>
-              </a:lnSpc>
+              <a:buSzPct val="75000"/>
+              <a:buFont typeface="Symbol" charset="2"/>
+              <a:buChar char=""/>
+            </a:pPr>
+            <a:r>
+              <a:rPr b="0" lang="en-US" sz="1800" spc="-1" strike="noStrike">
+                <a:solidFill>
+                  <a:srgbClr val="000000"/>
+                </a:solidFill>
+                <a:latin typeface="Arial"/>
+              </a:rPr>
+              <a:t>Fourth Outline Level</a:t>
+            </a:r>
+            <a:endParaRPr b="0" lang="en-US" sz="1800" spc="-1" strike="noStrike">
+              <a:solidFill>
+                <a:srgbClr val="000000"/>
+              </a:solidFill>
+              <a:latin typeface="Arial"/>
+            </a:endParaRPr>
+          </a:p>
+          <a:p>
+            <a:pPr lvl="4" marL="2160000" indent="-216000">
               <a:spcBef>
-                <a:spcPts val="584"/>
+                <a:spcPts val="283"/>
               </a:spcBef>
               <a:buClr>
                 <a:srgbClr val="000000"/>
               </a:buClr>
-              <a:buFont typeface="Arial"/>
-              <a:buChar char="•"/>
-            </a:pPr>
-            <a:r>
-              <a:rPr b="0" lang="fr-FR" sz="2110" spc="-1" strike="noStrike">
-                <a:solidFill>
-                  <a:schemeClr val="dk1"/>
-                </a:solidFill>
-                <a:latin typeface="Aptos"/>
-              </a:rPr>
-              <a:t>Cinquième niveau</a:t>
-            </a:r>
-            <a:endParaRPr b="0" lang="en-US" sz="2110" spc="-1" strike="noStrike">
-              <a:solidFill>
-                <a:schemeClr val="dk1"/>
-              </a:solidFill>
-              <a:latin typeface="Aptos"/>
-            </a:endParaRPr>
-          </a:p>
-        </p:txBody>
-      </p:sp>
-      <p:sp>
-        <p:nvSpPr>
-          <p:cNvPr id="31" name="PlaceHolder 4"/>
+              <a:buSzPct val="45000"/>
+              <a:buFont typeface="Wingdings" charset="2"/>
+              <a:buChar char=""/>
+            </a:pPr>
+            <a:r>
+              <a:rPr b="0" lang="en-US" sz="1800" spc="-1" strike="noStrike">
+                <a:solidFill>
+                  <a:srgbClr val="000000"/>
+                </a:solidFill>
+                <a:latin typeface="Arial"/>
+              </a:rPr>
+              <a:t>Fifth Outline Level</a:t>
+            </a:r>
+            <a:endParaRPr b="0" lang="en-US" sz="1800" spc="-1" strike="noStrike">
+              <a:solidFill>
+                <a:srgbClr val="000000"/>
+              </a:solidFill>
+              <a:latin typeface="Arial"/>
+            </a:endParaRPr>
+          </a:p>
+          <a:p>
+            <a:pPr lvl="5" marL="2592000" indent="-216000">
+              <a:spcBef>
+                <a:spcPts val="283"/>
+              </a:spcBef>
+              <a:buClr>
+                <a:srgbClr val="000000"/>
+              </a:buClr>
+              <a:buSzPct val="45000"/>
+              <a:buFont typeface="Wingdings" charset="2"/>
+              <a:buChar char=""/>
+            </a:pPr>
+            <a:r>
+              <a:rPr b="0" lang="en-US" sz="1800" spc="-1" strike="noStrike">
+                <a:solidFill>
+                  <a:srgbClr val="000000"/>
+                </a:solidFill>
+                <a:latin typeface="Arial"/>
+              </a:rPr>
+              <a:t>Sixth Outline Level</a:t>
+            </a:r>
+            <a:endParaRPr b="0" lang="en-US" sz="1800" spc="-1" strike="noStrike">
+              <a:solidFill>
+                <a:srgbClr val="000000"/>
+              </a:solidFill>
+              <a:latin typeface="Arial"/>
+            </a:endParaRPr>
+          </a:p>
+          <a:p>
+            <a:pPr lvl="6" marL="3024000" indent="-216000">
+              <a:spcBef>
+                <a:spcPts val="283"/>
+              </a:spcBef>
+              <a:buClr>
+                <a:srgbClr val="000000"/>
+              </a:buClr>
+              <a:buSzPct val="45000"/>
+              <a:buFont typeface="Wingdings" charset="2"/>
+              <a:buChar char=""/>
+            </a:pPr>
+            <a:r>
+              <a:rPr b="0" lang="en-US" sz="1800" spc="-1" strike="noStrike">
+                <a:solidFill>
+                  <a:srgbClr val="000000"/>
+                </a:solidFill>
+                <a:latin typeface="Arial"/>
+              </a:rPr>
+              <a:t>Seventh Outline Level</a:t>
+            </a:r>
+            <a:endParaRPr b="0" lang="en-US" sz="1800" spc="-1" strike="noStrike">
+              <a:solidFill>
+                <a:srgbClr val="000000"/>
+              </a:solidFill>
+              <a:latin typeface="Arial"/>
+            </a:endParaRPr>
+          </a:p>
+        </p:txBody>
+      </p:sp>
+      <p:sp>
+        <p:nvSpPr>
+          <p:cNvPr id="25" name="PlaceHolder 4"/>
           <p:cNvSpPr>
             <a:spLocks noGrp="1"/>
           </p:cNvSpPr>
           <p:nvPr>
-            <p:ph type="dt" idx="16"/>
+            <p:ph type="ftr" idx="16"/>
           </p:nvPr>
         </p:nvSpPr>
         <p:spPr>
           <a:xfrm>
-            <a:off x="735120" y="14013360"/>
-            <a:ext cx="2405160" cy="804600"/>
+            <a:off x="3541680" y="14013360"/>
+            <a:ext cx="3607560" cy="803880"/>
           </a:xfrm>
           <a:prstGeom prst="rect">
             <a:avLst/>
@@ -5196,40 +4333,42 @@
             <a:noAutofit/>
           </a:bodyPr>
           <a:lstStyle>
-            <a:lvl1pPr indent="0" defTabSz="457200">
+            <a:lvl1pPr indent="0" algn="ctr">
               <a:lnSpc>
                 <a:spcPct val="100000"/>
               </a:lnSpc>
               <a:buNone/>
-              <a:defRPr b="0" lang="fr-CH" sz="1410" spc="-1" strike="noStrike">
-                <a:solidFill>
-                  <a:schemeClr val="dk1">
-                    <a:tint val="82000"/>
-                  </a:schemeClr>
-                </a:solidFill>
-                <a:latin typeface="Aptos"/>
+              <a:tabLst>
+                <a:tab algn="l" pos="0"/>
+              </a:tabLst>
+              <a:defRPr b="0" lang="en-US" sz="1400" spc="-1" strike="noStrike">
+                <a:solidFill>
+                  <a:srgbClr val="000000"/>
+                </a:solidFill>
+                <a:latin typeface="Times New Roman"/>
               </a:defRPr>
             </a:lvl1pPr>
           </a:lstStyle>
           <a:p>
-            <a:pPr indent="0" defTabSz="457200">
+            <a:pPr indent="0" algn="ctr">
               <a:lnSpc>
                 <a:spcPct val="100000"/>
               </a:lnSpc>
               <a:buNone/>
-            </a:pPr>
-            <a:r>
-              <a:rPr b="0" lang="fr-CH" sz="1410" spc="-1" strike="noStrike">
-                <a:solidFill>
-                  <a:schemeClr val="dk1">
-                    <a:tint val="82000"/>
-                  </a:schemeClr>
-                </a:solidFill>
-                <a:latin typeface="Aptos"/>
-              </a:rPr>
-              <a:t>&lt;date/time&gt;</a:t>
-            </a:r>
-            <a:endParaRPr b="0" lang="en-US" sz="1410" spc="-1" strike="noStrike">
+              <a:tabLst>
+                <a:tab algn="l" pos="0"/>
+              </a:tabLst>
+            </a:pPr>
+            <a:r>
+              <a:rPr b="0" lang="en-US" sz="1400" spc="-1" strike="noStrike">
+                <a:solidFill>
+                  <a:srgbClr val="000000"/>
+                </a:solidFill>
+                <a:latin typeface="Times New Roman"/>
+              </a:rPr>
+              <a:t>&lt;footer&gt;</a:t>
+            </a:r>
+            <a:endParaRPr b="0" lang="en-US" sz="1400" spc="-1" strike="noStrike">
               <a:solidFill>
                 <a:srgbClr val="000000"/>
               </a:solidFill>
@@ -5240,18 +4379,18 @@
       </p:sp>
       <p:sp>
         <p:nvSpPr>
-          <p:cNvPr id="32" name="PlaceHolder 5"/>
+          <p:cNvPr id="26" name="PlaceHolder 5"/>
           <p:cNvSpPr>
             <a:spLocks noGrp="1"/>
           </p:cNvSpPr>
           <p:nvPr>
-            <p:ph type="ftr" idx="17"/>
+            <p:ph type="sldNum" idx="17"/>
           </p:nvPr>
         </p:nvSpPr>
         <p:spPr>
           <a:xfrm>
-            <a:off x="3541680" y="14013360"/>
-            <a:ext cx="3608280" cy="804600"/>
+            <a:off x="7551000" y="14013360"/>
+            <a:ext cx="2404440" cy="803880"/>
           </a:xfrm>
           <a:prstGeom prst="rect">
             <a:avLst/>
@@ -5266,30 +4405,46 @@
             <a:noAutofit/>
           </a:bodyPr>
           <a:lstStyle>
-            <a:lvl1pPr indent="0" algn="ctr">
+            <a:lvl1pPr indent="0" algn="r" defTabSz="457200">
+              <a:lnSpc>
+                <a:spcPct val="100000"/>
+              </a:lnSpc>
               <a:buNone/>
-              <a:defRPr b="0" lang="en-US" sz="1400" spc="-1" strike="noStrike">
-                <a:solidFill>
-                  <a:srgbClr val="000000"/>
-                </a:solidFill>
-                <a:latin typeface="Times New Roman"/>
+              <a:tabLst>
+                <a:tab algn="l" pos="0"/>
+              </a:tabLst>
+              <a:defRPr b="0" lang="fr-CH" sz="1410" spc="-1" strike="noStrike">
+                <a:solidFill>
+                  <a:schemeClr val="dk1">
+                    <a:tint val="82000"/>
+                  </a:schemeClr>
+                </a:solidFill>
+                <a:latin typeface="Aptos"/>
               </a:defRPr>
             </a:lvl1pPr>
           </a:lstStyle>
           <a:p>
-            <a:pPr indent="0" algn="ctr">
+            <a:pPr indent="0" algn="r" defTabSz="457200">
+              <a:lnSpc>
+                <a:spcPct val="100000"/>
+              </a:lnSpc>
               <a:buNone/>
-            </a:pPr>
-            <a:r>
-              <a:rPr b="0" lang="en-US" sz="1400" spc="-1" strike="noStrike">
-                <a:solidFill>
-                  <a:srgbClr val="000000"/>
-                </a:solidFill>
-                <a:latin typeface="Times New Roman"/>
-              </a:rPr>
-              <a:t>&lt;footer&gt;</a:t>
-            </a:r>
-            <a:endParaRPr b="0" lang="en-US" sz="1400" spc="-1" strike="noStrike">
+              <a:tabLst>
+                <a:tab algn="l" pos="0"/>
+              </a:tabLst>
+            </a:pPr>
+            <a:fld id="{737A9DF3-0CA0-4735-A8D7-88AD25E3AD47}" type="slidenum">
+              <a:rPr b="0" lang="fr-CH" sz="1410" spc="-1" strike="noStrike">
+                <a:solidFill>
+                  <a:schemeClr val="dk1">
+                    <a:tint val="82000"/>
+                  </a:schemeClr>
+                </a:solidFill>
+                <a:latin typeface="Aptos"/>
+              </a:rPr>
+              <a:t>&lt;number&gt;</a:t>
+            </a:fld>
+            <a:endParaRPr b="0" lang="en-US" sz="1410" spc="-1" strike="noStrike">
               <a:solidFill>
                 <a:srgbClr val="000000"/>
               </a:solidFill>
@@ -5300,18 +4455,18 @@
       </p:sp>
       <p:sp>
         <p:nvSpPr>
-          <p:cNvPr id="33" name="PlaceHolder 6"/>
+          <p:cNvPr id="27" name="PlaceHolder 6"/>
           <p:cNvSpPr>
             <a:spLocks noGrp="1"/>
           </p:cNvSpPr>
           <p:nvPr>
-            <p:ph type="sldNum" idx="18"/>
+            <p:ph type="dt" idx="18"/>
           </p:nvPr>
         </p:nvSpPr>
         <p:spPr>
           <a:xfrm>
-            <a:off x="7551000" y="14013360"/>
-            <a:ext cx="2405160" cy="804600"/>
+            <a:off x="735120" y="14013360"/>
+            <a:ext cx="2404440" cy="803880"/>
           </a:xfrm>
           <a:prstGeom prst="rect">
             <a:avLst/>
@@ -5326,40 +4481,30 @@
             <a:noAutofit/>
           </a:bodyPr>
           <a:lstStyle>
-            <a:lvl1pPr indent="0" algn="r" defTabSz="457200">
-              <a:lnSpc>
-                <a:spcPct val="100000"/>
-              </a:lnSpc>
+            <a:lvl1pPr indent="0">
               <a:buNone/>
-              <a:defRPr b="0" lang="fr-CH" sz="1410" spc="-1" strike="noStrike">
-                <a:solidFill>
-                  <a:schemeClr val="dk1">
-                    <a:tint val="82000"/>
-                  </a:schemeClr>
-                </a:solidFill>
-                <a:latin typeface="Aptos"/>
+              <a:defRPr b="0" lang="en-US" sz="1400" spc="-1" strike="noStrike">
+                <a:solidFill>
+                  <a:srgbClr val="000000"/>
+                </a:solidFill>
+                <a:latin typeface="Times New Roman"/>
               </a:defRPr>
             </a:lvl1pPr>
           </a:lstStyle>
           <a:p>
-            <a:pPr indent="0" algn="r" defTabSz="457200">
-              <a:lnSpc>
-                <a:spcPct val="100000"/>
-              </a:lnSpc>
+            <a:pPr indent="0">
               <a:buNone/>
             </a:pPr>
-            <a:fld id="{6CF87C7C-4D67-423C-A893-64A8F5FFA699}" type="slidenum">
-              <a:rPr b="0" lang="fr-CH" sz="1410" spc="-1" strike="noStrike">
-                <a:solidFill>
-                  <a:schemeClr val="dk1">
-                    <a:tint val="82000"/>
-                  </a:schemeClr>
-                </a:solidFill>
-                <a:latin typeface="Aptos"/>
-              </a:rPr>
-              <a:t>&lt;number&gt;</a:t>
-            </a:fld>
-            <a:endParaRPr b="0" lang="en-US" sz="1410" spc="-1" strike="noStrike">
+            <a:r>
+              <a:rPr b="0" lang="en-US" sz="1400" spc="-1" strike="noStrike">
+                <a:solidFill>
+                  <a:srgbClr val="000000"/>
+                </a:solidFill>
+                <a:latin typeface="Times New Roman"/>
+              </a:rPr>
+              <a:t>&lt;date/time&gt;</a:t>
+            </a:r>
+            <a:endParaRPr b="0" lang="en-US" sz="1400" spc="-1" strike="noStrike">
               <a:solidFill>
                 <a:srgbClr val="000000"/>
               </a:solidFill>
@@ -5403,18 +4548,18 @@
       </p:grpSpPr>
       <p:sp>
         <p:nvSpPr>
-          <p:cNvPr id="37" name="PlaceHolder 1"/>
+          <p:cNvPr id="31" name="PlaceHolder 1"/>
           <p:cNvSpPr>
             <a:spLocks noGrp="1"/>
           </p:cNvSpPr>
           <p:nvPr>
-            <p:ph type="title"/>
+            <p:ph type="ftr" idx="19"/>
           </p:nvPr>
         </p:nvSpPr>
         <p:spPr>
           <a:xfrm>
-            <a:off x="736560" y="804960"/>
-            <a:ext cx="9221400" cy="2922120"/>
+            <a:off x="3541680" y="14013360"/>
+            <a:ext cx="3607560" cy="803880"/>
           </a:xfrm>
           <a:prstGeom prst="rect">
             <a:avLst/>
@@ -5428,45 +4573,65 @@
           <a:bodyPr lIns="91440" rIns="91440" tIns="45720" bIns="45720" anchor="ctr">
             <a:noAutofit/>
           </a:bodyPr>
-          <a:p>
-            <a:pPr indent="0" defTabSz="1069200">
+          <a:lstStyle>
+            <a:lvl1pPr indent="0" algn="ctr">
               <a:lnSpc>
-                <a:spcPct val="90000"/>
+                <a:spcPct val="100000"/>
               </a:lnSpc>
               <a:buNone/>
-            </a:pPr>
-            <a:r>
-              <a:rPr b="0" lang="fr-FR" sz="5140" spc="-1" strike="noStrike">
-                <a:solidFill>
-                  <a:schemeClr val="dk1"/>
-                </a:solidFill>
-                <a:latin typeface="Aptos Display"/>
-              </a:rPr>
-              <a:t>Modifiez le style du titre</a:t>
-            </a:r>
-            <a:endParaRPr b="0" lang="en-US" sz="5140" spc="-1" strike="noStrike">
-              <a:solidFill>
-                <a:schemeClr val="dk1"/>
-              </a:solidFill>
-              <a:latin typeface="Aptos"/>
-            </a:endParaRPr>
-          </a:p>
-        </p:txBody>
-      </p:sp>
-      <p:sp>
-        <p:nvSpPr>
-          <p:cNvPr id="38" name="PlaceHolder 2"/>
+              <a:tabLst>
+                <a:tab algn="l" pos="0"/>
+              </a:tabLst>
+              <a:defRPr b="0" lang="en-US" sz="1400" spc="-1" strike="noStrike">
+                <a:solidFill>
+                  <a:srgbClr val="000000"/>
+                </a:solidFill>
+                <a:latin typeface="Times New Roman"/>
+              </a:defRPr>
+            </a:lvl1pPr>
+          </a:lstStyle>
+          <a:p>
+            <a:pPr indent="0" algn="ctr">
+              <a:lnSpc>
+                <a:spcPct val="100000"/>
+              </a:lnSpc>
+              <a:buNone/>
+              <a:tabLst>
+                <a:tab algn="l" pos="0"/>
+              </a:tabLst>
+            </a:pPr>
+            <a:r>
+              <a:rPr b="0" lang="en-US" sz="1400" spc="-1" strike="noStrike">
+                <a:solidFill>
+                  <a:srgbClr val="000000"/>
+                </a:solidFill>
+                <a:latin typeface="Times New Roman"/>
+              </a:rPr>
+              <a:t>&lt;footer&gt;</a:t>
+            </a:r>
+            <a:endParaRPr b="0" lang="en-US" sz="1400" spc="-1" strike="noStrike">
+              <a:solidFill>
+                <a:srgbClr val="000000"/>
+              </a:solidFill>
+              <a:latin typeface="Times New Roman"/>
+            </a:endParaRPr>
+          </a:p>
+        </p:txBody>
+      </p:sp>
+      <p:sp>
+        <p:nvSpPr>
+          <p:cNvPr id="32" name="PlaceHolder 2"/>
           <p:cNvSpPr>
             <a:spLocks noGrp="1"/>
           </p:cNvSpPr>
           <p:nvPr>
-            <p:ph type="body"/>
+            <p:ph type="sldNum" idx="20"/>
           </p:nvPr>
         </p:nvSpPr>
         <p:spPr>
           <a:xfrm>
-            <a:off x="736560" y="3706200"/>
-            <a:ext cx="4522680" cy="1816200"/>
+            <a:off x="7551000" y="14013360"/>
+            <a:ext cx="2404440" cy="803880"/>
           </a:xfrm>
           <a:prstGeom prst="rect">
             <a:avLst/>
@@ -5477,54 +4642,72 @@
           </a:ln>
         </p:spPr>
         <p:txBody>
-          <a:bodyPr lIns="91440" rIns="91440" tIns="45720" bIns="45720" anchor="b">
+          <a:bodyPr lIns="91440" rIns="91440" tIns="45720" bIns="45720" anchor="ctr">
             <a:noAutofit/>
           </a:bodyPr>
-          <a:p>
-            <a:pPr indent="0" defTabSz="1069200">
+          <a:lstStyle>
+            <a:lvl1pPr indent="0" algn="r" defTabSz="457200">
               <a:lnSpc>
-                <a:spcPct val="90000"/>
+                <a:spcPct val="100000"/>
               </a:lnSpc>
-              <a:spcBef>
-                <a:spcPts val="1168"/>
-              </a:spcBef>
               <a:buNone/>
               <a:tabLst>
                 <a:tab algn="l" pos="0"/>
               </a:tabLst>
-            </a:pPr>
-            <a:r>
-              <a:rPr b="1" lang="fr-FR" sz="2810" spc="-1" strike="noStrike">
-                <a:solidFill>
-                  <a:schemeClr val="dk1"/>
+              <a:defRPr b="0" lang="fr-CH" sz="1410" spc="-1" strike="noStrike">
+                <a:solidFill>
+                  <a:schemeClr val="dk1">
+                    <a:tint val="82000"/>
+                  </a:schemeClr>
                 </a:solidFill>
                 <a:latin typeface="Aptos"/>
-              </a:rPr>
-              <a:t>Cliquez pour modifier les styles du texte du masque</a:t>
-            </a:r>
-            <a:endParaRPr b="0" lang="en-US" sz="2810" spc="-1" strike="noStrike">
-              <a:solidFill>
-                <a:schemeClr val="dk1"/>
-              </a:solidFill>
-              <a:latin typeface="Aptos"/>
-            </a:endParaRPr>
-          </a:p>
-        </p:txBody>
-      </p:sp>
-      <p:sp>
-        <p:nvSpPr>
-          <p:cNvPr id="39" name="PlaceHolder 3"/>
+              </a:defRPr>
+            </a:lvl1pPr>
+          </a:lstStyle>
+          <a:p>
+            <a:pPr indent="0" algn="r" defTabSz="457200">
+              <a:lnSpc>
+                <a:spcPct val="100000"/>
+              </a:lnSpc>
+              <a:buNone/>
+              <a:tabLst>
+                <a:tab algn="l" pos="0"/>
+              </a:tabLst>
+            </a:pPr>
+            <a:fld id="{AA901E29-611E-4B29-8AEF-6013BAE56FF7}" type="slidenum">
+              <a:rPr b="0" lang="fr-CH" sz="1410" spc="-1" strike="noStrike">
+                <a:solidFill>
+                  <a:schemeClr val="dk1">
+                    <a:tint val="82000"/>
+                  </a:schemeClr>
+                </a:solidFill>
+                <a:latin typeface="Aptos"/>
+              </a:rPr>
+              <a:t>&lt;number&gt;</a:t>
+            </a:fld>
+            <a:endParaRPr b="0" lang="en-US" sz="1410" spc="-1" strike="noStrike">
+              <a:solidFill>
+                <a:srgbClr val="000000"/>
+              </a:solidFill>
+              <a:latin typeface="Times New Roman"/>
+            </a:endParaRPr>
+          </a:p>
+        </p:txBody>
+      </p:sp>
+      <p:sp>
+        <p:nvSpPr>
+          <p:cNvPr id="33" name="PlaceHolder 3"/>
           <p:cNvSpPr>
             <a:spLocks noGrp="1"/>
           </p:cNvSpPr>
           <p:nvPr>
-            <p:ph type="body"/>
+            <p:ph type="dt" idx="21"/>
           </p:nvPr>
         </p:nvSpPr>
         <p:spPr>
           <a:xfrm>
-            <a:off x="736560" y="5522760"/>
-            <a:ext cx="4522680" cy="8122680"/>
+            <a:off x="735120" y="14013360"/>
+            <a:ext cx="2404440" cy="803880"/>
           </a:xfrm>
           <a:prstGeom prst="rect">
             <a:avLst/>
@@ -5535,497 +4718,11 @@
           </a:ln>
         </p:spPr>
         <p:txBody>
-          <a:bodyPr lIns="91440" rIns="91440" tIns="45720" bIns="45720" anchor="t">
-            <a:noAutofit/>
-          </a:bodyPr>
-          <a:p>
-            <a:pPr marL="267480" indent="-267480" defTabSz="1069200">
-              <a:lnSpc>
-                <a:spcPct val="90000"/>
-              </a:lnSpc>
-              <a:spcBef>
-                <a:spcPts val="1168"/>
-              </a:spcBef>
-              <a:buClr>
-                <a:srgbClr val="000000"/>
-              </a:buClr>
-              <a:buFont typeface="Arial"/>
-              <a:buChar char="•"/>
-            </a:pPr>
-            <a:r>
-              <a:rPr b="0" lang="fr-FR" sz="3270" spc="-1" strike="noStrike">
-                <a:solidFill>
-                  <a:schemeClr val="dk1"/>
-                </a:solidFill>
-                <a:latin typeface="Aptos"/>
-              </a:rPr>
-              <a:t>Cliquez pour modifier les styles du texte du masque</a:t>
-            </a:r>
-            <a:endParaRPr b="0" lang="en-US" sz="3270" spc="-1" strike="noStrike">
-              <a:solidFill>
-                <a:schemeClr val="dk1"/>
-              </a:solidFill>
-              <a:latin typeface="Aptos"/>
-            </a:endParaRPr>
-          </a:p>
-          <a:p>
-            <a:pPr lvl="1" marL="802080" indent="-267480" defTabSz="1069200">
-              <a:lnSpc>
-                <a:spcPct val="90000"/>
-              </a:lnSpc>
-              <a:spcBef>
-                <a:spcPts val="584"/>
-              </a:spcBef>
-              <a:buClr>
-                <a:srgbClr val="000000"/>
-              </a:buClr>
-              <a:buFont typeface="Arial"/>
-              <a:buChar char="•"/>
-            </a:pPr>
-            <a:r>
-              <a:rPr b="0" lang="fr-FR" sz="2810" spc="-1" strike="noStrike">
-                <a:solidFill>
-                  <a:schemeClr val="dk1"/>
-                </a:solidFill>
-                <a:latin typeface="Aptos"/>
-              </a:rPr>
-              <a:t>Deuxième niveau</a:t>
-            </a:r>
-            <a:endParaRPr b="0" lang="en-US" sz="2810" spc="-1" strike="noStrike">
-              <a:solidFill>
-                <a:schemeClr val="dk1"/>
-              </a:solidFill>
-              <a:latin typeface="Aptos"/>
-            </a:endParaRPr>
-          </a:p>
-          <a:p>
-            <a:pPr lvl="2" marL="1336680" indent="-267480" defTabSz="1069200">
-              <a:lnSpc>
-                <a:spcPct val="90000"/>
-              </a:lnSpc>
-              <a:spcBef>
-                <a:spcPts val="584"/>
-              </a:spcBef>
-              <a:buClr>
-                <a:srgbClr val="000000"/>
-              </a:buClr>
-              <a:buFont typeface="Arial"/>
-              <a:buChar char="•"/>
-            </a:pPr>
-            <a:r>
-              <a:rPr b="0" lang="fr-FR" sz="2340" spc="-1" strike="noStrike">
-                <a:solidFill>
-                  <a:schemeClr val="dk1"/>
-                </a:solidFill>
-                <a:latin typeface="Aptos"/>
-              </a:rPr>
-              <a:t>Troisième niveau</a:t>
-            </a:r>
-            <a:endParaRPr b="0" lang="en-US" sz="2340" spc="-1" strike="noStrike">
-              <a:solidFill>
-                <a:schemeClr val="dk1"/>
-              </a:solidFill>
-              <a:latin typeface="Aptos"/>
-            </a:endParaRPr>
-          </a:p>
-          <a:p>
-            <a:pPr lvl="3" marL="1871280" indent="-267480" defTabSz="1069200">
-              <a:lnSpc>
-                <a:spcPct val="90000"/>
-              </a:lnSpc>
-              <a:spcBef>
-                <a:spcPts val="584"/>
-              </a:spcBef>
-              <a:buClr>
-                <a:srgbClr val="000000"/>
-              </a:buClr>
-              <a:buFont typeface="Arial"/>
-              <a:buChar char="•"/>
-            </a:pPr>
-            <a:r>
-              <a:rPr b="0" lang="fr-FR" sz="2110" spc="-1" strike="noStrike">
-                <a:solidFill>
-                  <a:schemeClr val="dk1"/>
-                </a:solidFill>
-                <a:latin typeface="Aptos"/>
-              </a:rPr>
-              <a:t>Quatrième niveau</a:t>
-            </a:r>
-            <a:endParaRPr b="0" lang="en-US" sz="2110" spc="-1" strike="noStrike">
-              <a:solidFill>
-                <a:schemeClr val="dk1"/>
-              </a:solidFill>
-              <a:latin typeface="Aptos"/>
-            </a:endParaRPr>
-          </a:p>
-          <a:p>
-            <a:pPr lvl="4" marL="2405880" indent="-267480" defTabSz="1069200">
-              <a:lnSpc>
-                <a:spcPct val="90000"/>
-              </a:lnSpc>
-              <a:spcBef>
-                <a:spcPts val="584"/>
-              </a:spcBef>
-              <a:buClr>
-                <a:srgbClr val="000000"/>
-              </a:buClr>
-              <a:buFont typeface="Arial"/>
-              <a:buChar char="•"/>
-            </a:pPr>
-            <a:r>
-              <a:rPr b="0" lang="fr-FR" sz="2110" spc="-1" strike="noStrike">
-                <a:solidFill>
-                  <a:schemeClr val="dk1"/>
-                </a:solidFill>
-                <a:latin typeface="Aptos"/>
-              </a:rPr>
-              <a:t>Cinquième niveau</a:t>
-            </a:r>
-            <a:endParaRPr b="0" lang="en-US" sz="2110" spc="-1" strike="noStrike">
-              <a:solidFill>
-                <a:schemeClr val="dk1"/>
-              </a:solidFill>
-              <a:latin typeface="Aptos"/>
-            </a:endParaRPr>
-          </a:p>
-        </p:txBody>
-      </p:sp>
-      <p:sp>
-        <p:nvSpPr>
-          <p:cNvPr id="40" name="PlaceHolder 4"/>
-          <p:cNvSpPr>
-            <a:spLocks noGrp="1"/>
-          </p:cNvSpPr>
-          <p:nvPr>
-            <p:ph type="body"/>
-          </p:nvPr>
-        </p:nvSpPr>
-        <p:spPr>
-          <a:xfrm>
-            <a:off x="5412600" y="3706200"/>
-            <a:ext cx="4545000" cy="1816200"/>
-          </a:xfrm>
-          <a:prstGeom prst="rect">
-            <a:avLst/>
-          </a:prstGeom>
-          <a:noFill/>
-          <a:ln w="0">
-            <a:noFill/>
-          </a:ln>
-        </p:spPr>
-        <p:txBody>
-          <a:bodyPr lIns="91440" rIns="91440" tIns="45720" bIns="45720" anchor="b">
-            <a:noAutofit/>
-          </a:bodyPr>
-          <a:p>
-            <a:pPr indent="0" defTabSz="1069200">
-              <a:lnSpc>
-                <a:spcPct val="90000"/>
-              </a:lnSpc>
-              <a:spcBef>
-                <a:spcPts val="1168"/>
-              </a:spcBef>
-              <a:buNone/>
-              <a:tabLst>
-                <a:tab algn="l" pos="0"/>
-              </a:tabLst>
-            </a:pPr>
-            <a:r>
-              <a:rPr b="1" lang="fr-FR" sz="2810" spc="-1" strike="noStrike">
-                <a:solidFill>
-                  <a:schemeClr val="dk1"/>
-                </a:solidFill>
-                <a:latin typeface="Aptos"/>
-              </a:rPr>
-              <a:t>Cliquez pour modifier les styles du texte du masque</a:t>
-            </a:r>
-            <a:endParaRPr b="0" lang="en-US" sz="2810" spc="-1" strike="noStrike">
-              <a:solidFill>
-                <a:schemeClr val="dk1"/>
-              </a:solidFill>
-              <a:latin typeface="Aptos"/>
-            </a:endParaRPr>
-          </a:p>
-        </p:txBody>
-      </p:sp>
-      <p:sp>
-        <p:nvSpPr>
-          <p:cNvPr id="41" name="PlaceHolder 5"/>
-          <p:cNvSpPr>
-            <a:spLocks noGrp="1"/>
-          </p:cNvSpPr>
-          <p:nvPr>
-            <p:ph type="body"/>
-          </p:nvPr>
-        </p:nvSpPr>
-        <p:spPr>
-          <a:xfrm>
-            <a:off x="5412600" y="5522760"/>
-            <a:ext cx="4545000" cy="8122680"/>
-          </a:xfrm>
-          <a:prstGeom prst="rect">
-            <a:avLst/>
-          </a:prstGeom>
-          <a:noFill/>
-          <a:ln w="0">
-            <a:noFill/>
-          </a:ln>
-        </p:spPr>
-        <p:txBody>
-          <a:bodyPr lIns="91440" rIns="91440" tIns="45720" bIns="45720" anchor="t">
-            <a:noAutofit/>
-          </a:bodyPr>
-          <a:p>
-            <a:pPr marL="267480" indent="-267480" defTabSz="1069200">
-              <a:lnSpc>
-                <a:spcPct val="90000"/>
-              </a:lnSpc>
-              <a:spcBef>
-                <a:spcPts val="1168"/>
-              </a:spcBef>
-              <a:buClr>
-                <a:srgbClr val="000000"/>
-              </a:buClr>
-              <a:buFont typeface="Arial"/>
-              <a:buChar char="•"/>
-            </a:pPr>
-            <a:r>
-              <a:rPr b="0" lang="fr-FR" sz="3270" spc="-1" strike="noStrike">
-                <a:solidFill>
-                  <a:schemeClr val="dk1"/>
-                </a:solidFill>
-                <a:latin typeface="Aptos"/>
-              </a:rPr>
-              <a:t>Cliquez pour modifier les styles du texte du masque</a:t>
-            </a:r>
-            <a:endParaRPr b="0" lang="en-US" sz="3270" spc="-1" strike="noStrike">
-              <a:solidFill>
-                <a:schemeClr val="dk1"/>
-              </a:solidFill>
-              <a:latin typeface="Aptos"/>
-            </a:endParaRPr>
-          </a:p>
-          <a:p>
-            <a:pPr lvl="1" marL="802080" indent="-267480" defTabSz="1069200">
-              <a:lnSpc>
-                <a:spcPct val="90000"/>
-              </a:lnSpc>
-              <a:spcBef>
-                <a:spcPts val="584"/>
-              </a:spcBef>
-              <a:buClr>
-                <a:srgbClr val="000000"/>
-              </a:buClr>
-              <a:buFont typeface="Arial"/>
-              <a:buChar char="•"/>
-            </a:pPr>
-            <a:r>
-              <a:rPr b="0" lang="fr-FR" sz="2810" spc="-1" strike="noStrike">
-                <a:solidFill>
-                  <a:schemeClr val="dk1"/>
-                </a:solidFill>
-                <a:latin typeface="Aptos"/>
-              </a:rPr>
-              <a:t>Deuxième niveau</a:t>
-            </a:r>
-            <a:endParaRPr b="0" lang="en-US" sz="2810" spc="-1" strike="noStrike">
-              <a:solidFill>
-                <a:schemeClr val="dk1"/>
-              </a:solidFill>
-              <a:latin typeface="Aptos"/>
-            </a:endParaRPr>
-          </a:p>
-          <a:p>
-            <a:pPr lvl="2" marL="1336680" indent="-267480" defTabSz="1069200">
-              <a:lnSpc>
-                <a:spcPct val="90000"/>
-              </a:lnSpc>
-              <a:spcBef>
-                <a:spcPts val="584"/>
-              </a:spcBef>
-              <a:buClr>
-                <a:srgbClr val="000000"/>
-              </a:buClr>
-              <a:buFont typeface="Arial"/>
-              <a:buChar char="•"/>
-            </a:pPr>
-            <a:r>
-              <a:rPr b="0" lang="fr-FR" sz="2340" spc="-1" strike="noStrike">
-                <a:solidFill>
-                  <a:schemeClr val="dk1"/>
-                </a:solidFill>
-                <a:latin typeface="Aptos"/>
-              </a:rPr>
-              <a:t>Troisième niveau</a:t>
-            </a:r>
-            <a:endParaRPr b="0" lang="en-US" sz="2340" spc="-1" strike="noStrike">
-              <a:solidFill>
-                <a:schemeClr val="dk1"/>
-              </a:solidFill>
-              <a:latin typeface="Aptos"/>
-            </a:endParaRPr>
-          </a:p>
-          <a:p>
-            <a:pPr lvl="3" marL="1871280" indent="-267480" defTabSz="1069200">
-              <a:lnSpc>
-                <a:spcPct val="90000"/>
-              </a:lnSpc>
-              <a:spcBef>
-                <a:spcPts val="584"/>
-              </a:spcBef>
-              <a:buClr>
-                <a:srgbClr val="000000"/>
-              </a:buClr>
-              <a:buFont typeface="Arial"/>
-              <a:buChar char="•"/>
-            </a:pPr>
-            <a:r>
-              <a:rPr b="0" lang="fr-FR" sz="2110" spc="-1" strike="noStrike">
-                <a:solidFill>
-                  <a:schemeClr val="dk1"/>
-                </a:solidFill>
-                <a:latin typeface="Aptos"/>
-              </a:rPr>
-              <a:t>Quatrième niveau</a:t>
-            </a:r>
-            <a:endParaRPr b="0" lang="en-US" sz="2110" spc="-1" strike="noStrike">
-              <a:solidFill>
-                <a:schemeClr val="dk1"/>
-              </a:solidFill>
-              <a:latin typeface="Aptos"/>
-            </a:endParaRPr>
-          </a:p>
-          <a:p>
-            <a:pPr lvl="4" marL="2405880" indent="-267480" defTabSz="1069200">
-              <a:lnSpc>
-                <a:spcPct val="90000"/>
-              </a:lnSpc>
-              <a:spcBef>
-                <a:spcPts val="584"/>
-              </a:spcBef>
-              <a:buClr>
-                <a:srgbClr val="000000"/>
-              </a:buClr>
-              <a:buFont typeface="Arial"/>
-              <a:buChar char="•"/>
-            </a:pPr>
-            <a:r>
-              <a:rPr b="0" lang="fr-FR" sz="2110" spc="-1" strike="noStrike">
-                <a:solidFill>
-                  <a:schemeClr val="dk1"/>
-                </a:solidFill>
-                <a:latin typeface="Aptos"/>
-              </a:rPr>
-              <a:t>Cinquième niveau</a:t>
-            </a:r>
-            <a:endParaRPr b="0" lang="en-US" sz="2110" spc="-1" strike="noStrike">
-              <a:solidFill>
-                <a:schemeClr val="dk1"/>
-              </a:solidFill>
-              <a:latin typeface="Aptos"/>
-            </a:endParaRPr>
-          </a:p>
-        </p:txBody>
-      </p:sp>
-      <p:sp>
-        <p:nvSpPr>
-          <p:cNvPr id="42" name="PlaceHolder 6"/>
-          <p:cNvSpPr>
-            <a:spLocks noGrp="1"/>
-          </p:cNvSpPr>
-          <p:nvPr>
-            <p:ph type="dt" idx="19"/>
-          </p:nvPr>
-        </p:nvSpPr>
-        <p:spPr>
-          <a:xfrm>
-            <a:off x="735120" y="14013360"/>
-            <a:ext cx="2405160" cy="804600"/>
-          </a:xfrm>
-          <a:prstGeom prst="rect">
-            <a:avLst/>
-          </a:prstGeom>
-          <a:noFill/>
-          <a:ln w="0">
-            <a:noFill/>
-          </a:ln>
-        </p:spPr>
-        <p:txBody>
           <a:bodyPr lIns="91440" rIns="91440" tIns="45720" bIns="45720" anchor="ctr">
             <a:noAutofit/>
           </a:bodyPr>
           <a:lstStyle>
-            <a:lvl1pPr indent="0" defTabSz="457200">
-              <a:lnSpc>
-                <a:spcPct val="100000"/>
-              </a:lnSpc>
-              <a:buNone/>
-              <a:defRPr b="0" lang="fr-CH" sz="1410" spc="-1" strike="noStrike">
-                <a:solidFill>
-                  <a:schemeClr val="dk1">
-                    <a:tint val="82000"/>
-                  </a:schemeClr>
-                </a:solidFill>
-                <a:latin typeface="Aptos"/>
-              </a:defRPr>
-            </a:lvl1pPr>
-          </a:lstStyle>
-          <a:p>
-            <a:pPr indent="0" defTabSz="457200">
-              <a:lnSpc>
-                <a:spcPct val="100000"/>
-              </a:lnSpc>
-              <a:buNone/>
-            </a:pPr>
-            <a:r>
-              <a:rPr b="0" lang="fr-CH" sz="1410" spc="-1" strike="noStrike">
-                <a:solidFill>
-                  <a:schemeClr val="dk1">
-                    <a:tint val="82000"/>
-                  </a:schemeClr>
-                </a:solidFill>
-                <a:latin typeface="Aptos"/>
-              </a:rPr>
-              <a:t>&lt;date/time&gt;</a:t>
-            </a:r>
-            <a:endParaRPr b="0" lang="en-US" sz="1410" spc="-1" strike="noStrike">
-              <a:solidFill>
-                <a:srgbClr val="000000"/>
-              </a:solidFill>
-              <a:latin typeface="Times New Roman"/>
-            </a:endParaRPr>
-          </a:p>
-        </p:txBody>
-      </p:sp>
-      <p:sp>
-        <p:nvSpPr>
-          <p:cNvPr id="43" name="PlaceHolder 7"/>
-          <p:cNvSpPr>
-            <a:spLocks noGrp="1"/>
-          </p:cNvSpPr>
-          <p:nvPr>
-            <p:ph type="ftr" idx="20"/>
-          </p:nvPr>
-        </p:nvSpPr>
-        <p:spPr>
-          <a:xfrm>
-            <a:off x="3541680" y="14013360"/>
-            <a:ext cx="3608280" cy="804600"/>
-          </a:xfrm>
-          <a:prstGeom prst="rect">
-            <a:avLst/>
-          </a:prstGeom>
-          <a:noFill/>
-          <a:ln w="0">
-            <a:noFill/>
-          </a:ln>
-        </p:spPr>
-        <p:txBody>
-          <a:bodyPr lIns="91440" rIns="91440" tIns="45720" bIns="45720" anchor="ctr">
-            <a:noAutofit/>
-          </a:bodyPr>
-          <a:lstStyle>
-            <a:lvl1pPr indent="0" algn="ctr">
+            <a:lvl1pPr indent="0">
               <a:buNone/>
               <a:defRPr b="0" lang="en-US" sz="1400" spc="-1" strike="noStrike">
                 <a:solidFill>
@@ -6036,7 +4733,7 @@
             </a:lvl1pPr>
           </a:lstStyle>
           <a:p>
-            <a:pPr indent="0" algn="ctr">
+            <a:pPr indent="0">
               <a:buNone/>
             </a:pPr>
             <a:r>
@@ -6046,79 +4743,9 @@
                 </a:solidFill>
                 <a:latin typeface="Times New Roman"/>
               </a:rPr>
-              <a:t>&lt;footer&gt;</a:t>
+              <a:t>&lt;date/time&gt;</a:t>
             </a:r>
             <a:endParaRPr b="0" lang="en-US" sz="1400" spc="-1" strike="noStrike">
-              <a:solidFill>
-                <a:srgbClr val="000000"/>
-              </a:solidFill>
-              <a:latin typeface="Times New Roman"/>
-            </a:endParaRPr>
-          </a:p>
-        </p:txBody>
-      </p:sp>
-      <p:sp>
-        <p:nvSpPr>
-          <p:cNvPr id="44" name="PlaceHolder 8"/>
-          <p:cNvSpPr>
-            <a:spLocks noGrp="1"/>
-          </p:cNvSpPr>
-          <p:nvPr>
-            <p:ph type="sldNum" idx="21"/>
-          </p:nvPr>
-        </p:nvSpPr>
-        <p:spPr>
-          <a:xfrm>
-            <a:off x="7551000" y="14013360"/>
-            <a:ext cx="2405160" cy="804600"/>
-          </a:xfrm>
-          <a:prstGeom prst="rect">
-            <a:avLst/>
-          </a:prstGeom>
-          <a:noFill/>
-          <a:ln w="0">
-            <a:noFill/>
-          </a:ln>
-        </p:spPr>
-        <p:txBody>
-          <a:bodyPr lIns="91440" rIns="91440" tIns="45720" bIns="45720" anchor="ctr">
-            <a:noAutofit/>
-          </a:bodyPr>
-          <a:lstStyle>
-            <a:lvl1pPr indent="0" algn="r" defTabSz="457200">
-              <a:lnSpc>
-                <a:spcPct val="100000"/>
-              </a:lnSpc>
-              <a:buNone/>
-              <a:defRPr b="0" lang="fr-CH" sz="1410" spc="-1" strike="noStrike">
-                <a:solidFill>
-                  <a:schemeClr val="dk1">
-                    <a:tint val="82000"/>
-                  </a:schemeClr>
-                </a:solidFill>
-                <a:latin typeface="Aptos"/>
-              </a:defRPr>
-            </a:lvl1pPr>
-          </a:lstStyle>
-          <a:p>
-            <a:pPr indent="0" algn="r" defTabSz="457200">
-              <a:lnSpc>
-                <a:spcPct val="100000"/>
-              </a:lnSpc>
-              <a:buNone/>
-            </a:pPr>
-            <a:fld id="{32B92D93-6417-4462-A6DF-984D66F9D713}" type="slidenum">
-              <a:rPr b="0" lang="fr-CH" sz="1410" spc="-1" strike="noStrike">
-                <a:solidFill>
-                  <a:schemeClr val="dk1">
-                    <a:tint val="82000"/>
-                  </a:schemeClr>
-                </a:solidFill>
-                <a:latin typeface="Aptos"/>
-              </a:rPr>
-              <a:t>&lt;number&gt;</a:t>
-            </a:fld>
-            <a:endParaRPr b="0" lang="en-US" sz="1410" spc="-1" strike="noStrike">
               <a:solidFill>
                 <a:srgbClr val="000000"/>
               </a:solidFill>
@@ -6162,7 +4789,7 @@
       </p:grpSpPr>
       <p:sp>
         <p:nvSpPr>
-          <p:cNvPr id="45" name="PlaceHolder 1"/>
+          <p:cNvPr id="34" name="PlaceHolder 1"/>
           <p:cNvSpPr>
             <a:spLocks noGrp="1"/>
           </p:cNvSpPr>
@@ -6172,8 +4799,8 @@
         </p:nvSpPr>
         <p:spPr>
           <a:xfrm>
-            <a:off x="735120" y="804960"/>
-            <a:ext cx="9221400" cy="2922120"/>
+            <a:off x="801720" y="2474280"/>
+            <a:ext cx="9087120" cy="5262840"/>
           </a:xfrm>
           <a:prstGeom prst="rect">
             <a:avLst/>
@@ -6184,48 +4811,45 @@
           </a:ln>
         </p:spPr>
         <p:txBody>
-          <a:bodyPr lIns="91440" rIns="91440" tIns="45720" bIns="45720" anchor="ctr">
+          <a:bodyPr lIns="0" rIns="0" tIns="0" bIns="0" anchor="ctr">
             <a:noAutofit/>
           </a:bodyPr>
           <a:p>
-            <a:pPr indent="0" defTabSz="1069200">
-              <a:lnSpc>
-                <a:spcPct val="90000"/>
-              </a:lnSpc>
+            <a:pPr indent="0">
               <a:buNone/>
             </a:pPr>
             <a:r>
-              <a:rPr b="0" lang="fr-FR" sz="5140" spc="-1" strike="noStrike">
-                <a:solidFill>
-                  <a:schemeClr val="dk1"/>
-                </a:solidFill>
-                <a:latin typeface="Aptos Display"/>
-              </a:rPr>
-              <a:t>Modifiez le style du titre</a:t>
-            </a:r>
-            <a:endParaRPr b="0" lang="en-US" sz="5140" spc="-1" strike="noStrike">
-              <a:solidFill>
-                <a:schemeClr val="dk1"/>
-              </a:solidFill>
-              <a:latin typeface="Aptos"/>
-            </a:endParaRPr>
-          </a:p>
-        </p:txBody>
-      </p:sp>
-      <p:sp>
-        <p:nvSpPr>
-          <p:cNvPr id="46" name="PlaceHolder 2"/>
+              <a:rPr b="0" lang="en-US" sz="1800" spc="-1" strike="noStrike">
+                <a:solidFill>
+                  <a:srgbClr val="000000"/>
+                </a:solidFill>
+                <a:latin typeface="Arial"/>
+              </a:rPr>
+              <a:t>Click to edit the title text format</a:t>
+            </a:r>
+            <a:endParaRPr b="0" lang="en-US" sz="1800" spc="-1" strike="noStrike">
+              <a:solidFill>
+                <a:srgbClr val="000000"/>
+              </a:solidFill>
+              <a:latin typeface="Arial"/>
+            </a:endParaRPr>
+          </a:p>
+        </p:txBody>
+      </p:sp>
+      <p:sp>
+        <p:nvSpPr>
+          <p:cNvPr id="35" name="PlaceHolder 2"/>
           <p:cNvSpPr>
             <a:spLocks noGrp="1"/>
           </p:cNvSpPr>
           <p:nvPr>
-            <p:ph type="dt" idx="22"/>
+            <p:ph type="ftr" idx="22"/>
           </p:nvPr>
         </p:nvSpPr>
         <p:spPr>
           <a:xfrm>
-            <a:off x="735120" y="14013360"/>
-            <a:ext cx="2405160" cy="804600"/>
+            <a:off x="3541680" y="14013360"/>
+            <a:ext cx="3607560" cy="803880"/>
           </a:xfrm>
           <a:prstGeom prst="rect">
             <a:avLst/>
@@ -6240,40 +4864,42 @@
             <a:noAutofit/>
           </a:bodyPr>
           <a:lstStyle>
-            <a:lvl1pPr indent="0" defTabSz="457200">
+            <a:lvl1pPr indent="0" algn="ctr">
               <a:lnSpc>
                 <a:spcPct val="100000"/>
               </a:lnSpc>
               <a:buNone/>
-              <a:defRPr b="0" lang="fr-CH" sz="1410" spc="-1" strike="noStrike">
-                <a:solidFill>
-                  <a:schemeClr val="dk1">
-                    <a:tint val="82000"/>
-                  </a:schemeClr>
-                </a:solidFill>
-                <a:latin typeface="Aptos"/>
+              <a:tabLst>
+                <a:tab algn="l" pos="0"/>
+              </a:tabLst>
+              <a:defRPr b="0" lang="en-US" sz="1400" spc="-1" strike="noStrike">
+                <a:solidFill>
+                  <a:srgbClr val="000000"/>
+                </a:solidFill>
+                <a:latin typeface="Times New Roman"/>
               </a:defRPr>
             </a:lvl1pPr>
           </a:lstStyle>
           <a:p>
-            <a:pPr indent="0" defTabSz="457200">
+            <a:pPr indent="0" algn="ctr">
               <a:lnSpc>
                 <a:spcPct val="100000"/>
               </a:lnSpc>
               <a:buNone/>
-            </a:pPr>
-            <a:r>
-              <a:rPr b="0" lang="fr-CH" sz="1410" spc="-1" strike="noStrike">
-                <a:solidFill>
-                  <a:schemeClr val="dk1">
-                    <a:tint val="82000"/>
-                  </a:schemeClr>
-                </a:solidFill>
-                <a:latin typeface="Aptos"/>
-              </a:rPr>
-              <a:t>&lt;date/time&gt;</a:t>
-            </a:r>
-            <a:endParaRPr b="0" lang="en-US" sz="1410" spc="-1" strike="noStrike">
+              <a:tabLst>
+                <a:tab algn="l" pos="0"/>
+              </a:tabLst>
+            </a:pPr>
+            <a:r>
+              <a:rPr b="0" lang="en-US" sz="1400" spc="-1" strike="noStrike">
+                <a:solidFill>
+                  <a:srgbClr val="000000"/>
+                </a:solidFill>
+                <a:latin typeface="Times New Roman"/>
+              </a:rPr>
+              <a:t>&lt;footer&gt;</a:t>
+            </a:r>
+            <a:endParaRPr b="0" lang="en-US" sz="1400" spc="-1" strike="noStrike">
               <a:solidFill>
                 <a:srgbClr val="000000"/>
               </a:solidFill>
@@ -6284,18 +4910,18 @@
       </p:sp>
       <p:sp>
         <p:nvSpPr>
-          <p:cNvPr id="47" name="PlaceHolder 3"/>
+          <p:cNvPr id="36" name="PlaceHolder 3"/>
           <p:cNvSpPr>
             <a:spLocks noGrp="1"/>
           </p:cNvSpPr>
           <p:nvPr>
-            <p:ph type="ftr" idx="23"/>
+            <p:ph type="sldNum" idx="23"/>
           </p:nvPr>
         </p:nvSpPr>
         <p:spPr>
           <a:xfrm>
-            <a:off x="3541680" y="14013360"/>
-            <a:ext cx="3608280" cy="804600"/>
+            <a:off x="7551000" y="14013360"/>
+            <a:ext cx="2404440" cy="803880"/>
           </a:xfrm>
           <a:prstGeom prst="rect">
             <a:avLst/>
@@ -6310,30 +4936,46 @@
             <a:noAutofit/>
           </a:bodyPr>
           <a:lstStyle>
-            <a:lvl1pPr indent="0" algn="ctr">
+            <a:lvl1pPr indent="0" algn="r" defTabSz="457200">
+              <a:lnSpc>
+                <a:spcPct val="100000"/>
+              </a:lnSpc>
               <a:buNone/>
-              <a:defRPr b="0" lang="en-US" sz="1400" spc="-1" strike="noStrike">
-                <a:solidFill>
-                  <a:srgbClr val="000000"/>
-                </a:solidFill>
-                <a:latin typeface="Times New Roman"/>
+              <a:tabLst>
+                <a:tab algn="l" pos="0"/>
+              </a:tabLst>
+              <a:defRPr b="0" lang="fr-CH" sz="1410" spc="-1" strike="noStrike">
+                <a:solidFill>
+                  <a:schemeClr val="dk1">
+                    <a:tint val="82000"/>
+                  </a:schemeClr>
+                </a:solidFill>
+                <a:latin typeface="Aptos"/>
               </a:defRPr>
             </a:lvl1pPr>
           </a:lstStyle>
           <a:p>
-            <a:pPr indent="0" algn="ctr">
+            <a:pPr indent="0" algn="r" defTabSz="457200">
+              <a:lnSpc>
+                <a:spcPct val="100000"/>
+              </a:lnSpc>
               <a:buNone/>
-            </a:pPr>
-            <a:r>
-              <a:rPr b="0" lang="en-US" sz="1400" spc="-1" strike="noStrike">
-                <a:solidFill>
-                  <a:srgbClr val="000000"/>
-                </a:solidFill>
-                <a:latin typeface="Times New Roman"/>
-              </a:rPr>
-              <a:t>&lt;footer&gt;</a:t>
-            </a:r>
-            <a:endParaRPr b="0" lang="en-US" sz="1400" spc="-1" strike="noStrike">
+              <a:tabLst>
+                <a:tab algn="l" pos="0"/>
+              </a:tabLst>
+            </a:pPr>
+            <a:fld id="{7FC1A82D-35A5-48BD-A05B-776A7D69CE2C}" type="slidenum">
+              <a:rPr b="0" lang="fr-CH" sz="1410" spc="-1" strike="noStrike">
+                <a:solidFill>
+                  <a:schemeClr val="dk1">
+                    <a:tint val="82000"/>
+                  </a:schemeClr>
+                </a:solidFill>
+                <a:latin typeface="Aptos"/>
+              </a:rPr>
+              <a:t>&lt;number&gt;</a:t>
+            </a:fld>
+            <a:endParaRPr b="0" lang="en-US" sz="1410" spc="-1" strike="noStrike">
               <a:solidFill>
                 <a:srgbClr val="000000"/>
               </a:solidFill>
@@ -6344,18 +4986,18 @@
       </p:sp>
       <p:sp>
         <p:nvSpPr>
-          <p:cNvPr id="48" name="PlaceHolder 4"/>
+          <p:cNvPr id="37" name="PlaceHolder 4"/>
           <p:cNvSpPr>
             <a:spLocks noGrp="1"/>
           </p:cNvSpPr>
           <p:nvPr>
-            <p:ph type="sldNum" idx="24"/>
+            <p:ph type="dt" idx="24"/>
           </p:nvPr>
         </p:nvSpPr>
         <p:spPr>
           <a:xfrm>
-            <a:off x="7551000" y="14013360"/>
-            <a:ext cx="2405160" cy="804600"/>
+            <a:off x="735120" y="14013360"/>
+            <a:ext cx="2404440" cy="803880"/>
           </a:xfrm>
           <a:prstGeom prst="rect">
             <a:avLst/>
@@ -6370,40 +5012,30 @@
             <a:noAutofit/>
           </a:bodyPr>
           <a:lstStyle>
-            <a:lvl1pPr indent="0" algn="r" defTabSz="457200">
-              <a:lnSpc>
-                <a:spcPct val="100000"/>
-              </a:lnSpc>
+            <a:lvl1pPr indent="0">
               <a:buNone/>
-              <a:defRPr b="0" lang="fr-CH" sz="1410" spc="-1" strike="noStrike">
-                <a:solidFill>
-                  <a:schemeClr val="dk1">
-                    <a:tint val="82000"/>
-                  </a:schemeClr>
-                </a:solidFill>
-                <a:latin typeface="Aptos"/>
+              <a:defRPr b="0" lang="en-US" sz="1400" spc="-1" strike="noStrike">
+                <a:solidFill>
+                  <a:srgbClr val="000000"/>
+                </a:solidFill>
+                <a:latin typeface="Times New Roman"/>
               </a:defRPr>
             </a:lvl1pPr>
           </a:lstStyle>
           <a:p>
-            <a:pPr indent="0" algn="r" defTabSz="457200">
-              <a:lnSpc>
-                <a:spcPct val="100000"/>
-              </a:lnSpc>
+            <a:pPr indent="0">
               <a:buNone/>
             </a:pPr>
-            <a:fld id="{4E312BD9-CDDF-4DC6-B8BF-0415EE2C6FF3}" type="slidenum">
-              <a:rPr b="0" lang="fr-CH" sz="1410" spc="-1" strike="noStrike">
-                <a:solidFill>
-                  <a:schemeClr val="dk1">
-                    <a:tint val="82000"/>
-                  </a:schemeClr>
-                </a:solidFill>
-                <a:latin typeface="Aptos"/>
-              </a:rPr>
-              <a:t>&lt;number&gt;</a:t>
-            </a:fld>
-            <a:endParaRPr b="0" lang="en-US" sz="1410" spc="-1" strike="noStrike">
+            <a:r>
+              <a:rPr b="0" lang="en-US" sz="1400" spc="-1" strike="noStrike">
+                <a:solidFill>
+                  <a:srgbClr val="000000"/>
+                </a:solidFill>
+                <a:latin typeface="Times New Roman"/>
+              </a:rPr>
+              <a:t>&lt;date/time&gt;</a:t>
+            </a:r>
+            <a:endParaRPr b="0" lang="en-US" sz="1400" spc="-1" strike="noStrike">
               <a:solidFill>
                 <a:srgbClr val="000000"/>
               </a:solidFill>
@@ -6447,18 +5079,18 @@
       </p:grpSpPr>
       <p:sp>
         <p:nvSpPr>
-          <p:cNvPr id="50" name="PlaceHolder 1"/>
+          <p:cNvPr id="39" name="PlaceHolder 1"/>
           <p:cNvSpPr>
             <a:spLocks noGrp="1"/>
           </p:cNvSpPr>
           <p:nvPr>
-            <p:ph type="dt" idx="25"/>
+            <p:ph type="ftr" idx="25"/>
           </p:nvPr>
         </p:nvSpPr>
         <p:spPr>
           <a:xfrm>
-            <a:off x="735120" y="14013360"/>
-            <a:ext cx="2405160" cy="804600"/>
+            <a:off x="3541680" y="14013360"/>
+            <a:ext cx="3607560" cy="803880"/>
           </a:xfrm>
           <a:prstGeom prst="rect">
             <a:avLst/>
@@ -6473,40 +5105,42 @@
             <a:noAutofit/>
           </a:bodyPr>
           <a:lstStyle>
-            <a:lvl1pPr indent="0" defTabSz="457200">
+            <a:lvl1pPr indent="0" algn="ctr">
               <a:lnSpc>
                 <a:spcPct val="100000"/>
               </a:lnSpc>
               <a:buNone/>
-              <a:defRPr b="0" lang="fr-CH" sz="1410" spc="-1" strike="noStrike">
-                <a:solidFill>
-                  <a:schemeClr val="dk1">
-                    <a:tint val="82000"/>
-                  </a:schemeClr>
-                </a:solidFill>
-                <a:latin typeface="Aptos"/>
+              <a:tabLst>
+                <a:tab algn="l" pos="0"/>
+              </a:tabLst>
+              <a:defRPr b="0" lang="en-US" sz="1400" spc="-1" strike="noStrike">
+                <a:solidFill>
+                  <a:srgbClr val="000000"/>
+                </a:solidFill>
+                <a:latin typeface="Times New Roman"/>
               </a:defRPr>
             </a:lvl1pPr>
           </a:lstStyle>
           <a:p>
-            <a:pPr indent="0" defTabSz="457200">
+            <a:pPr indent="0" algn="ctr">
               <a:lnSpc>
                 <a:spcPct val="100000"/>
               </a:lnSpc>
               <a:buNone/>
-            </a:pPr>
-            <a:r>
-              <a:rPr b="0" lang="fr-CH" sz="1410" spc="-1" strike="noStrike">
-                <a:solidFill>
-                  <a:schemeClr val="dk1">
-                    <a:tint val="82000"/>
-                  </a:schemeClr>
-                </a:solidFill>
-                <a:latin typeface="Aptos"/>
-              </a:rPr>
-              <a:t>&lt;date/time&gt;</a:t>
-            </a:r>
-            <a:endParaRPr b="0" lang="en-US" sz="1410" spc="-1" strike="noStrike">
+              <a:tabLst>
+                <a:tab algn="l" pos="0"/>
+              </a:tabLst>
+            </a:pPr>
+            <a:r>
+              <a:rPr b="0" lang="en-US" sz="1400" spc="-1" strike="noStrike">
+                <a:solidFill>
+                  <a:srgbClr val="000000"/>
+                </a:solidFill>
+                <a:latin typeface="Times New Roman"/>
+              </a:rPr>
+              <a:t>&lt;footer&gt;</a:t>
+            </a:r>
+            <a:endParaRPr b="0" lang="en-US" sz="1400" spc="-1" strike="noStrike">
               <a:solidFill>
                 <a:srgbClr val="000000"/>
               </a:solidFill>
@@ -6517,18 +5151,18 @@
       </p:sp>
       <p:sp>
         <p:nvSpPr>
-          <p:cNvPr id="51" name="PlaceHolder 2"/>
+          <p:cNvPr id="40" name="PlaceHolder 2"/>
           <p:cNvSpPr>
             <a:spLocks noGrp="1"/>
           </p:cNvSpPr>
           <p:nvPr>
-            <p:ph type="ftr" idx="26"/>
+            <p:ph type="sldNum" idx="26"/>
           </p:nvPr>
         </p:nvSpPr>
         <p:spPr>
           <a:xfrm>
-            <a:off x="3541680" y="14013360"/>
-            <a:ext cx="3608280" cy="804600"/>
+            <a:off x="7551000" y="14013360"/>
+            <a:ext cx="2404440" cy="803880"/>
           </a:xfrm>
           <a:prstGeom prst="rect">
             <a:avLst/>
@@ -6543,30 +5177,46 @@
             <a:noAutofit/>
           </a:bodyPr>
           <a:lstStyle>
-            <a:lvl1pPr indent="0" algn="ctr">
+            <a:lvl1pPr indent="0" algn="r" defTabSz="457200">
+              <a:lnSpc>
+                <a:spcPct val="100000"/>
+              </a:lnSpc>
               <a:buNone/>
-              <a:defRPr b="0" lang="en-US" sz="1400" spc="-1" strike="noStrike">
-                <a:solidFill>
-                  <a:srgbClr val="000000"/>
-                </a:solidFill>
-                <a:latin typeface="Times New Roman"/>
+              <a:tabLst>
+                <a:tab algn="l" pos="0"/>
+              </a:tabLst>
+              <a:defRPr b="0" lang="fr-CH" sz="1410" spc="-1" strike="noStrike">
+                <a:solidFill>
+                  <a:schemeClr val="dk1">
+                    <a:tint val="82000"/>
+                  </a:schemeClr>
+                </a:solidFill>
+                <a:latin typeface="Aptos"/>
               </a:defRPr>
             </a:lvl1pPr>
           </a:lstStyle>
           <a:p>
-            <a:pPr indent="0" algn="ctr">
+            <a:pPr indent="0" algn="r" defTabSz="457200">
+              <a:lnSpc>
+                <a:spcPct val="100000"/>
+              </a:lnSpc>
               <a:buNone/>
-            </a:pPr>
-            <a:r>
-              <a:rPr b="0" lang="en-US" sz="1400" spc="-1" strike="noStrike">
-                <a:solidFill>
-                  <a:srgbClr val="000000"/>
-                </a:solidFill>
-                <a:latin typeface="Times New Roman"/>
-              </a:rPr>
-              <a:t>&lt;footer&gt;</a:t>
-            </a:r>
-            <a:endParaRPr b="0" lang="en-US" sz="1400" spc="-1" strike="noStrike">
+              <a:tabLst>
+                <a:tab algn="l" pos="0"/>
+              </a:tabLst>
+            </a:pPr>
+            <a:fld id="{7757B2C4-FA61-41A4-930C-9657B83F6F7C}" type="slidenum">
+              <a:rPr b="0" lang="fr-CH" sz="1410" spc="-1" strike="noStrike">
+                <a:solidFill>
+                  <a:schemeClr val="dk1">
+                    <a:tint val="82000"/>
+                  </a:schemeClr>
+                </a:solidFill>
+                <a:latin typeface="Aptos"/>
+              </a:rPr>
+              <a:t>&lt;number&gt;</a:t>
+            </a:fld>
+            <a:endParaRPr b="0" lang="en-US" sz="1410" spc="-1" strike="noStrike">
               <a:solidFill>
                 <a:srgbClr val="000000"/>
               </a:solidFill>
@@ -6577,18 +5227,18 @@
       </p:sp>
       <p:sp>
         <p:nvSpPr>
-          <p:cNvPr id="52" name="PlaceHolder 3"/>
+          <p:cNvPr id="41" name="PlaceHolder 3"/>
           <p:cNvSpPr>
             <a:spLocks noGrp="1"/>
           </p:cNvSpPr>
           <p:nvPr>
-            <p:ph type="sldNum" idx="27"/>
+            <p:ph type="dt" idx="27"/>
           </p:nvPr>
         </p:nvSpPr>
         <p:spPr>
           <a:xfrm>
-            <a:off x="7551000" y="14013360"/>
-            <a:ext cx="2405160" cy="804600"/>
+            <a:off x="735120" y="14013360"/>
+            <a:ext cx="2404440" cy="803880"/>
           </a:xfrm>
           <a:prstGeom prst="rect">
             <a:avLst/>
@@ -6603,40 +5253,30 @@
             <a:noAutofit/>
           </a:bodyPr>
           <a:lstStyle>
-            <a:lvl1pPr indent="0" algn="r" defTabSz="457200">
-              <a:lnSpc>
-                <a:spcPct val="100000"/>
-              </a:lnSpc>
+            <a:lvl1pPr indent="0">
               <a:buNone/>
-              <a:defRPr b="0" lang="fr-CH" sz="1410" spc="-1" strike="noStrike">
-                <a:solidFill>
-                  <a:schemeClr val="dk1">
-                    <a:tint val="82000"/>
-                  </a:schemeClr>
-                </a:solidFill>
-                <a:latin typeface="Aptos"/>
+              <a:defRPr b="0" lang="en-US" sz="1400" spc="-1" strike="noStrike">
+                <a:solidFill>
+                  <a:srgbClr val="000000"/>
+                </a:solidFill>
+                <a:latin typeface="Times New Roman"/>
               </a:defRPr>
             </a:lvl1pPr>
           </a:lstStyle>
           <a:p>
-            <a:pPr indent="0" algn="r" defTabSz="457200">
-              <a:lnSpc>
-                <a:spcPct val="100000"/>
-              </a:lnSpc>
+            <a:pPr indent="0">
               <a:buNone/>
             </a:pPr>
-            <a:fld id="{14D316A1-E842-4328-8EB7-B6DEAC6CCF46}" type="slidenum">
-              <a:rPr b="0" lang="fr-CH" sz="1410" spc="-1" strike="noStrike">
-                <a:solidFill>
-                  <a:schemeClr val="dk1">
-                    <a:tint val="82000"/>
-                  </a:schemeClr>
-                </a:solidFill>
-                <a:latin typeface="Aptos"/>
-              </a:rPr>
-              <a:t>&lt;number&gt;</a:t>
-            </a:fld>
-            <a:endParaRPr b="0" lang="en-US" sz="1410" spc="-1" strike="noStrike">
+            <a:r>
+              <a:rPr b="0" lang="en-US" sz="1400" spc="-1" strike="noStrike">
+                <a:solidFill>
+                  <a:srgbClr val="000000"/>
+                </a:solidFill>
+                <a:latin typeface="Times New Roman"/>
+              </a:rPr>
+              <a:t>&lt;date/time&gt;</a:t>
+            </a:r>
+            <a:endParaRPr b="0" lang="en-US" sz="1400" spc="-1" strike="noStrike">
               <a:solidFill>
                 <a:srgbClr val="000000"/>
               </a:solidFill>
@@ -6671,40 +5311,16 @@
           <a:chExt cx="0" cy="0"/>
         </a:xfrm>
       </p:grpSpPr>
-      <p:pic>
-        <p:nvPicPr>
-          <p:cNvPr id="71" name="Picture 4" descr=""/>
-          <p:cNvPicPr/>
+      <p:sp>
+        <p:nvSpPr>
+          <p:cNvPr id="54" name="ZoneTexte 8"/>
+          <p:cNvSpPr/>
           <p:nvPr/>
-        </p:nvPicPr>
-        <p:blipFill>
-          <a:blip r:embed="rId1"/>
-          <a:srcRect l="1154" t="1764" r="3792" b="9563"/>
-          <a:stretch/>
-        </p:blipFill>
+        </p:nvSpPr>
         <p:spPr>
           <a:xfrm>
-            <a:off x="5346000" y="3949920"/>
-            <a:ext cx="4934880" cy="5967000"/>
-          </a:xfrm>
-          <a:prstGeom prst="rect">
-            <a:avLst/>
-          </a:prstGeom>
-          <a:ln w="0">
-            <a:noFill/>
-          </a:ln>
-        </p:spPr>
-      </p:pic>
-      <p:sp>
-        <p:nvSpPr>
-          <p:cNvPr id="72" name="ZoneTexte 8"/>
-          <p:cNvSpPr/>
-          <p:nvPr/>
-        </p:nvSpPr>
-        <p:spPr>
-          <a:xfrm>
-            <a:off x="5346000" y="10665360"/>
-            <a:ext cx="4934880" cy="2565360"/>
+            <a:off x="5346000" y="7510680"/>
+            <a:ext cx="4934160" cy="2450880"/>
           </a:xfrm>
           <a:prstGeom prst="rect">
             <a:avLst/>
@@ -6730,10 +5346,10 @@
                 <a:spcPct val="100000"/>
               </a:lnSpc>
               <a:spcBef>
-                <a:spcPts val="1191"/>
+                <a:spcPts val="720"/>
               </a:spcBef>
               <a:spcAft>
-                <a:spcPts val="992"/>
+                <a:spcPts val="1009"/>
               </a:spcAft>
             </a:pPr>
             <a:r>
@@ -6758,10 +5374,10 @@
                 <a:spcPct val="100000"/>
               </a:lnSpc>
               <a:spcBef>
-                <a:spcPts val="1191"/>
+                <a:spcPts val="720"/>
               </a:spcBef>
               <a:spcAft>
-                <a:spcPts val="992"/>
+                <a:spcPts val="1009"/>
               </a:spcAft>
             </a:pPr>
             <a:r>
@@ -6771,7 +5387,7 @@
                 </a:solidFill>
                 <a:latin typeface="Arial"/>
               </a:rPr>
-              <a:t>Les résultats de ce travail permettent de conclure que les techniques d'optimisation classiques restent efficaces, même pour un rendu photoréaliste.</a:t>
+              <a:t>Les résultats de ce travail permettent de conclure que les techniques d'optimisation classiques restent très efficaces, même pour un rendu photoréaliste.</a:t>
             </a:r>
             <a:endParaRPr b="0" lang="en-US" sz="1400" spc="-1" strike="noStrike">
               <a:solidFill>
@@ -6786,10 +5402,10 @@
                 <a:spcPct val="100000"/>
               </a:lnSpc>
               <a:spcBef>
-                <a:spcPts val="1191"/>
+                <a:spcPts val="720"/>
               </a:spcBef>
               <a:spcAft>
-                <a:spcPts val="992"/>
+                <a:spcPts val="1009"/>
               </a:spcAft>
             </a:pPr>
             <a:r>
@@ -6810,16 +5426,40 @@
           </a:p>
         </p:txBody>
       </p:sp>
-      <p:sp>
-        <p:nvSpPr>
-          <p:cNvPr id="73" name="ZoneTexte 16"/>
+      <p:pic>
+        <p:nvPicPr>
+          <p:cNvPr id="55" name="Picture 4" descr=""/>
+          <p:cNvPicPr/>
+          <p:nvPr/>
+        </p:nvPicPr>
+        <p:blipFill>
+          <a:blip r:embed="rId1"/>
+          <a:srcRect l="50746" t="60285" r="3792" b="9563"/>
+          <a:stretch/>
+        </p:blipFill>
+        <p:spPr>
+          <a:xfrm>
+            <a:off x="7809120" y="10706760"/>
+            <a:ext cx="2489760" cy="2316600"/>
+          </a:xfrm>
+          <a:prstGeom prst="rect">
+            <a:avLst/>
+          </a:prstGeom>
+          <a:ln w="0">
+            <a:noFill/>
+          </a:ln>
+        </p:spPr>
+      </p:pic>
+      <p:sp>
+        <p:nvSpPr>
+          <p:cNvPr id="56" name="ZoneTexte 16"/>
           <p:cNvSpPr/>
           <p:nvPr/>
         </p:nvSpPr>
         <p:spPr>
           <a:xfrm>
             <a:off x="410760" y="2058840"/>
-            <a:ext cx="9698400" cy="1461240"/>
+            <a:ext cx="9697680" cy="1461240"/>
           </a:xfrm>
           <a:prstGeom prst="rect">
             <a:avLst/>
@@ -6865,14 +5505,14 @@
       </p:sp>
       <p:sp>
         <p:nvSpPr>
-          <p:cNvPr id="74" name="ZoneTexte 20"/>
+          <p:cNvPr id="57" name="ZoneTexte 20"/>
           <p:cNvSpPr/>
           <p:nvPr/>
         </p:nvSpPr>
         <p:spPr>
           <a:xfrm>
             <a:off x="4845960" y="391680"/>
-            <a:ext cx="5346720" cy="1186920"/>
+            <a:ext cx="5346000" cy="1186920"/>
           </a:xfrm>
           <a:prstGeom prst="rect">
             <a:avLst/>
@@ -6962,14 +5602,14 @@
       </p:sp>
       <p:sp>
         <p:nvSpPr>
-          <p:cNvPr id="75" name="ZoneTexte 9"/>
+          <p:cNvPr id="58" name="ZoneTexte 9"/>
           <p:cNvSpPr/>
           <p:nvPr/>
         </p:nvSpPr>
         <p:spPr>
           <a:xfrm>
             <a:off x="410760" y="13662720"/>
-            <a:ext cx="10765080" cy="1369800"/>
+            <a:ext cx="10764360" cy="1369800"/>
           </a:xfrm>
           <a:prstGeom prst="rect">
             <a:avLst/>
@@ -7340,7 +5980,7 @@
               <a:t>2025</a:t>
             </a:r>
             <a:r>
-              <a:rPr b="1" lang="fr-FR" sz="1200" spc="214" strike="noStrike">
+              <a:rPr b="1" lang="fr-FR" sz="1200" spc="208" strike="noStrike">
                 <a:solidFill>
                   <a:schemeClr val="dk1"/>
                 </a:solidFill>
@@ -7471,7 +6111,7 @@
       </p:sp>
       <p:pic>
         <p:nvPicPr>
-          <p:cNvPr id="76" name="object 13" descr=""/>
+          <p:cNvPr id="59" name="object 13" descr=""/>
           <p:cNvPicPr/>
           <p:nvPr/>
         </p:nvPicPr>
@@ -7482,7 +6122,7 @@
         <p:spPr>
           <a:xfrm>
             <a:off x="8978040" y="13900680"/>
-            <a:ext cx="1130760" cy="492480"/>
+            <a:ext cx="1130040" cy="491760"/>
           </a:xfrm>
           <a:prstGeom prst="rect">
             <a:avLst/>
@@ -7494,7 +6134,7 @@
       </p:pic>
       <p:pic>
         <p:nvPicPr>
-          <p:cNvPr id="77" name="Image 13" descr="Une image contenant Police, symbole, Graphique, logo&#10;&#10;Le contenu généré par l’IA peut être incorrect."/>
+          <p:cNvPr id="60" name="Image 13" descr="Une image contenant Police, symbole, Graphique, logo&#10;&#10;Le contenu généré par l’IA peut être incorrect."/>
           <p:cNvPicPr/>
           <p:nvPr/>
         </p:nvPicPr>
@@ -7505,7 +6145,7 @@
         <p:spPr>
           <a:xfrm>
             <a:off x="498960" y="471240"/>
-            <a:ext cx="1417320" cy="1061280"/>
+            <a:ext cx="1416600" cy="1060560"/>
           </a:xfrm>
           <a:prstGeom prst="rect">
             <a:avLst/>
@@ -7517,14 +6157,14 @@
       </p:pic>
       <p:sp>
         <p:nvSpPr>
-          <p:cNvPr id="78" name="ZoneTexte 6"/>
+          <p:cNvPr id="61" name="ZoneTexte 6"/>
           <p:cNvSpPr/>
           <p:nvPr/>
         </p:nvSpPr>
         <p:spPr>
           <a:xfrm>
             <a:off x="410760" y="3949920"/>
-            <a:ext cx="4734360" cy="6599160"/>
+            <a:ext cx="4733640" cy="6738840"/>
           </a:xfrm>
           <a:prstGeom prst="rect">
             <a:avLst/>
@@ -7550,10 +6190,10 @@
                 <a:spcPct val="100000"/>
               </a:lnSpc>
               <a:spcBef>
-                <a:spcPts val="1191"/>
+                <a:spcPts val="720"/>
               </a:spcBef>
               <a:spcAft>
-                <a:spcPts val="992"/>
+                <a:spcPts val="1009"/>
               </a:spcAft>
             </a:pPr>
             <a:r>
@@ -7578,10 +6218,10 @@
                 <a:spcPct val="100000"/>
               </a:lnSpc>
               <a:spcBef>
-                <a:spcPts val="1191"/>
+                <a:spcPts val="720"/>
               </a:spcBef>
               <a:spcAft>
-                <a:spcPts val="992"/>
+                <a:spcPts val="1009"/>
               </a:spcAft>
             </a:pPr>
             <a:r>
@@ -7606,10 +6246,10 @@
                 <a:spcPct val="100000"/>
               </a:lnSpc>
               <a:spcBef>
-                <a:spcPts val="1191"/>
+                <a:spcPts val="720"/>
               </a:spcBef>
               <a:spcAft>
-                <a:spcPts val="992"/>
+                <a:spcPts val="1009"/>
               </a:spcAft>
             </a:pPr>
             <a:r>
@@ -7634,10 +6274,10 @@
                 <a:spcPct val="100000"/>
               </a:lnSpc>
               <a:spcBef>
-                <a:spcPts val="1191"/>
+                <a:spcPts val="720"/>
               </a:spcBef>
               <a:spcAft>
-                <a:spcPts val="992"/>
+                <a:spcPts val="1009"/>
               </a:spcAft>
             </a:pPr>
             <a:r>
@@ -7662,10 +6302,10 @@
                 <a:spcPct val="100000"/>
               </a:lnSpc>
               <a:spcBef>
-                <a:spcPts val="1191"/>
+                <a:spcPts val="720"/>
               </a:spcBef>
               <a:spcAft>
-                <a:spcPts val="992"/>
+                <a:spcPts val="1009"/>
               </a:spcAft>
             </a:pPr>
             <a:r>
@@ -7675,7 +6315,43 @@
                 </a:solidFill>
                 <a:latin typeface="Arial"/>
               </a:rPr>
-              <a:t>Ce travail de Bachelor explore, dans un premier temps, l'état de l'art des techniques d'optimisation de performance ainsi que leur usage dans les moteurs de jeux populaires. Dans un second temps, ce projet détaille le développement d'un prototype de jeu en monde ouvert ainsi que l'implémentation de certaines fonctionnalités attendues pour un tel jeu. Puis, certaines des techniques recherchées sont implémentées en adhérant autant que faire se peut à l'état de l'art. Finalement, une mesure des performance permet de déterminer l'impact de chacune de ces techniques implémentées et de les comparer entre elles.</a:t>
+              <a:t>Ce travail de Bachelor explore, dans un premier temps, l'état de l'art des techniques d'optimisation de performance ainsi que leur usage dans les moteurs de jeux populaires. Dans un second temps, ce projet détaille le développement d'un prototype de jeu en monde ouvert ainsi que l'implémentation de certaines fonctionnalités attendues pour un tel jeu. Puis, certaines des techniques recherchées sont implémentées en adhérant autant possible à l'état de l'art. Les techniques choisies sont </a:t>
+            </a:r>
+            <a:r>
+              <a:rPr b="0" i="1" lang="fr-CH" sz="1400" spc="-1" strike="noStrike">
+                <a:solidFill>
+                  <a:schemeClr val="dk1"/>
+                </a:solidFill>
+                <a:latin typeface="Arial"/>
+              </a:rPr>
+              <a:t>Level of Detail</a:t>
+            </a:r>
+            <a:r>
+              <a:rPr b="0" lang="fr-CH" sz="1400" spc="-1" strike="noStrike">
+                <a:solidFill>
+                  <a:schemeClr val="dk1"/>
+                </a:solidFill>
+                <a:latin typeface="Arial"/>
+              </a:rPr>
+              <a:t>, chargement du monde asynchrone, </a:t>
+            </a:r>
+            <a:r>
+              <a:rPr b="0" i="1" lang="fr-CH" sz="1400" spc="-1" strike="noStrike">
+                <a:solidFill>
+                  <a:schemeClr val="dk1"/>
+                </a:solidFill>
+                <a:latin typeface="Arial"/>
+              </a:rPr>
+              <a:t>Impostor</a:t>
+            </a:r>
+            <a:r>
+              <a:rPr b="0" lang="fr-CH" sz="1400" spc="-1" strike="noStrike">
+                <a:solidFill>
+                  <a:schemeClr val="dk1"/>
+                </a:solidFill>
+                <a:latin typeface="Arial"/>
+              </a:rPr>
+              <a:t> et optimisation par shader. Finalement, une mesure des performance permet de déterminer l'impact de chacune de ces techniques implémentées et de les comparer entre elles.</a:t>
             </a:r>
             <a:endParaRPr b="0" lang="en-US" sz="1400" spc="-1" strike="noStrike">
               <a:solidFill>
@@ -7690,10 +6366,10 @@
                 <a:spcPct val="100000"/>
               </a:lnSpc>
               <a:spcBef>
-                <a:spcPts val="1191"/>
+                <a:spcPts val="720"/>
               </a:spcBef>
               <a:spcAft>
-                <a:spcPts val="992"/>
+                <a:spcPts val="1009"/>
               </a:spcAft>
             </a:pPr>
             <a:r>
@@ -7716,7 +6392,7 @@
       </p:sp>
       <p:pic>
         <p:nvPicPr>
-          <p:cNvPr id="79" name="Picture 24" descr=""/>
+          <p:cNvPr id="62" name="Picture 24" descr=""/>
           <p:cNvPicPr/>
           <p:nvPr/>
         </p:nvPicPr>
@@ -7727,8 +6403,8 @@
         </p:blipFill>
         <p:spPr>
           <a:xfrm>
-            <a:off x="456840" y="10827360"/>
-            <a:ext cx="4641840" cy="1965600"/>
+            <a:off x="456840" y="11032200"/>
+            <a:ext cx="4641120" cy="1964880"/>
           </a:xfrm>
           <a:prstGeom prst="rect">
             <a:avLst/>
@@ -7740,14 +6416,14 @@
       </p:pic>
       <p:sp>
         <p:nvSpPr>
-          <p:cNvPr id="80" name="ZoneTexte 8"/>
+          <p:cNvPr id="63" name="ZoneTexte 8"/>
           <p:cNvSpPr/>
           <p:nvPr/>
         </p:nvSpPr>
         <p:spPr>
           <a:xfrm>
-            <a:off x="456840" y="12799080"/>
-            <a:ext cx="4641840" cy="455400"/>
+            <a:off x="456840" y="13003920"/>
+            <a:ext cx="4641120" cy="455400"/>
           </a:xfrm>
           <a:prstGeom prst="rect">
             <a:avLst/>
@@ -7787,7 +6463,17 @@
                 <a:latin typeface="Arial"/>
                 <a:ea typeface="Noto Sans CJK SC"/>
               </a:rPr>
-              <a:t>Fig. 1 : Comparaison </a:t>
+              <a:t>Fig. 1 : Comparaison du maillage d’un modèle avant et après l’implémentation de la fonctionnalité </a:t>
+            </a:r>
+            <a:r>
+              <a:rPr b="0" lang="en-GB" sz="1200" spc="-1" strike="noStrike">
+                <a:solidFill>
+                  <a:schemeClr val="dk1"/>
+                </a:solidFill>
+                <a:latin typeface="Arial"/>
+                <a:ea typeface="Noto Sans CJK SC"/>
+              </a:rPr>
+              <a:t>Impostor</a:t>
             </a:r>
             <a:r>
               <a:rPr b="0" i="1" lang="en-GB" sz="1200" spc="-1" strike="noStrike">
@@ -7795,24 +6481,7 @@
                   <a:schemeClr val="dk1"/>
                 </a:solidFill>
                 <a:latin typeface="Arial"/>
-              </a:rPr>
-              <a:t>du maillage d’un modèle avant et après l’implémentation de la fonctionnalité </a:t>
-            </a:r>
-            <a:r>
-              <a:rPr b="0" lang="en-GB" sz="1200" spc="-1" strike="noStrike">
-                <a:solidFill>
-                  <a:schemeClr val="dk1"/>
-                </a:solidFill>
-                <a:latin typeface="Arial"/>
-              </a:rPr>
-              <a:t>Impostor</a:t>
-            </a:r>
-            <a:r>
-              <a:rPr b="0" i="1" lang="en-GB" sz="1200" spc="-1" strike="noStrike">
-                <a:solidFill>
-                  <a:schemeClr val="dk1"/>
-                </a:solidFill>
-                <a:latin typeface="Arial"/>
+                <a:ea typeface="Noto Sans CJK SC"/>
               </a:rPr>
               <a:t>.</a:t>
             </a:r>
@@ -7827,14 +6496,14 @@
       </p:sp>
       <p:sp>
         <p:nvSpPr>
-          <p:cNvPr id="81" name="ZoneTexte 8"/>
+          <p:cNvPr id="64" name="ZoneTexte 8"/>
           <p:cNvSpPr/>
           <p:nvPr/>
         </p:nvSpPr>
         <p:spPr>
           <a:xfrm>
-            <a:off x="5346000" y="9900000"/>
-            <a:ext cx="4934880" cy="455400"/>
+            <a:off x="5487840" y="13023720"/>
+            <a:ext cx="4792320" cy="456120"/>
           </a:xfrm>
           <a:prstGeom prst="rect">
             <a:avLst/>
@@ -7873,7 +6542,237 @@
                 </a:solidFill>
                 <a:latin typeface="Arial"/>
               </a:rPr>
-              <a:t>Fig. 2 : Statistiques de tests automatisé de performance pour différentes techniques implémentées</a:t>
+              <a:t>Fig. 3 : Statistiques de tests automatisés de performance lors d’une situation usuelle, et d’une inhabituelle, de gauche à droite.</a:t>
+            </a:r>
+            <a:endParaRPr b="0" lang="en-US" sz="1200" spc="-1" strike="noStrike">
+              <a:solidFill>
+                <a:srgbClr val="000000"/>
+              </a:solidFill>
+              <a:latin typeface="Arial"/>
+            </a:endParaRPr>
+          </a:p>
+        </p:txBody>
+      </p:sp>
+      <p:pic>
+        <p:nvPicPr>
+          <p:cNvPr id="65" name="Picture 1" descr=""/>
+          <p:cNvPicPr/>
+          <p:nvPr/>
+        </p:nvPicPr>
+        <p:blipFill>
+          <a:blip r:embed="rId5"/>
+          <a:srcRect l="51371" t="31120" r="3796" b="39746"/>
+          <a:stretch/>
+        </p:blipFill>
+        <p:spPr>
+          <a:xfrm>
+            <a:off x="5353560" y="10734120"/>
+            <a:ext cx="2455200" cy="2236320"/>
+          </a:xfrm>
+          <a:prstGeom prst="rect">
+            <a:avLst/>
+          </a:prstGeom>
+          <a:ln w="0">
+            <a:noFill/>
+          </a:ln>
+        </p:spPr>
+      </p:pic>
+      <p:sp>
+        <p:nvSpPr>
+          <p:cNvPr id="66" name=""/>
+          <p:cNvSpPr/>
+          <p:nvPr/>
+        </p:nvSpPr>
+        <p:spPr>
+          <a:xfrm>
+            <a:off x="7809120" y="10378440"/>
+            <a:ext cx="907200" cy="239400"/>
+          </a:xfrm>
+          <a:prstGeom prst="rect">
+            <a:avLst/>
+          </a:prstGeom>
+          <a:noFill/>
+          <a:ln w="0">
+            <a:noFill/>
+          </a:ln>
+        </p:spPr>
+        <p:style>
+          <a:lnRef idx="0"/>
+          <a:fillRef idx="0"/>
+          <a:effectRef idx="0"/>
+          <a:fontRef idx="minor"/>
+        </p:style>
+        <p:txBody>
+          <a:bodyPr lIns="90000" rIns="90000" tIns="45000" bIns="45000" anchor="t">
+            <a:noAutofit/>
+          </a:bodyPr>
+          <a:p>
+            <a:pPr>
+              <a:lnSpc>
+                <a:spcPct val="100000"/>
+              </a:lnSpc>
+            </a:pPr>
+            <a:r>
+              <a:rPr b="0" lang="en-US" sz="1000" spc="-1" strike="noStrike">
+                <a:solidFill>
+                  <a:srgbClr val="000000"/>
+                </a:solidFill>
+                <a:latin typeface="MathJax_Main"/>
+              </a:rPr>
+              <a:t>Teleport [ms]</a:t>
+            </a:r>
+            <a:endParaRPr b="0" lang="en-US" sz="1000" spc="-1" strike="noStrike">
+              <a:solidFill>
+                <a:srgbClr val="000000"/>
+              </a:solidFill>
+              <a:latin typeface="Arial"/>
+            </a:endParaRPr>
+          </a:p>
+        </p:txBody>
+      </p:sp>
+      <p:sp>
+        <p:nvSpPr>
+          <p:cNvPr id="67" name=""/>
+          <p:cNvSpPr/>
+          <p:nvPr/>
+        </p:nvSpPr>
+        <p:spPr>
+          <a:xfrm>
+            <a:off x="5353560" y="10387800"/>
+            <a:ext cx="1167120" cy="239400"/>
+          </a:xfrm>
+          <a:prstGeom prst="rect">
+            <a:avLst/>
+          </a:prstGeom>
+          <a:noFill/>
+          <a:ln w="0">
+            <a:noFill/>
+          </a:ln>
+        </p:spPr>
+        <p:style>
+          <a:lnRef idx="0"/>
+          <a:fillRef idx="0"/>
+          <a:effectRef idx="0"/>
+          <a:fontRef idx="minor"/>
+        </p:style>
+        <p:txBody>
+          <a:bodyPr lIns="90000" rIns="90000" tIns="45000" bIns="45000" anchor="t">
+            <a:noAutofit/>
+          </a:bodyPr>
+          <a:p>
+            <a:pPr>
+              <a:lnSpc>
+                <a:spcPct val="100000"/>
+              </a:lnSpc>
+            </a:pPr>
+            <a:r>
+              <a:rPr b="0" lang="en-US" sz="1000" spc="-1" strike="noStrike">
+                <a:solidFill>
+                  <a:srgbClr val="000000"/>
+                </a:solidFill>
+                <a:latin typeface="MathJax_Main"/>
+              </a:rPr>
+              <a:t>MoveFast [ms]</a:t>
+            </a:r>
+            <a:endParaRPr b="0" lang="en-US" sz="1000" spc="-1" strike="noStrike">
+              <a:solidFill>
+                <a:srgbClr val="000000"/>
+              </a:solidFill>
+              <a:latin typeface="Arial"/>
+            </a:endParaRPr>
+          </a:p>
+        </p:txBody>
+      </p:sp>
+      <p:pic>
+        <p:nvPicPr>
+          <p:cNvPr id="68" name="" descr=""/>
+          <p:cNvPicPr/>
+          <p:nvPr/>
+        </p:nvPicPr>
+        <p:blipFill>
+          <a:blip r:embed="rId6"/>
+          <a:stretch/>
+        </p:blipFill>
+        <p:spPr>
+          <a:xfrm>
+            <a:off x="5436360" y="4236480"/>
+            <a:ext cx="4882680" cy="2733480"/>
+          </a:xfrm>
+          <a:prstGeom prst="rect">
+            <a:avLst/>
+          </a:prstGeom>
+          <a:ln w="0">
+            <a:noFill/>
+          </a:ln>
+        </p:spPr>
+      </p:pic>
+      <p:sp>
+        <p:nvSpPr>
+          <p:cNvPr id="69" name="ZoneTexte 1"/>
+          <p:cNvSpPr/>
+          <p:nvPr/>
+        </p:nvSpPr>
+        <p:spPr>
+          <a:xfrm>
+            <a:off x="5487840" y="6962040"/>
+            <a:ext cx="4792320" cy="272520"/>
+          </a:xfrm>
+          <a:prstGeom prst="rect">
+            <a:avLst/>
+          </a:prstGeom>
+          <a:noFill/>
+          <a:ln w="0">
+            <a:noFill/>
+          </a:ln>
+        </p:spPr>
+        <p:style>
+          <a:lnRef idx="0"/>
+          <a:fillRef idx="0"/>
+          <a:effectRef idx="0"/>
+          <a:fontRef idx="minor"/>
+        </p:style>
+        <p:txBody>
+          <a:bodyPr lIns="90000" rIns="90000" tIns="45000" bIns="45000" anchor="t">
+            <a:spAutoFit/>
+          </a:bodyPr>
+          <a:p>
+            <a:pPr algn="just" defTabSz="457200">
+              <a:lnSpc>
+                <a:spcPct val="100000"/>
+              </a:lnSpc>
+              <a:spcBef>
+                <a:spcPts val="1191"/>
+              </a:spcBef>
+              <a:spcAft>
+                <a:spcPts val="992"/>
+              </a:spcAft>
+            </a:pPr>
+            <a:r>
+              <a:rPr b="0" i="1" lang="en-GB" sz="1200" spc="-1" strike="noStrike">
+                <a:solidFill>
+                  <a:schemeClr val="dk1"/>
+                </a:solidFill>
+                <a:latin typeface="Arial"/>
+              </a:rPr>
+              <a:t>Fig. 2 : Aperçu du prototype de jeu vidéo </a:t>
+            </a:r>
+            <a:r>
+              <a:rPr b="0" lang="en-GB" sz="1200" spc="-1" strike="noStrike">
+                <a:solidFill>
+                  <a:schemeClr val="dk1"/>
+                </a:solidFill>
+                <a:latin typeface="Arial"/>
+              </a:rPr>
+              <a:t>open world</a:t>
+            </a:r>
+            <a:r>
+              <a:rPr b="0" i="1" lang="en-GB" sz="1200" spc="-1" strike="noStrike">
+                <a:solidFill>
+                  <a:schemeClr val="dk1"/>
+                </a:solidFill>
+                <a:latin typeface="Arial"/>
+              </a:rPr>
+              <a:t> final.</a:t>
             </a:r>
             <a:endParaRPr b="0" lang="en-US" sz="1200" spc="-1" strike="noStrike">
               <a:solidFill>
